--- a/PARKTUS.pptx
+++ b/PARKTUS.pptx
@@ -10,14 +10,17 @@
     <p:sldId id="258" r:id="rId4"/>
     <p:sldId id="259" r:id="rId5"/>
     <p:sldId id="260" r:id="rId6"/>
-    <p:sldId id="261" r:id="rId7"/>
-    <p:sldId id="262" r:id="rId8"/>
-    <p:sldId id="268" r:id="rId9"/>
-    <p:sldId id="263" r:id="rId10"/>
-    <p:sldId id="264" r:id="rId11"/>
-    <p:sldId id="265" r:id="rId12"/>
-    <p:sldId id="266" r:id="rId13"/>
-    <p:sldId id="267" r:id="rId14"/>
+    <p:sldId id="270" r:id="rId7"/>
+    <p:sldId id="261" r:id="rId8"/>
+    <p:sldId id="262" r:id="rId9"/>
+    <p:sldId id="269" r:id="rId10"/>
+    <p:sldId id="268" r:id="rId11"/>
+    <p:sldId id="271" r:id="rId12"/>
+    <p:sldId id="263" r:id="rId13"/>
+    <p:sldId id="264" r:id="rId14"/>
+    <p:sldId id="265" r:id="rId15"/>
+    <p:sldId id="266" r:id="rId16"/>
+    <p:sldId id="267" r:id="rId17"/>
   </p:sldIdLst>
   <p:sldSz cx="12192000" cy="6858000"/>
   <p:notesSz cx="6858000" cy="9144000"/>
@@ -116,6 +119,11 @@
       </a:defRPr>
     </a:lvl9pPr>
   </p:defaultTextStyle>
+  <p:extLst>
+    <p:ext uri="{EFAFB233-063F-42B5-8137-9DF3F51BA10A}">
+      <p15:sldGuideLst xmlns:p15="http://schemas.microsoft.com/office/powerpoint/2012/main"/>
+    </p:ext>
+  </p:extLst>
 </p:presentation>
 </file>
 
@@ -1367,7 +1375,7 @@
           <a:p>
             <a:fld id="{912FD975-D9AD-4803-92EE-BEAE74ABE075}" type="datetimeFigureOut">
               <a:rPr lang="hr-HR" smtClean="0"/>
-              <a:t>4.11.2023.</a:t>
+              <a:t>5.11.2023.</a:t>
             </a:fld>
             <a:endParaRPr lang="hr-HR"/>
           </a:p>
@@ -1994,7 +2002,7 @@
           <a:p>
             <a:fld id="{912FD975-D9AD-4803-92EE-BEAE74ABE075}" type="datetimeFigureOut">
               <a:rPr lang="hr-HR" smtClean="0"/>
-              <a:t>4.11.2023.</a:t>
+              <a:t>5.11.2023.</a:t>
             </a:fld>
             <a:endParaRPr lang="hr-HR"/>
           </a:p>
@@ -2855,7 +2863,7 @@
           <a:p>
             <a:fld id="{912FD975-D9AD-4803-92EE-BEAE74ABE075}" type="datetimeFigureOut">
               <a:rPr lang="hr-HR" smtClean="0"/>
-              <a:t>4.11.2023.</a:t>
+              <a:t>5.11.2023.</a:t>
             </a:fld>
             <a:endParaRPr lang="hr-HR"/>
           </a:p>
@@ -3434,7 +3442,7 @@
           <a:p>
             <a:fld id="{912FD975-D9AD-4803-92EE-BEAE74ABE075}" type="datetimeFigureOut">
               <a:rPr lang="hr-HR" smtClean="0"/>
-              <a:t>4.11.2023.</a:t>
+              <a:t>5.11.2023.</a:t>
             </a:fld>
             <a:endParaRPr lang="hr-HR"/>
           </a:p>
@@ -3887,7 +3895,7 @@
           <a:p>
             <a:fld id="{912FD975-D9AD-4803-92EE-BEAE74ABE075}" type="datetimeFigureOut">
               <a:rPr lang="hr-HR" smtClean="0"/>
-              <a:t>4.11.2023.</a:t>
+              <a:t>5.11.2023.</a:t>
             </a:fld>
             <a:endParaRPr lang="hr-HR"/>
           </a:p>
@@ -5424,7 +5432,7 @@
           <a:p>
             <a:fld id="{912FD975-D9AD-4803-92EE-BEAE74ABE075}" type="datetimeFigureOut">
               <a:rPr lang="hr-HR" smtClean="0"/>
-              <a:t>4.11.2023.</a:t>
+              <a:t>5.11.2023.</a:t>
             </a:fld>
             <a:endParaRPr lang="hr-HR"/>
           </a:p>
@@ -5608,7 +5616,7 @@
           <a:p>
             <a:fld id="{912FD975-D9AD-4803-92EE-BEAE74ABE075}" type="datetimeFigureOut">
               <a:rPr lang="hr-HR" smtClean="0"/>
-              <a:t>4.11.2023.</a:t>
+              <a:t>5.11.2023.</a:t>
             </a:fld>
             <a:endParaRPr lang="hr-HR"/>
           </a:p>
@@ -6832,7 +6840,7 @@
           <a:p>
             <a:fld id="{912FD975-D9AD-4803-92EE-BEAE74ABE075}" type="datetimeFigureOut">
               <a:rPr lang="hr-HR" smtClean="0"/>
-              <a:t>4.11.2023.</a:t>
+              <a:t>5.11.2023.</a:t>
             </a:fld>
             <a:endParaRPr lang="hr-HR"/>
           </a:p>
@@ -8907,7 +8915,7 @@
           <a:p>
             <a:fld id="{912FD975-D9AD-4803-92EE-BEAE74ABE075}" type="datetimeFigureOut">
               <a:rPr lang="hr-HR" smtClean="0"/>
-              <a:t>4.11.2023.</a:t>
+              <a:t>5.11.2023.</a:t>
             </a:fld>
             <a:endParaRPr lang="hr-HR"/>
           </a:p>
@@ -10488,7 +10496,7 @@
           <a:p>
             <a:fld id="{912FD975-D9AD-4803-92EE-BEAE74ABE075}" type="datetimeFigureOut">
               <a:rPr lang="hr-HR" smtClean="0"/>
-              <a:t>4.11.2023.</a:t>
+              <a:t>5.11.2023.</a:t>
             </a:fld>
             <a:endParaRPr lang="hr-HR"/>
           </a:p>
@@ -10853,7 +10861,7 @@
           <a:p>
             <a:fld id="{912FD975-D9AD-4803-92EE-BEAE74ABE075}" type="datetimeFigureOut">
               <a:rPr lang="hr-HR" smtClean="0"/>
-              <a:t>4.11.2023.</a:t>
+              <a:t>5.11.2023.</a:t>
             </a:fld>
             <a:endParaRPr lang="hr-HR"/>
           </a:p>
@@ -11263,7 +11271,7 @@
           <a:p>
             <a:fld id="{912FD975-D9AD-4803-92EE-BEAE74ABE075}" type="datetimeFigureOut">
               <a:rPr lang="hr-HR" smtClean="0"/>
-              <a:t>4.11.2023.</a:t>
+              <a:t>5.11.2023.</a:t>
             </a:fld>
             <a:endParaRPr lang="hr-HR"/>
           </a:p>
@@ -11586,7 +11594,7 @@
           <a:p>
             <a:fld id="{912FD975-D9AD-4803-92EE-BEAE74ABE075}" type="datetimeFigureOut">
               <a:rPr lang="hr-HR" smtClean="0"/>
-              <a:t>4.11.2023.</a:t>
+              <a:t>5.11.2023.</a:t>
             </a:fld>
             <a:endParaRPr lang="hr-HR"/>
           </a:p>
@@ -12445,7 +12453,7 @@
           <a:p>
             <a:fld id="{912FD975-D9AD-4803-92EE-BEAE74ABE075}" type="datetimeFigureOut">
               <a:rPr lang="hr-HR" smtClean="0"/>
-              <a:t>4.11.2023.</a:t>
+              <a:t>5.11.2023.</a:t>
             </a:fld>
             <a:endParaRPr lang="hr-HR"/>
           </a:p>
@@ -13072,7 +13080,7 @@
           <a:p>
             <a:fld id="{912FD975-D9AD-4803-92EE-BEAE74ABE075}" type="datetimeFigureOut">
               <a:rPr lang="hr-HR" smtClean="0"/>
-              <a:t>4.11.2023.</a:t>
+              <a:t>5.11.2023.</a:t>
             </a:fld>
             <a:endParaRPr lang="hr-HR"/>
           </a:p>
@@ -13823,7 +13831,7 @@
           <a:p>
             <a:fld id="{912FD975-D9AD-4803-92EE-BEAE74ABE075}" type="datetimeFigureOut">
               <a:rPr lang="hr-HR" smtClean="0"/>
-              <a:t>4.11.2023.</a:t>
+              <a:t>5.11.2023.</a:t>
             </a:fld>
             <a:endParaRPr lang="hr-HR"/>
           </a:p>
@@ -14275,7 +14283,7 @@
           <a:p>
             <a:fld id="{912FD975-D9AD-4803-92EE-BEAE74ABE075}" type="datetimeFigureOut">
               <a:rPr lang="hr-HR" smtClean="0"/>
-              <a:t>4.11.2023.</a:t>
+              <a:t>5.11.2023.</a:t>
             </a:fld>
             <a:endParaRPr lang="hr-HR"/>
           </a:p>
@@ -14972,7 +14980,7 @@
           <a:p>
             <a:fld id="{912FD975-D9AD-4803-92EE-BEAE74ABE075}" type="datetimeFigureOut">
               <a:rPr lang="hr-HR" smtClean="0"/>
-              <a:t>4.11.2023.</a:t>
+              <a:t>5.11.2023.</a:t>
             </a:fld>
             <a:endParaRPr lang="hr-HR"/>
           </a:p>
@@ -15824,7 +15832,7 @@
           <a:p>
             <a:fld id="{912FD975-D9AD-4803-92EE-BEAE74ABE075}" type="datetimeFigureOut">
               <a:rPr lang="hr-HR" smtClean="0"/>
-              <a:t>4.11.2023.</a:t>
+              <a:t>5.11.2023.</a:t>
             </a:fld>
             <a:endParaRPr lang="hr-HR"/>
           </a:p>
@@ -16170,7 +16178,7 @@
           <a:p>
             <a:fld id="{912FD975-D9AD-4803-92EE-BEAE74ABE075}" type="datetimeFigureOut">
               <a:rPr lang="hr-HR" smtClean="0"/>
-              <a:t>4.11.2023.</a:t>
+              <a:t>5.11.2023.</a:t>
             </a:fld>
             <a:endParaRPr lang="hr-HR"/>
           </a:p>
@@ -16669,7 +16677,7 @@
         </p:nvSpPr>
         <p:spPr>
           <a:xfrm>
-            <a:off x="5354508" y="886084"/>
+            <a:off x="5453899" y="876424"/>
             <a:ext cx="8918713" cy="2387600"/>
           </a:xfrm>
         </p:spPr>
@@ -16885,7 +16893,7 @@
           <p:cNvPr id="2" name="Title 1">
             <a:extLst>
               <a:ext uri="{FF2B5EF4-FFF2-40B4-BE49-F238E27FC236}">
-                <a16:creationId xmlns:a16="http://schemas.microsoft.com/office/drawing/2014/main" id="{E1667C6E-7AB1-9AA8-9A6D-6B062B1ABEAA}"/>
+                <a16:creationId xmlns:a16="http://schemas.microsoft.com/office/drawing/2014/main" id="{AF5B213E-F419-56D9-13CA-33E388429C85}"/>
               </a:ext>
             </a:extLst>
           </p:cNvPr>
@@ -16903,15 +16911,8 @@
           <a:p>
             <a:r>
               <a:rPr lang="hr-HR" dirty="0"/>
-              <a:t>Prednosti korištenja Parktusa </a:t>
-            </a:r>
-            <a:r>
-              <a:rPr lang="hr-HR" dirty="0">
-                <a:sym typeface="Wingdings" panose="05000000000000000000" pitchFamily="2" charset="2"/>
-              </a:rPr>
-              <a:t></a:t>
-            </a:r>
-            <a:endParaRPr lang="hr-HR" dirty="0"/>
+              <a:t>Pregled karte </a:t>
+            </a:r>
           </a:p>
         </p:txBody>
       </p:sp>
@@ -16920,7 +16921,7 @@
           <p:cNvPr id="3" name="Content Placeholder 2">
             <a:extLst>
               <a:ext uri="{FF2B5EF4-FFF2-40B4-BE49-F238E27FC236}">
-                <a16:creationId xmlns:a16="http://schemas.microsoft.com/office/drawing/2014/main" id="{8457CE9B-0828-F075-4D33-EEE62917B26E}"/>
+                <a16:creationId xmlns:a16="http://schemas.microsoft.com/office/drawing/2014/main" id="{1BD44D1F-DDD1-CD60-BAAE-B738D0F12158}"/>
               </a:ext>
             </a:extLst>
           </p:cNvPr>
@@ -16934,27 +16935,60 @@
         <p:spPr/>
         <p:txBody>
           <a:bodyPr>
-            <a:normAutofit/>
+            <a:normAutofit fontScale="62500" lnSpcReduction="20000"/>
           </a:bodyPr>
           <a:lstStyle/>
           <a:p>
             <a:r>
               <a:rPr lang="hr-HR" dirty="0"/>
-              <a:t>Ušteda vremena i živaca</a:t>
+              <a:t>Za odabir određenog mjesta prikazuju mu se određene opcije</a:t>
             </a:r>
           </a:p>
           <a:p>
             <a:r>
               <a:rPr lang="hr-HR" dirty="0"/>
-              <a:t>Ušteda goriva i novčanih sredstava</a:t>
-            </a:r>
+              <a:t>Za zauzeto mjesto:</a:t>
+            </a:r>
+          </a:p>
+          <a:p>
+            <a:pPr lvl="1"/>
+            <a:r>
+              <a:rPr lang="hr-HR" dirty="0"/>
+              <a:t>Vidljivo je vrijeme do kad je mjesto zauzeto</a:t>
+            </a:r>
+          </a:p>
+          <a:p>
+            <a:r>
+              <a:rPr lang="hr-HR" dirty="0"/>
+              <a:t>Za slobodno mjesto:</a:t>
+            </a:r>
+          </a:p>
+          <a:p>
+            <a:pPr lvl="1"/>
+            <a:r>
+              <a:rPr lang="hr-HR" dirty="0"/>
+              <a:t>Vidljiva je cijena parkirnog mjesta po satu</a:t>
+            </a:r>
+          </a:p>
+          <a:p>
+            <a:pPr lvl="1"/>
+            <a:r>
+              <a:rPr lang="hr-HR" dirty="0"/>
+              <a:t>Mogućnost rezervacije mjesta do određenog trenutka</a:t>
+            </a:r>
+          </a:p>
+          <a:p>
+            <a:endParaRPr lang="hr-HR" dirty="0"/>
+          </a:p>
+          <a:p>
+            <a:endParaRPr lang="hr-HR" dirty="0"/>
           </a:p>
         </p:txBody>
       </p:sp>
     </p:spTree>
     <p:extLst>
       <p:ext uri="{BB962C8B-B14F-4D97-AF65-F5344CB8AC3E}">
-        <p14:creationId xmlns:p14="http://schemas.microsoft.com/office/powerpoint/2010/main" val="3463723570"/>
+        <p14:creationId xmlns:p14="http://schemas.microsoft.com/office/powerpoint/2010/main" val="2780526925"/>
       </p:ext>
     </p:extLst>
   </p:cSld>
@@ -16986,7 +17020,7 @@
           <p:cNvPr id="2" name="Title 1">
             <a:extLst>
               <a:ext uri="{FF2B5EF4-FFF2-40B4-BE49-F238E27FC236}">
-                <a16:creationId xmlns:a16="http://schemas.microsoft.com/office/drawing/2014/main" id="{7C6D0A8A-1611-268E-1EC4-E0B154997576}"/>
+                <a16:creationId xmlns:a16="http://schemas.microsoft.com/office/drawing/2014/main" id="{6A6F7F73-8477-2429-7197-0D869BB4F46D}"/>
               </a:ext>
             </a:extLst>
           </p:cNvPr>
@@ -17004,7 +17038,7 @@
           <a:p>
             <a:r>
               <a:rPr lang="hr-HR" dirty="0"/>
-              <a:t>Planovi</a:t>
+              <a:t>filteri</a:t>
             </a:r>
           </a:p>
         </p:txBody>
@@ -17014,7 +17048,7 @@
           <p:cNvPr id="3" name="Content Placeholder 2">
             <a:extLst>
               <a:ext uri="{FF2B5EF4-FFF2-40B4-BE49-F238E27FC236}">
-                <a16:creationId xmlns:a16="http://schemas.microsoft.com/office/drawing/2014/main" id="{7447E74D-9C93-C85E-14D8-5BCF826814D9}"/>
+                <a16:creationId xmlns:a16="http://schemas.microsoft.com/office/drawing/2014/main" id="{B1290BE5-D633-4DEB-BDB7-40E7B6090741}"/>
               </a:ext>
             </a:extLst>
           </p:cNvPr>
@@ -17027,49 +17061,20 @@
         </p:nvSpPr>
         <p:spPr/>
         <p:txBody>
-          <a:bodyPr>
-            <a:normAutofit fontScale="92500" lnSpcReduction="20000"/>
-          </a:bodyPr>
+          <a:bodyPr/>
           <a:lstStyle/>
           <a:p>
             <a:r>
               <a:rPr lang="hr-HR" dirty="0"/>
-              <a:t>Nadolazeće funkcije:</a:t>
-            </a:r>
-          </a:p>
-          <a:p>
-            <a:pPr lvl="1"/>
-            <a:r>
-              <a:rPr lang="hr-HR" dirty="0"/>
-              <a:t>Plan širenja na druge gradove</a:t>
-            </a:r>
-          </a:p>
-          <a:p>
-            <a:pPr lvl="1"/>
-            <a:r>
-              <a:rPr lang="hr-HR" dirty="0"/>
-              <a:t>Parkinzi sa senzorima</a:t>
-            </a:r>
-          </a:p>
-          <a:p>
-            <a:pPr lvl="1"/>
-            <a:r>
-              <a:rPr lang="hr-HR" dirty="0"/>
-              <a:t>Mogućnost plaćanja putem aplikacije</a:t>
-            </a:r>
-          </a:p>
-          <a:p>
-            <a:pPr marL="457200" lvl="1" indent="0">
-              <a:buNone/>
-            </a:pPr>
-            <a:endParaRPr lang="hr-HR" dirty="0"/>
+              <a:t>Korisnik bira jedan od dva načina filtriranja</a:t>
+            </a:r>
           </a:p>
         </p:txBody>
       </p:sp>
     </p:spTree>
     <p:extLst>
       <p:ext uri="{BB962C8B-B14F-4D97-AF65-F5344CB8AC3E}">
-        <p14:creationId xmlns:p14="http://schemas.microsoft.com/office/powerpoint/2010/main" val="4142937906"/>
+        <p14:creationId xmlns:p14="http://schemas.microsoft.com/office/powerpoint/2010/main" val="1169814096"/>
       </p:ext>
     </p:extLst>
   </p:cSld>
@@ -17101,6 +17106,325 @@
           <p:cNvPr id="2" name="Title 1">
             <a:extLst>
               <a:ext uri="{FF2B5EF4-FFF2-40B4-BE49-F238E27FC236}">
+                <a16:creationId xmlns:a16="http://schemas.microsoft.com/office/drawing/2014/main" id="{41DCEF54-26D1-45C4-28A1-A2D2E502DD6B}"/>
+              </a:ext>
+            </a:extLst>
+          </p:cNvPr>
+          <p:cNvSpPr>
+            <a:spLocks noGrp="1"/>
+          </p:cNvSpPr>
+          <p:nvPr>
+            <p:ph type="title"/>
+          </p:nvPr>
+        </p:nvSpPr>
+        <p:spPr/>
+        <p:txBody>
+          <a:bodyPr/>
+          <a:lstStyle/>
+          <a:p>
+            <a:r>
+              <a:rPr lang="hr-HR" dirty="0"/>
+              <a:t>Rezervacija parkirnog mjesta</a:t>
+            </a:r>
+          </a:p>
+        </p:txBody>
+      </p:sp>
+      <p:sp>
+        <p:nvSpPr>
+          <p:cNvPr id="3" name="Content Placeholder 2">
+            <a:extLst>
+              <a:ext uri="{FF2B5EF4-FFF2-40B4-BE49-F238E27FC236}">
+                <a16:creationId xmlns:a16="http://schemas.microsoft.com/office/drawing/2014/main" id="{2C78A179-30C4-5111-F5BF-B66B60382874}"/>
+              </a:ext>
+            </a:extLst>
+          </p:cNvPr>
+          <p:cNvSpPr>
+            <a:spLocks noGrp="1"/>
+          </p:cNvSpPr>
+          <p:nvPr>
+            <p:ph idx="1"/>
+          </p:nvPr>
+        </p:nvSpPr>
+        <p:spPr/>
+        <p:txBody>
+          <a:bodyPr>
+            <a:normAutofit fontScale="70000" lnSpcReduction="20000"/>
+          </a:bodyPr>
+          <a:lstStyle/>
+          <a:p>
+            <a:r>
+              <a:rPr lang="hr-HR" dirty="0"/>
+              <a:t>Rezervacijom parkirnog mjesta korisnik ima pravo parkiranja na mjesto do izabranog trenutka</a:t>
+            </a:r>
+          </a:p>
+          <a:p>
+            <a:r>
+              <a:rPr lang="hr-HR" dirty="0"/>
+              <a:t>Korisnik može vidjeti cijenu koju će plaćati po satu parkiranja</a:t>
+            </a:r>
+          </a:p>
+          <a:p>
+            <a:r>
+              <a:rPr lang="hr-HR" dirty="0"/>
+              <a:t>Prikazuje se karta s uputama dolaska do izabranog mjesta</a:t>
+            </a:r>
+          </a:p>
+          <a:p>
+            <a:endParaRPr lang="hr-HR" dirty="0"/>
+          </a:p>
+        </p:txBody>
+      </p:sp>
+    </p:spTree>
+    <p:extLst>
+      <p:ext uri="{BB962C8B-B14F-4D97-AF65-F5344CB8AC3E}">
+        <p14:creationId xmlns:p14="http://schemas.microsoft.com/office/powerpoint/2010/main" val="3517385955"/>
+      </p:ext>
+    </p:extLst>
+  </p:cSld>
+  <p:clrMapOvr>
+    <a:masterClrMapping/>
+  </p:clrMapOvr>
+</p:sld>
+</file>
+
+<file path=ppt/slides/slide13.xml><?xml version="1.0" encoding="utf-8"?>
+<p:sld xmlns:a="http://schemas.openxmlformats.org/drawingml/2006/main" xmlns:r="http://schemas.openxmlformats.org/officeDocument/2006/relationships" xmlns:p="http://schemas.openxmlformats.org/presentationml/2006/main">
+  <p:cSld>
+    <p:spTree>
+      <p:nvGrpSpPr>
+        <p:cNvPr id="1" name=""/>
+        <p:cNvGrpSpPr/>
+        <p:nvPr/>
+      </p:nvGrpSpPr>
+      <p:grpSpPr>
+        <a:xfrm>
+          <a:off x="0" y="0"/>
+          <a:ext cx="0" cy="0"/>
+          <a:chOff x="0" y="0"/>
+          <a:chExt cx="0" cy="0"/>
+        </a:xfrm>
+      </p:grpSpPr>
+      <p:sp>
+        <p:nvSpPr>
+          <p:cNvPr id="2" name="Title 1">
+            <a:extLst>
+              <a:ext uri="{FF2B5EF4-FFF2-40B4-BE49-F238E27FC236}">
+                <a16:creationId xmlns:a16="http://schemas.microsoft.com/office/drawing/2014/main" id="{E1667C6E-7AB1-9AA8-9A6D-6B062B1ABEAA}"/>
+              </a:ext>
+            </a:extLst>
+          </p:cNvPr>
+          <p:cNvSpPr>
+            <a:spLocks noGrp="1"/>
+          </p:cNvSpPr>
+          <p:nvPr>
+            <p:ph type="title"/>
+          </p:nvPr>
+        </p:nvSpPr>
+        <p:spPr/>
+        <p:txBody>
+          <a:bodyPr/>
+          <a:lstStyle/>
+          <a:p>
+            <a:r>
+              <a:rPr lang="hr-HR" dirty="0"/>
+              <a:t>Prednosti korištenja Parktusa </a:t>
+            </a:r>
+            <a:r>
+              <a:rPr lang="hr-HR" dirty="0">
+                <a:sym typeface="Wingdings" panose="05000000000000000000" pitchFamily="2" charset="2"/>
+              </a:rPr>
+              <a:t></a:t>
+            </a:r>
+            <a:endParaRPr lang="hr-HR" dirty="0"/>
+          </a:p>
+        </p:txBody>
+      </p:sp>
+      <p:sp>
+        <p:nvSpPr>
+          <p:cNvPr id="3" name="Content Placeholder 2">
+            <a:extLst>
+              <a:ext uri="{FF2B5EF4-FFF2-40B4-BE49-F238E27FC236}">
+                <a16:creationId xmlns:a16="http://schemas.microsoft.com/office/drawing/2014/main" id="{8457CE9B-0828-F075-4D33-EEE62917B26E}"/>
+              </a:ext>
+            </a:extLst>
+          </p:cNvPr>
+          <p:cNvSpPr>
+            <a:spLocks noGrp="1"/>
+          </p:cNvSpPr>
+          <p:nvPr>
+            <p:ph idx="1"/>
+          </p:nvPr>
+        </p:nvSpPr>
+        <p:spPr/>
+        <p:txBody>
+          <a:bodyPr>
+            <a:normAutofit/>
+          </a:bodyPr>
+          <a:lstStyle/>
+          <a:p>
+            <a:r>
+              <a:rPr lang="hr-HR" dirty="0"/>
+              <a:t>Ušteda vremena i živaca</a:t>
+            </a:r>
+          </a:p>
+          <a:p>
+            <a:r>
+              <a:rPr lang="hr-HR" dirty="0"/>
+              <a:t>Ušteda goriva i novčanih sredstava</a:t>
+            </a:r>
+          </a:p>
+        </p:txBody>
+      </p:sp>
+    </p:spTree>
+    <p:extLst>
+      <p:ext uri="{BB962C8B-B14F-4D97-AF65-F5344CB8AC3E}">
+        <p14:creationId xmlns:p14="http://schemas.microsoft.com/office/powerpoint/2010/main" val="3463723570"/>
+      </p:ext>
+    </p:extLst>
+  </p:cSld>
+  <p:clrMapOvr>
+    <a:masterClrMapping/>
+  </p:clrMapOvr>
+</p:sld>
+</file>
+
+<file path=ppt/slides/slide14.xml><?xml version="1.0" encoding="utf-8"?>
+<p:sld xmlns:a="http://schemas.openxmlformats.org/drawingml/2006/main" xmlns:r="http://schemas.openxmlformats.org/officeDocument/2006/relationships" xmlns:p="http://schemas.openxmlformats.org/presentationml/2006/main">
+  <p:cSld>
+    <p:spTree>
+      <p:nvGrpSpPr>
+        <p:cNvPr id="1" name=""/>
+        <p:cNvGrpSpPr/>
+        <p:nvPr/>
+      </p:nvGrpSpPr>
+      <p:grpSpPr>
+        <a:xfrm>
+          <a:off x="0" y="0"/>
+          <a:ext cx="0" cy="0"/>
+          <a:chOff x="0" y="0"/>
+          <a:chExt cx="0" cy="0"/>
+        </a:xfrm>
+      </p:grpSpPr>
+      <p:sp>
+        <p:nvSpPr>
+          <p:cNvPr id="2" name="Title 1">
+            <a:extLst>
+              <a:ext uri="{FF2B5EF4-FFF2-40B4-BE49-F238E27FC236}">
+                <a16:creationId xmlns:a16="http://schemas.microsoft.com/office/drawing/2014/main" id="{7C6D0A8A-1611-268E-1EC4-E0B154997576}"/>
+              </a:ext>
+            </a:extLst>
+          </p:cNvPr>
+          <p:cNvSpPr>
+            <a:spLocks noGrp="1"/>
+          </p:cNvSpPr>
+          <p:nvPr>
+            <p:ph type="title"/>
+          </p:nvPr>
+        </p:nvSpPr>
+        <p:spPr/>
+        <p:txBody>
+          <a:bodyPr/>
+          <a:lstStyle/>
+          <a:p>
+            <a:r>
+              <a:rPr lang="hr-HR" dirty="0"/>
+              <a:t>Planovi</a:t>
+            </a:r>
+          </a:p>
+        </p:txBody>
+      </p:sp>
+      <p:sp>
+        <p:nvSpPr>
+          <p:cNvPr id="3" name="Content Placeholder 2">
+            <a:extLst>
+              <a:ext uri="{FF2B5EF4-FFF2-40B4-BE49-F238E27FC236}">
+                <a16:creationId xmlns:a16="http://schemas.microsoft.com/office/drawing/2014/main" id="{7447E74D-9C93-C85E-14D8-5BCF826814D9}"/>
+              </a:ext>
+            </a:extLst>
+          </p:cNvPr>
+          <p:cNvSpPr>
+            <a:spLocks noGrp="1"/>
+          </p:cNvSpPr>
+          <p:nvPr>
+            <p:ph idx="1"/>
+          </p:nvPr>
+        </p:nvSpPr>
+        <p:spPr/>
+        <p:txBody>
+          <a:bodyPr>
+            <a:normAutofit fontScale="92500" lnSpcReduction="20000"/>
+          </a:bodyPr>
+          <a:lstStyle/>
+          <a:p>
+            <a:r>
+              <a:rPr lang="hr-HR" dirty="0"/>
+              <a:t>Nadolazeće funkcije:</a:t>
+            </a:r>
+          </a:p>
+          <a:p>
+            <a:pPr lvl="1"/>
+            <a:r>
+              <a:rPr lang="hr-HR" dirty="0"/>
+              <a:t>Plan širenja na druge gradove</a:t>
+            </a:r>
+          </a:p>
+          <a:p>
+            <a:pPr lvl="1"/>
+            <a:r>
+              <a:rPr lang="hr-HR" dirty="0"/>
+              <a:t>Parkinzi sa senzorima</a:t>
+            </a:r>
+          </a:p>
+          <a:p>
+            <a:pPr lvl="1"/>
+            <a:r>
+              <a:rPr lang="hr-HR" dirty="0"/>
+              <a:t>Mogućnost plaćanja putem aplikacije</a:t>
+            </a:r>
+          </a:p>
+          <a:p>
+            <a:pPr marL="457200" lvl="1" indent="0">
+              <a:buNone/>
+            </a:pPr>
+            <a:endParaRPr lang="hr-HR" dirty="0"/>
+          </a:p>
+        </p:txBody>
+      </p:sp>
+    </p:spTree>
+    <p:extLst>
+      <p:ext uri="{BB962C8B-B14F-4D97-AF65-F5344CB8AC3E}">
+        <p14:creationId xmlns:p14="http://schemas.microsoft.com/office/powerpoint/2010/main" val="4142937906"/>
+      </p:ext>
+    </p:extLst>
+  </p:cSld>
+  <p:clrMapOvr>
+    <a:masterClrMapping/>
+  </p:clrMapOvr>
+</p:sld>
+</file>
+
+<file path=ppt/slides/slide15.xml><?xml version="1.0" encoding="utf-8"?>
+<p:sld xmlns:a="http://schemas.openxmlformats.org/drawingml/2006/main" xmlns:r="http://schemas.openxmlformats.org/officeDocument/2006/relationships" xmlns:p="http://schemas.openxmlformats.org/presentationml/2006/main">
+  <p:cSld>
+    <p:spTree>
+      <p:nvGrpSpPr>
+        <p:cNvPr id="1" name=""/>
+        <p:cNvGrpSpPr/>
+        <p:nvPr/>
+      </p:nvGrpSpPr>
+      <p:grpSpPr>
+        <a:xfrm>
+          <a:off x="0" y="0"/>
+          <a:ext cx="0" cy="0"/>
+          <a:chOff x="0" y="0"/>
+          <a:chExt cx="0" cy="0"/>
+        </a:xfrm>
+      </p:grpSpPr>
+      <p:sp>
+        <p:nvSpPr>
+          <p:cNvPr id="2" name="Title 1">
+            <a:extLst>
+              <a:ext uri="{FF2B5EF4-FFF2-40B4-BE49-F238E27FC236}">
                 <a16:creationId xmlns:a16="http://schemas.microsoft.com/office/drawing/2014/main" id="{D1D0CB21-1EA5-C5E2-C0D7-046A6CFB7C75}"/>
               </a:ext>
             </a:extLst>
@@ -17162,7 +17486,7 @@
 </p:sld>
 </file>
 
-<file path=ppt/slides/slide13.xml><?xml version="1.0" encoding="utf-8"?>
+<file path=ppt/slides/slide16.xml><?xml version="1.0" encoding="utf-8"?>
 <p:sld xmlns:a="http://schemas.openxmlformats.org/drawingml/2006/main" xmlns:r="http://schemas.openxmlformats.org/officeDocument/2006/relationships" xmlns:p="http://schemas.openxmlformats.org/presentationml/2006/main">
   <p:cSld>
     <p:spTree>
@@ -17733,7 +18057,7 @@
           <p:cNvPr id="2" name="Title 1">
             <a:extLst>
               <a:ext uri="{FF2B5EF4-FFF2-40B4-BE49-F238E27FC236}">
-                <a16:creationId xmlns:a16="http://schemas.microsoft.com/office/drawing/2014/main" id="{59790726-E4B6-3F53-4DAC-9FD53180AAFD}"/>
+                <a16:creationId xmlns:a16="http://schemas.microsoft.com/office/drawing/2014/main" id="{6A7C18CF-2871-291D-0217-8FF4BA6A1321}"/>
               </a:ext>
             </a:extLst>
           </p:cNvPr>
@@ -17751,7 +18075,7 @@
           <a:p>
             <a:r>
               <a:rPr lang="hr-HR" dirty="0"/>
-              <a:t>Registracija i prijava</a:t>
+              <a:t>Funkcije</a:t>
             </a:r>
           </a:p>
         </p:txBody>
@@ -17761,7 +18085,7 @@
           <p:cNvPr id="3" name="Content Placeholder 2">
             <a:extLst>
               <a:ext uri="{FF2B5EF4-FFF2-40B4-BE49-F238E27FC236}">
-                <a16:creationId xmlns:a16="http://schemas.microsoft.com/office/drawing/2014/main" id="{6CFA2396-B972-4012-831D-88EF2F523205}"/>
+                <a16:creationId xmlns:a16="http://schemas.microsoft.com/office/drawing/2014/main" id="{D44323FA-DB1F-0CA5-9C41-1CEA006A7BBE}"/>
               </a:ext>
             </a:extLst>
           </p:cNvPr>
@@ -17781,10 +18105,25 @@
           <a:p>
             <a:r>
               <a:rPr lang="hr-HR" dirty="0"/>
-              <a:t>Korisnik otvara svoj Parktus račun kojim se prijavljuje u aplikaciju</a:t>
-            </a:r>
-          </a:p>
-          <a:p>
+              <a:t>Mogućnost filtriranja mape na više načina:</a:t>
+            </a:r>
+          </a:p>
+          <a:p>
+            <a:pPr lvl="1"/>
+            <a:r>
+              <a:rPr lang="hr-HR" dirty="0"/>
+              <a:t>Vrsta parkinga</a:t>
+            </a:r>
+          </a:p>
+          <a:p>
+            <a:pPr lvl="1"/>
+            <a:r>
+              <a:rPr lang="hr-HR" dirty="0"/>
+              <a:t>Lokacija</a:t>
+            </a:r>
+          </a:p>
+          <a:p>
+            <a:pPr lvl="1"/>
             <a:endParaRPr lang="hr-HR" dirty="0"/>
           </a:p>
         </p:txBody>
@@ -17792,7 +18131,7 @@
     </p:spTree>
     <p:extLst>
       <p:ext uri="{BB962C8B-B14F-4D97-AF65-F5344CB8AC3E}">
-        <p14:creationId xmlns:p14="http://schemas.microsoft.com/office/powerpoint/2010/main" val="2295045679"/>
+        <p14:creationId xmlns:p14="http://schemas.microsoft.com/office/powerpoint/2010/main" val="3409965626"/>
       </p:ext>
     </p:extLst>
   </p:cSld>
@@ -17824,7 +18163,7 @@
           <p:cNvPr id="2" name="Title 1">
             <a:extLst>
               <a:ext uri="{FF2B5EF4-FFF2-40B4-BE49-F238E27FC236}">
-                <a16:creationId xmlns:a16="http://schemas.microsoft.com/office/drawing/2014/main" id="{AF5B213E-F419-56D9-13CA-33E388429C85}"/>
+                <a16:creationId xmlns:a16="http://schemas.microsoft.com/office/drawing/2014/main" id="{59790726-E4B6-3F53-4DAC-9FD53180AAFD}"/>
               </a:ext>
             </a:extLst>
           </p:cNvPr>
@@ -17842,7 +18181,7 @@
           <a:p>
             <a:r>
               <a:rPr lang="hr-HR" dirty="0"/>
-              <a:t>Pregled karte </a:t>
+              <a:t>Registracija i prijava</a:t>
             </a:r>
           </a:p>
         </p:txBody>
@@ -17852,7 +18191,7 @@
           <p:cNvPr id="3" name="Content Placeholder 2">
             <a:extLst>
               <a:ext uri="{FF2B5EF4-FFF2-40B4-BE49-F238E27FC236}">
-                <a16:creationId xmlns:a16="http://schemas.microsoft.com/office/drawing/2014/main" id="{1BD44D1F-DDD1-CD60-BAAE-B738D0F12158}"/>
+                <a16:creationId xmlns:a16="http://schemas.microsoft.com/office/drawing/2014/main" id="{6CFA2396-B972-4012-831D-88EF2F523205}"/>
               </a:ext>
             </a:extLst>
           </p:cNvPr>
@@ -17866,26 +18205,13 @@
         <p:spPr/>
         <p:txBody>
           <a:bodyPr>
-            <a:normAutofit fontScale="70000" lnSpcReduction="20000"/>
+            <a:normAutofit/>
           </a:bodyPr>
           <a:lstStyle/>
           <a:p>
             <a:r>
               <a:rPr lang="hr-HR" dirty="0"/>
-              <a:t>Korisnik ima mogućnost pregledavanja karte grada s prikazanim zauzetim i slobodnim parkirnim mjestima</a:t>
-            </a:r>
-          </a:p>
-          <a:p>
-            <a:r>
-              <a:rPr lang="hr-HR" dirty="0"/>
-              <a:t>Za svako parkirno mjesto korisnik vidi njegov tip:</a:t>
-            </a:r>
-          </a:p>
-          <a:p>
-            <a:pPr lvl="1"/>
-            <a:r>
-              <a:rPr lang="hr-HR" dirty="0"/>
-              <a:t>Obično, invalidsko, za električna vozila</a:t>
+              <a:t>Korisnik otvara svoj Parktus račun kojim se prijavljuje u aplikaciju</a:t>
             </a:r>
           </a:p>
           <a:p>
@@ -17896,7 +18222,7 @@
     </p:spTree>
     <p:extLst>
       <p:ext uri="{BB962C8B-B14F-4D97-AF65-F5344CB8AC3E}">
-        <p14:creationId xmlns:p14="http://schemas.microsoft.com/office/powerpoint/2010/main" val="2741831601"/>
+        <p14:creationId xmlns:p14="http://schemas.microsoft.com/office/powerpoint/2010/main" val="2295045679"/>
       </p:ext>
     </p:extLst>
   </p:cSld>
@@ -17970,50 +18296,27 @@
         <p:spPr/>
         <p:txBody>
           <a:bodyPr>
-            <a:normAutofit fontScale="62500" lnSpcReduction="20000"/>
+            <a:normAutofit fontScale="70000" lnSpcReduction="20000"/>
           </a:bodyPr>
           <a:lstStyle/>
           <a:p>
             <a:r>
               <a:rPr lang="hr-HR" dirty="0"/>
-              <a:t>Za odabir određenog mjesta prikazuju mu se određene opcije</a:t>
+              <a:t>Korisnik ima mogućnost pregledavanja karte grada s prikazanim zauzetim i slobodnim parkirnim mjestima</a:t>
             </a:r>
           </a:p>
           <a:p>
             <a:r>
               <a:rPr lang="hr-HR" dirty="0"/>
-              <a:t>Za zauzeto mjesto:</a:t>
+              <a:t>Za svako parkirno mjesto korisnik vidi njegov tip:</a:t>
             </a:r>
           </a:p>
           <a:p>
             <a:pPr lvl="1"/>
             <a:r>
               <a:rPr lang="hr-HR" dirty="0"/>
-              <a:t>Vidljivo je vrijeme do kad je mjesto zauzeto</a:t>
-            </a:r>
-          </a:p>
-          <a:p>
-            <a:r>
-              <a:rPr lang="hr-HR" dirty="0"/>
-              <a:t>Za slobodno mjesto:</a:t>
-            </a:r>
-          </a:p>
-          <a:p>
-            <a:pPr lvl="1"/>
-            <a:r>
-              <a:rPr lang="hr-HR" dirty="0"/>
-              <a:t>Vidljiva je cijena parkirnog mjesta po satu</a:t>
-            </a:r>
-          </a:p>
-          <a:p>
-            <a:pPr lvl="1"/>
-            <a:r>
-              <a:rPr lang="hr-HR" dirty="0"/>
-              <a:t>Mogućnost rezervacije mjesta do određenog trenutka</a:t>
-            </a:r>
-          </a:p>
-          <a:p>
-            <a:endParaRPr lang="hr-HR" dirty="0"/>
+              <a:t>Obično, invalidsko, za električna vozila</a:t>
+            </a:r>
           </a:p>
           <a:p>
             <a:endParaRPr lang="hr-HR" dirty="0"/>
@@ -18023,7 +18326,7 @@
     </p:spTree>
     <p:extLst>
       <p:ext uri="{BB962C8B-B14F-4D97-AF65-F5344CB8AC3E}">
-        <p14:creationId xmlns:p14="http://schemas.microsoft.com/office/powerpoint/2010/main" val="2780526925"/>
+        <p14:creationId xmlns:p14="http://schemas.microsoft.com/office/powerpoint/2010/main" val="2741831601"/>
       </p:ext>
     </p:extLst>
   </p:cSld>
@@ -18055,7 +18358,7 @@
           <p:cNvPr id="2" name="Title 1">
             <a:extLst>
               <a:ext uri="{FF2B5EF4-FFF2-40B4-BE49-F238E27FC236}">
-                <a16:creationId xmlns:a16="http://schemas.microsoft.com/office/drawing/2014/main" id="{41DCEF54-26D1-45C4-28A1-A2D2E502DD6B}"/>
+                <a16:creationId xmlns:a16="http://schemas.microsoft.com/office/drawing/2014/main" id="{378FD0EB-0E29-F99D-BF09-CEDFCEE891CC}"/>
               </a:ext>
             </a:extLst>
           </p:cNvPr>
@@ -18073,66 +18376,654 @@
           <a:p>
             <a:r>
               <a:rPr lang="hr-HR" dirty="0"/>
-              <a:t>Rezervacija parkirnog mjesta</a:t>
-            </a:r>
-          </a:p>
-        </p:txBody>
-      </p:sp>
-      <p:sp>
-        <p:nvSpPr>
-          <p:cNvPr id="3" name="Content Placeholder 2">
-            <a:extLst>
-              <a:ext uri="{FF2B5EF4-FFF2-40B4-BE49-F238E27FC236}">
-                <a16:creationId xmlns:a16="http://schemas.microsoft.com/office/drawing/2014/main" id="{2C78A179-30C4-5111-F5BF-B66B60382874}"/>
-              </a:ext>
-            </a:extLst>
-          </p:cNvPr>
-          <p:cNvSpPr>
-            <a:spLocks noGrp="1"/>
-          </p:cNvSpPr>
+              <a:t>Dostupnost parkirnih mjesta</a:t>
+            </a:r>
+          </a:p>
+        </p:txBody>
+      </p:sp>
+      <p:pic>
+        <p:nvPicPr>
+          <p:cNvPr id="5" name="Content Placeholder 4" descr="A yellow cactus with black stripes&#10;&#10;Description automatically generated">
+            <a:extLst>
+              <a:ext uri="{FF2B5EF4-FFF2-40B4-BE49-F238E27FC236}">
+                <a16:creationId xmlns:a16="http://schemas.microsoft.com/office/drawing/2014/main" id="{8475A982-4C24-FF28-A930-D80F3147051A}"/>
+              </a:ext>
+            </a:extLst>
+          </p:cNvPr>
+          <p:cNvPicPr>
+            <a:picLocks noGrp="1" noChangeAspect="1"/>
+          </p:cNvPicPr>
           <p:nvPr>
             <p:ph idx="1"/>
           </p:nvPr>
-        </p:nvSpPr>
-        <p:spPr/>
-        <p:txBody>
-          <a:bodyPr>
-            <a:normAutofit fontScale="70000" lnSpcReduction="20000"/>
+        </p:nvPicPr>
+        <p:blipFill>
+          <a:blip r:embed="rId2">
+            <a:extLst>
+              <a:ext uri="{28A0092B-C50C-407E-A947-70E740481C1C}">
+                <a14:useLocalDpi xmlns:a14="http://schemas.microsoft.com/office/drawing/2010/main" val="0"/>
+              </a:ext>
+            </a:extLst>
+          </a:blip>
+          <a:stretch>
+            <a:fillRect/>
+          </a:stretch>
+        </p:blipFill>
+        <p:spPr>
+          <a:xfrm>
+            <a:off x="4680622" y="463458"/>
+            <a:ext cx="3175163" cy="3175163"/>
+          </a:xfrm>
+        </p:spPr>
+      </p:pic>
+      <p:grpSp>
+        <p:nvGrpSpPr>
+          <p:cNvPr id="11" name="Group 10">
+            <a:extLst>
+              <a:ext uri="{FF2B5EF4-FFF2-40B4-BE49-F238E27FC236}">
+                <a16:creationId xmlns:a16="http://schemas.microsoft.com/office/drawing/2014/main" id="{29C936FA-0977-2624-578B-4503DEB3F232}"/>
+              </a:ext>
+            </a:extLst>
+          </p:cNvPr>
+          <p:cNvGrpSpPr/>
+          <p:nvPr/>
+        </p:nvGrpSpPr>
+        <p:grpSpPr>
+          <a:xfrm>
+            <a:off x="1506760" y="2678457"/>
+            <a:ext cx="3175163" cy="3575273"/>
+            <a:chOff x="1506760" y="2678457"/>
+            <a:chExt cx="3175163" cy="3575273"/>
+          </a:xfrm>
+        </p:grpSpPr>
+        <p:pic>
+          <p:nvPicPr>
+            <p:cNvPr id="9" name="Picture 8" descr="A green cactus with black outline&#10;&#10;Description automatically generated">
+              <a:extLst>
+                <a:ext uri="{FF2B5EF4-FFF2-40B4-BE49-F238E27FC236}">
+                  <a16:creationId xmlns:a16="http://schemas.microsoft.com/office/drawing/2014/main" id="{D746E5B8-241A-9BF9-7353-66FB1E5B4DD5}"/>
+                </a:ext>
+              </a:extLst>
+            </p:cNvPr>
+            <p:cNvPicPr>
+              <a:picLocks noChangeAspect="1"/>
+            </p:cNvPicPr>
+            <p:nvPr/>
+          </p:nvPicPr>
+          <p:blipFill>
+            <a:blip r:embed="rId3">
+              <a:extLst>
+                <a:ext uri="{28A0092B-C50C-407E-A947-70E740481C1C}">
+                  <a14:useLocalDpi xmlns:a14="http://schemas.microsoft.com/office/drawing/2010/main" val="0"/>
+                </a:ext>
+              </a:extLst>
+            </a:blip>
+            <a:stretch>
+              <a:fillRect/>
+            </a:stretch>
+          </p:blipFill>
+          <p:spPr>
+            <a:xfrm>
+              <a:off x="1506760" y="2678457"/>
+              <a:ext cx="3175163" cy="3175163"/>
+            </a:xfrm>
+            <a:prstGeom prst="rect">
+              <a:avLst/>
+            </a:prstGeom>
+          </p:spPr>
+        </p:pic>
+        <p:sp>
+          <p:nvSpPr>
+            <p:cNvPr id="10" name="TextBox 9">
+              <a:extLst>
+                <a:ext uri="{FF2B5EF4-FFF2-40B4-BE49-F238E27FC236}">
+                  <a16:creationId xmlns:a16="http://schemas.microsoft.com/office/drawing/2014/main" id="{D7961AFF-814F-505E-0F26-A4DCDE185EC4}"/>
+                </a:ext>
+              </a:extLst>
+            </p:cNvPr>
+            <p:cNvSpPr txBox="1"/>
+            <p:nvPr/>
+          </p:nvSpPr>
+          <p:spPr>
+            <a:xfrm>
+              <a:off x="1822132" y="5853620"/>
+              <a:ext cx="2544418" cy="400110"/>
+            </a:xfrm>
+            <a:prstGeom prst="rect">
+              <a:avLst/>
+            </a:prstGeom>
+            <a:noFill/>
+          </p:spPr>
+          <p:txBody>
+            <a:bodyPr wrap="square" rtlCol="0">
+              <a:spAutoFit/>
+            </a:bodyPr>
+            <a:lstStyle/>
+            <a:p>
+              <a:r>
+                <a:rPr lang="hr-HR" sz="2000" b="1" dirty="0"/>
+                <a:t>SLOBODNO MJESTO</a:t>
+              </a:r>
+            </a:p>
+          </p:txBody>
+        </p:sp>
+      </p:grpSp>
+      <p:grpSp>
+        <p:nvGrpSpPr>
+          <p:cNvPr id="14" name="Group 13">
+            <a:extLst>
+              <a:ext uri="{FF2B5EF4-FFF2-40B4-BE49-F238E27FC236}">
+                <a16:creationId xmlns:a16="http://schemas.microsoft.com/office/drawing/2014/main" id="{495B2686-1B3E-0193-03C1-C45C618EA84E}"/>
+              </a:ext>
+            </a:extLst>
+          </p:cNvPr>
+          <p:cNvGrpSpPr/>
+          <p:nvPr/>
+        </p:nvGrpSpPr>
+        <p:grpSpPr>
+          <a:xfrm>
+            <a:off x="8534678" y="1841418"/>
+            <a:ext cx="3175163" cy="3575273"/>
+            <a:chOff x="8534678" y="1841418"/>
+            <a:chExt cx="3175163" cy="3575273"/>
+          </a:xfrm>
+        </p:grpSpPr>
+        <p:pic>
+          <p:nvPicPr>
+            <p:cNvPr id="7" name="Picture 6" descr="A red cactus with black outline&#10;&#10;Description automatically generated">
+              <a:extLst>
+                <a:ext uri="{FF2B5EF4-FFF2-40B4-BE49-F238E27FC236}">
+                  <a16:creationId xmlns:a16="http://schemas.microsoft.com/office/drawing/2014/main" id="{32D26B83-F297-B817-15C5-4B4AEFB355F0}"/>
+                </a:ext>
+              </a:extLst>
+            </p:cNvPr>
+            <p:cNvPicPr>
+              <a:picLocks noChangeAspect="1"/>
+            </p:cNvPicPr>
+            <p:nvPr/>
+          </p:nvPicPr>
+          <p:blipFill>
+            <a:blip r:embed="rId4">
+              <a:extLst>
+                <a:ext uri="{28A0092B-C50C-407E-A947-70E740481C1C}">
+                  <a14:useLocalDpi xmlns:a14="http://schemas.microsoft.com/office/drawing/2010/main" val="0"/>
+                </a:ext>
+              </a:extLst>
+            </a:blip>
+            <a:stretch>
+              <a:fillRect/>
+            </a:stretch>
+          </p:blipFill>
+          <p:spPr>
+            <a:xfrm>
+              <a:off x="8534678" y="1841418"/>
+              <a:ext cx="3175163" cy="3175163"/>
+            </a:xfrm>
+            <a:prstGeom prst="rect">
+              <a:avLst/>
+            </a:prstGeom>
+          </p:spPr>
+        </p:pic>
+        <p:sp>
+          <p:nvSpPr>
+            <p:cNvPr id="13" name="TextBox 12">
+              <a:extLst>
+                <a:ext uri="{FF2B5EF4-FFF2-40B4-BE49-F238E27FC236}">
+                  <a16:creationId xmlns:a16="http://schemas.microsoft.com/office/drawing/2014/main" id="{3280024C-08FA-5F39-BF8D-B5A6A0168DA0}"/>
+                </a:ext>
+              </a:extLst>
+            </p:cNvPr>
+            <p:cNvSpPr txBox="1"/>
+            <p:nvPr/>
+          </p:nvSpPr>
+          <p:spPr>
+            <a:xfrm>
+              <a:off x="9014045" y="5016581"/>
+              <a:ext cx="2216427" cy="400110"/>
+            </a:xfrm>
+            <a:prstGeom prst="rect">
+              <a:avLst/>
+            </a:prstGeom>
+            <a:noFill/>
+          </p:spPr>
+          <p:txBody>
+            <a:bodyPr wrap="square" rtlCol="0">
+              <a:spAutoFit/>
+            </a:bodyPr>
+            <a:lstStyle/>
+            <a:p>
+              <a:r>
+                <a:rPr lang="hr-HR" sz="2000" b="1" dirty="0"/>
+                <a:t>ZAUZETO MJESTO</a:t>
+              </a:r>
+            </a:p>
+          </p:txBody>
+        </p:sp>
+      </p:grpSp>
+      <p:sp>
+        <p:nvSpPr>
+          <p:cNvPr id="15" name="TextBox 14">
+            <a:extLst>
+              <a:ext uri="{FF2B5EF4-FFF2-40B4-BE49-F238E27FC236}">
+                <a16:creationId xmlns:a16="http://schemas.microsoft.com/office/drawing/2014/main" id="{12AB5E0D-F61E-57E9-9567-453FE5213EE9}"/>
+              </a:ext>
+            </a:extLst>
+          </p:cNvPr>
+          <p:cNvSpPr txBox="1"/>
+          <p:nvPr/>
+        </p:nvSpPr>
+        <p:spPr>
+          <a:xfrm>
+            <a:off x="5035236" y="3717235"/>
+            <a:ext cx="2474843" cy="400110"/>
+          </a:xfrm>
+          <a:prstGeom prst="rect">
+            <a:avLst/>
+          </a:prstGeom>
+          <a:noFill/>
+        </p:spPr>
+        <p:txBody>
+          <a:bodyPr wrap="square" rtlCol="0">
+            <a:spAutoFit/>
           </a:bodyPr>
           <a:lstStyle/>
           <a:p>
             <a:r>
-              <a:rPr lang="hr-HR" dirty="0"/>
-              <a:t>Rezervacijom parkirnog mjesta korisnik ima pravo parkiranja na mjesto do izabranog trenutka</a:t>
-            </a:r>
-          </a:p>
-          <a:p>
-            <a:r>
-              <a:rPr lang="hr-HR" dirty="0"/>
-              <a:t>Korisnik može vidjeti cijenu koju će plaćati po satu parkiranja</a:t>
-            </a:r>
-          </a:p>
-          <a:p>
-            <a:r>
-              <a:rPr lang="hr-HR" dirty="0"/>
-              <a:t>Prikazuje se karta s uputama dolaska do izabranog mjesta</a:t>
-            </a:r>
-          </a:p>
-          <a:p>
-            <a:endParaRPr lang="hr-HR" dirty="0"/>
+              <a:rPr lang="hr-HR" sz="2000" b="1" dirty="0"/>
+              <a:t>ODABRANO MJESTO</a:t>
+            </a:r>
           </a:p>
         </p:txBody>
       </p:sp>
     </p:spTree>
     <p:extLst>
       <p:ext uri="{BB962C8B-B14F-4D97-AF65-F5344CB8AC3E}">
-        <p14:creationId xmlns:p14="http://schemas.microsoft.com/office/powerpoint/2010/main" val="3517385955"/>
+        <p14:creationId xmlns:p14="http://schemas.microsoft.com/office/powerpoint/2010/main" val="745119527"/>
       </p:ext>
     </p:extLst>
   </p:cSld>
   <p:clrMapOvr>
     <a:masterClrMapping/>
   </p:clrMapOvr>
+  <p:timing>
+    <p:tnLst>
+      <p:par>
+        <p:cTn id="1" dur="indefinite" restart="never" nodeType="tmRoot">
+          <p:childTnLst>
+            <p:seq concurrent="1" nextAc="seek">
+              <p:cTn id="2" dur="indefinite" nodeType="mainSeq">
+                <p:childTnLst>
+                  <p:par>
+                    <p:cTn id="3" fill="hold">
+                      <p:stCondLst>
+                        <p:cond delay="indefinite"/>
+                      </p:stCondLst>
+                      <p:childTnLst>
+                        <p:par>
+                          <p:cTn id="4" fill="hold">
+                            <p:stCondLst>
+                              <p:cond delay="0"/>
+                            </p:stCondLst>
+                            <p:childTnLst>
+                              <p:par>
+                                <p:cTn id="5" presetID="2" presetClass="entr" presetSubtype="4" fill="hold" nodeType="clickEffect">
+                                  <p:stCondLst>
+                                    <p:cond delay="0"/>
+                                  </p:stCondLst>
+                                  <p:childTnLst>
+                                    <p:set>
+                                      <p:cBhvr>
+                                        <p:cTn id="6" dur="1" fill="hold">
+                                          <p:stCondLst>
+                                            <p:cond delay="0"/>
+                                          </p:stCondLst>
+                                        </p:cTn>
+                                        <p:tgtEl>
+                                          <p:spTgt spid="11"/>
+                                        </p:tgtEl>
+                                        <p:attrNameLst>
+                                          <p:attrName>style.visibility</p:attrName>
+                                        </p:attrNameLst>
+                                      </p:cBhvr>
+                                      <p:to>
+                                        <p:strVal val="visible"/>
+                                      </p:to>
+                                    </p:set>
+                                    <p:anim calcmode="lin" valueType="num">
+                                      <p:cBhvr additive="base">
+                                        <p:cTn id="7" dur="500" fill="hold"/>
+                                        <p:tgtEl>
+                                          <p:spTgt spid="11"/>
+                                        </p:tgtEl>
+                                        <p:attrNameLst>
+                                          <p:attrName>ppt_x</p:attrName>
+                                        </p:attrNameLst>
+                                      </p:cBhvr>
+                                      <p:tavLst>
+                                        <p:tav tm="0">
+                                          <p:val>
+                                            <p:strVal val="#ppt_x"/>
+                                          </p:val>
+                                        </p:tav>
+                                        <p:tav tm="100000">
+                                          <p:val>
+                                            <p:strVal val="#ppt_x"/>
+                                          </p:val>
+                                        </p:tav>
+                                      </p:tavLst>
+                                    </p:anim>
+                                    <p:anim calcmode="lin" valueType="num">
+                                      <p:cBhvr additive="base">
+                                        <p:cTn id="8" dur="500" fill="hold"/>
+                                        <p:tgtEl>
+                                          <p:spTgt spid="11"/>
+                                        </p:tgtEl>
+                                        <p:attrNameLst>
+                                          <p:attrName>ppt_y</p:attrName>
+                                        </p:attrNameLst>
+                                      </p:cBhvr>
+                                      <p:tavLst>
+                                        <p:tav tm="0">
+                                          <p:val>
+                                            <p:strVal val="1+#ppt_h/2"/>
+                                          </p:val>
+                                        </p:tav>
+                                        <p:tav tm="100000">
+                                          <p:val>
+                                            <p:strVal val="#ppt_y"/>
+                                          </p:val>
+                                        </p:tav>
+                                      </p:tavLst>
+                                    </p:anim>
+                                  </p:childTnLst>
+                                </p:cTn>
+                              </p:par>
+                            </p:childTnLst>
+                          </p:cTn>
+                        </p:par>
+                      </p:childTnLst>
+                    </p:cTn>
+                  </p:par>
+                  <p:par>
+                    <p:cTn id="9" fill="hold">
+                      <p:stCondLst>
+                        <p:cond delay="indefinite"/>
+                      </p:stCondLst>
+                      <p:childTnLst>
+                        <p:par>
+                          <p:cTn id="10" fill="hold">
+                            <p:stCondLst>
+                              <p:cond delay="0"/>
+                            </p:stCondLst>
+                            <p:childTnLst>
+                              <p:par>
+                                <p:cTn id="11" presetID="2" presetClass="entr" presetSubtype="4" fill="hold" grpId="0" nodeType="clickEffect">
+                                  <p:stCondLst>
+                                    <p:cond delay="0"/>
+                                  </p:stCondLst>
+                                  <p:childTnLst>
+                                    <p:set>
+                                      <p:cBhvr>
+                                        <p:cTn id="12" dur="1" fill="hold">
+                                          <p:stCondLst>
+                                            <p:cond delay="0"/>
+                                          </p:stCondLst>
+                                        </p:cTn>
+                                        <p:tgtEl>
+                                          <p:spTgt spid="15"/>
+                                        </p:tgtEl>
+                                        <p:attrNameLst>
+                                          <p:attrName>style.visibility</p:attrName>
+                                        </p:attrNameLst>
+                                      </p:cBhvr>
+                                      <p:to>
+                                        <p:strVal val="visible"/>
+                                      </p:to>
+                                    </p:set>
+                                    <p:anim calcmode="lin" valueType="num">
+                                      <p:cBhvr additive="base">
+                                        <p:cTn id="13" dur="500" fill="hold"/>
+                                        <p:tgtEl>
+                                          <p:spTgt spid="15"/>
+                                        </p:tgtEl>
+                                        <p:attrNameLst>
+                                          <p:attrName>ppt_x</p:attrName>
+                                        </p:attrNameLst>
+                                      </p:cBhvr>
+                                      <p:tavLst>
+                                        <p:tav tm="0">
+                                          <p:val>
+                                            <p:strVal val="#ppt_x"/>
+                                          </p:val>
+                                        </p:tav>
+                                        <p:tav tm="100000">
+                                          <p:val>
+                                            <p:strVal val="#ppt_x"/>
+                                          </p:val>
+                                        </p:tav>
+                                      </p:tavLst>
+                                    </p:anim>
+                                    <p:anim calcmode="lin" valueType="num">
+                                      <p:cBhvr additive="base">
+                                        <p:cTn id="14" dur="500" fill="hold"/>
+                                        <p:tgtEl>
+                                          <p:spTgt spid="15"/>
+                                        </p:tgtEl>
+                                        <p:attrNameLst>
+                                          <p:attrName>ppt_y</p:attrName>
+                                        </p:attrNameLst>
+                                      </p:cBhvr>
+                                      <p:tavLst>
+                                        <p:tav tm="0">
+                                          <p:val>
+                                            <p:strVal val="1+#ppt_h/2"/>
+                                          </p:val>
+                                        </p:tav>
+                                        <p:tav tm="100000">
+                                          <p:val>
+                                            <p:strVal val="#ppt_y"/>
+                                          </p:val>
+                                        </p:tav>
+                                      </p:tavLst>
+                                    </p:anim>
+                                  </p:childTnLst>
+                                </p:cTn>
+                              </p:par>
+                              <p:par>
+                                <p:cTn id="15" presetID="2" presetClass="entr" presetSubtype="4" fill="hold" nodeType="withEffect">
+                                  <p:stCondLst>
+                                    <p:cond delay="0"/>
+                                  </p:stCondLst>
+                                  <p:childTnLst>
+                                    <p:set>
+                                      <p:cBhvr>
+                                        <p:cTn id="16" dur="1" fill="hold">
+                                          <p:stCondLst>
+                                            <p:cond delay="0"/>
+                                          </p:stCondLst>
+                                        </p:cTn>
+                                        <p:tgtEl>
+                                          <p:spTgt spid="5"/>
+                                        </p:tgtEl>
+                                        <p:attrNameLst>
+                                          <p:attrName>style.visibility</p:attrName>
+                                        </p:attrNameLst>
+                                      </p:cBhvr>
+                                      <p:to>
+                                        <p:strVal val="visible"/>
+                                      </p:to>
+                                    </p:set>
+                                    <p:anim calcmode="lin" valueType="num">
+                                      <p:cBhvr additive="base">
+                                        <p:cTn id="17" dur="500" fill="hold"/>
+                                        <p:tgtEl>
+                                          <p:spTgt spid="5"/>
+                                        </p:tgtEl>
+                                        <p:attrNameLst>
+                                          <p:attrName>ppt_x</p:attrName>
+                                        </p:attrNameLst>
+                                      </p:cBhvr>
+                                      <p:tavLst>
+                                        <p:tav tm="0">
+                                          <p:val>
+                                            <p:strVal val="#ppt_x"/>
+                                          </p:val>
+                                        </p:tav>
+                                        <p:tav tm="100000">
+                                          <p:val>
+                                            <p:strVal val="#ppt_x"/>
+                                          </p:val>
+                                        </p:tav>
+                                      </p:tavLst>
+                                    </p:anim>
+                                    <p:anim calcmode="lin" valueType="num">
+                                      <p:cBhvr additive="base">
+                                        <p:cTn id="18" dur="500" fill="hold"/>
+                                        <p:tgtEl>
+                                          <p:spTgt spid="5"/>
+                                        </p:tgtEl>
+                                        <p:attrNameLst>
+                                          <p:attrName>ppt_y</p:attrName>
+                                        </p:attrNameLst>
+                                      </p:cBhvr>
+                                      <p:tavLst>
+                                        <p:tav tm="0">
+                                          <p:val>
+                                            <p:strVal val="1+#ppt_h/2"/>
+                                          </p:val>
+                                        </p:tav>
+                                        <p:tav tm="100000">
+                                          <p:val>
+                                            <p:strVal val="#ppt_y"/>
+                                          </p:val>
+                                        </p:tav>
+                                      </p:tavLst>
+                                    </p:anim>
+                                  </p:childTnLst>
+                                </p:cTn>
+                              </p:par>
+                            </p:childTnLst>
+                          </p:cTn>
+                        </p:par>
+                      </p:childTnLst>
+                    </p:cTn>
+                  </p:par>
+                  <p:par>
+                    <p:cTn id="19" fill="hold">
+                      <p:stCondLst>
+                        <p:cond delay="indefinite"/>
+                      </p:stCondLst>
+                      <p:childTnLst>
+                        <p:par>
+                          <p:cTn id="20" fill="hold">
+                            <p:stCondLst>
+                              <p:cond delay="0"/>
+                            </p:stCondLst>
+                            <p:childTnLst>
+                              <p:par>
+                                <p:cTn id="21" presetID="2" presetClass="entr" presetSubtype="4" fill="hold" nodeType="clickEffect">
+                                  <p:stCondLst>
+                                    <p:cond delay="0"/>
+                                  </p:stCondLst>
+                                  <p:childTnLst>
+                                    <p:set>
+                                      <p:cBhvr>
+                                        <p:cTn id="22" dur="1" fill="hold">
+                                          <p:stCondLst>
+                                            <p:cond delay="0"/>
+                                          </p:stCondLst>
+                                        </p:cTn>
+                                        <p:tgtEl>
+                                          <p:spTgt spid="14"/>
+                                        </p:tgtEl>
+                                        <p:attrNameLst>
+                                          <p:attrName>style.visibility</p:attrName>
+                                        </p:attrNameLst>
+                                      </p:cBhvr>
+                                      <p:to>
+                                        <p:strVal val="visible"/>
+                                      </p:to>
+                                    </p:set>
+                                    <p:anim calcmode="lin" valueType="num">
+                                      <p:cBhvr additive="base">
+                                        <p:cTn id="23" dur="500" fill="hold"/>
+                                        <p:tgtEl>
+                                          <p:spTgt spid="14"/>
+                                        </p:tgtEl>
+                                        <p:attrNameLst>
+                                          <p:attrName>ppt_x</p:attrName>
+                                        </p:attrNameLst>
+                                      </p:cBhvr>
+                                      <p:tavLst>
+                                        <p:tav tm="0">
+                                          <p:val>
+                                            <p:strVal val="#ppt_x"/>
+                                          </p:val>
+                                        </p:tav>
+                                        <p:tav tm="100000">
+                                          <p:val>
+                                            <p:strVal val="#ppt_x"/>
+                                          </p:val>
+                                        </p:tav>
+                                      </p:tavLst>
+                                    </p:anim>
+                                    <p:anim calcmode="lin" valueType="num">
+                                      <p:cBhvr additive="base">
+                                        <p:cTn id="24" dur="500" fill="hold"/>
+                                        <p:tgtEl>
+                                          <p:spTgt spid="14"/>
+                                        </p:tgtEl>
+                                        <p:attrNameLst>
+                                          <p:attrName>ppt_y</p:attrName>
+                                        </p:attrNameLst>
+                                      </p:cBhvr>
+                                      <p:tavLst>
+                                        <p:tav tm="0">
+                                          <p:val>
+                                            <p:strVal val="1+#ppt_h/2"/>
+                                          </p:val>
+                                        </p:tav>
+                                        <p:tav tm="100000">
+                                          <p:val>
+                                            <p:strVal val="#ppt_y"/>
+                                          </p:val>
+                                        </p:tav>
+                                      </p:tavLst>
+                                    </p:anim>
+                                  </p:childTnLst>
+                                </p:cTn>
+                              </p:par>
+                            </p:childTnLst>
+                          </p:cTn>
+                        </p:par>
+                      </p:childTnLst>
+                    </p:cTn>
+                  </p:par>
+                </p:childTnLst>
+              </p:cTn>
+              <p:prevCondLst>
+                <p:cond evt="onPrev" delay="0">
+                  <p:tgtEl>
+                    <p:sldTgt/>
+                  </p:tgtEl>
+                </p:cond>
+              </p:prevCondLst>
+              <p:nextCondLst>
+                <p:cond evt="onNext" delay="0">
+                  <p:tgtEl>
+                    <p:sldTgt/>
+                  </p:tgtEl>
+                </p:cond>
+              </p:nextCondLst>
+            </p:seq>
+          </p:childTnLst>
+        </p:cTn>
+      </p:par>
+    </p:tnLst>
+    <p:bldLst>
+      <p:bldP spid="15" grpId="0"/>
+    </p:bldLst>
+  </p:timing>
 </p:sld>
 </file>
 

--- a/PARKTUS.pptx
+++ b/PARKTUS.pptx
@@ -19,8 +19,7 @@
     <p:sldId id="263" r:id="rId13"/>
     <p:sldId id="264" r:id="rId14"/>
     <p:sldId id="265" r:id="rId15"/>
-    <p:sldId id="266" r:id="rId16"/>
-    <p:sldId id="267" r:id="rId17"/>
+    <p:sldId id="267" r:id="rId16"/>
   </p:sldIdLst>
   <p:sldSz cx="12192000" cy="6858000"/>
   <p:notesSz cx="6858000" cy="9144000"/>
@@ -16935,736 +16934,33 @@
         <p:spPr/>
         <p:txBody>
           <a:bodyPr>
-            <a:normAutofit fontScale="62500" lnSpcReduction="20000"/>
-          </a:bodyPr>
-          <a:lstStyle/>
-          <a:p>
-            <a:r>
-              <a:rPr lang="hr-HR" dirty="0"/>
-              <a:t>Za odabir određenog mjesta prikazuju mu se određene opcije</a:t>
-            </a:r>
-          </a:p>
-          <a:p>
-            <a:r>
-              <a:rPr lang="hr-HR" dirty="0"/>
-              <a:t>Za zauzeto mjesto:</a:t>
-            </a:r>
-          </a:p>
-          <a:p>
-            <a:pPr lvl="1"/>
-            <a:r>
-              <a:rPr lang="hr-HR" dirty="0"/>
-              <a:t>Vidljivo je vrijeme do kad je mjesto zauzeto</a:t>
-            </a:r>
-          </a:p>
-          <a:p>
-            <a:r>
-              <a:rPr lang="hr-HR" dirty="0"/>
-              <a:t>Za slobodno mjesto:</a:t>
-            </a:r>
-          </a:p>
-          <a:p>
-            <a:pPr lvl="1"/>
-            <a:r>
-              <a:rPr lang="hr-HR" dirty="0"/>
-              <a:t>Vidljiva je cijena parkirnog mjesta po satu</a:t>
-            </a:r>
-          </a:p>
-          <a:p>
-            <a:pPr lvl="1"/>
-            <a:r>
-              <a:rPr lang="hr-HR" dirty="0"/>
-              <a:t>Mogućnost rezervacije mjesta do određenog trenutka</a:t>
-            </a:r>
-          </a:p>
-          <a:p>
-            <a:endParaRPr lang="hr-HR" dirty="0"/>
-          </a:p>
-          <a:p>
-            <a:endParaRPr lang="hr-HR" dirty="0"/>
-          </a:p>
-        </p:txBody>
-      </p:sp>
-    </p:spTree>
-    <p:extLst>
-      <p:ext uri="{BB962C8B-B14F-4D97-AF65-F5344CB8AC3E}">
-        <p14:creationId xmlns:p14="http://schemas.microsoft.com/office/powerpoint/2010/main" val="2780526925"/>
-      </p:ext>
-    </p:extLst>
-  </p:cSld>
-  <p:clrMapOvr>
-    <a:masterClrMapping/>
-  </p:clrMapOvr>
-</p:sld>
-</file>
-
-<file path=ppt/slides/slide11.xml><?xml version="1.0" encoding="utf-8"?>
-<p:sld xmlns:a="http://schemas.openxmlformats.org/drawingml/2006/main" xmlns:r="http://schemas.openxmlformats.org/officeDocument/2006/relationships" xmlns:p="http://schemas.openxmlformats.org/presentationml/2006/main">
-  <p:cSld>
-    <p:spTree>
-      <p:nvGrpSpPr>
-        <p:cNvPr id="1" name=""/>
-        <p:cNvGrpSpPr/>
-        <p:nvPr/>
-      </p:nvGrpSpPr>
-      <p:grpSpPr>
-        <a:xfrm>
-          <a:off x="0" y="0"/>
-          <a:ext cx="0" cy="0"/>
-          <a:chOff x="0" y="0"/>
-          <a:chExt cx="0" cy="0"/>
-        </a:xfrm>
-      </p:grpSpPr>
-      <p:sp>
-        <p:nvSpPr>
-          <p:cNvPr id="2" name="Title 1">
-            <a:extLst>
-              <a:ext uri="{FF2B5EF4-FFF2-40B4-BE49-F238E27FC236}">
-                <a16:creationId xmlns:a16="http://schemas.microsoft.com/office/drawing/2014/main" id="{6A6F7F73-8477-2429-7197-0D869BB4F46D}"/>
-              </a:ext>
-            </a:extLst>
-          </p:cNvPr>
-          <p:cNvSpPr>
-            <a:spLocks noGrp="1"/>
-          </p:cNvSpPr>
-          <p:nvPr>
-            <p:ph type="title"/>
-          </p:nvPr>
-        </p:nvSpPr>
-        <p:spPr/>
-        <p:txBody>
-          <a:bodyPr/>
-          <a:lstStyle/>
-          <a:p>
-            <a:r>
-              <a:rPr lang="hr-HR" dirty="0"/>
-              <a:t>filteri</a:t>
-            </a:r>
-          </a:p>
-        </p:txBody>
-      </p:sp>
-      <p:sp>
-        <p:nvSpPr>
-          <p:cNvPr id="3" name="Content Placeholder 2">
-            <a:extLst>
-              <a:ext uri="{FF2B5EF4-FFF2-40B4-BE49-F238E27FC236}">
-                <a16:creationId xmlns:a16="http://schemas.microsoft.com/office/drawing/2014/main" id="{B1290BE5-D633-4DEB-BDB7-40E7B6090741}"/>
-              </a:ext>
-            </a:extLst>
-          </p:cNvPr>
-          <p:cNvSpPr>
-            <a:spLocks noGrp="1"/>
-          </p:cNvSpPr>
-          <p:nvPr>
-            <p:ph idx="1"/>
-          </p:nvPr>
-        </p:nvSpPr>
-        <p:spPr/>
-        <p:txBody>
-          <a:bodyPr/>
-          <a:lstStyle/>
-          <a:p>
-            <a:r>
-              <a:rPr lang="hr-HR" dirty="0"/>
-              <a:t>Korisnik bira jedan od dva načina filtriranja</a:t>
-            </a:r>
-          </a:p>
-        </p:txBody>
-      </p:sp>
-    </p:spTree>
-    <p:extLst>
-      <p:ext uri="{BB962C8B-B14F-4D97-AF65-F5344CB8AC3E}">
-        <p14:creationId xmlns:p14="http://schemas.microsoft.com/office/powerpoint/2010/main" val="1169814096"/>
-      </p:ext>
-    </p:extLst>
-  </p:cSld>
-  <p:clrMapOvr>
-    <a:masterClrMapping/>
-  </p:clrMapOvr>
-</p:sld>
-</file>
-
-<file path=ppt/slides/slide12.xml><?xml version="1.0" encoding="utf-8"?>
-<p:sld xmlns:a="http://schemas.openxmlformats.org/drawingml/2006/main" xmlns:r="http://schemas.openxmlformats.org/officeDocument/2006/relationships" xmlns:p="http://schemas.openxmlformats.org/presentationml/2006/main">
-  <p:cSld>
-    <p:spTree>
-      <p:nvGrpSpPr>
-        <p:cNvPr id="1" name=""/>
-        <p:cNvGrpSpPr/>
-        <p:nvPr/>
-      </p:nvGrpSpPr>
-      <p:grpSpPr>
-        <a:xfrm>
-          <a:off x="0" y="0"/>
-          <a:ext cx="0" cy="0"/>
-          <a:chOff x="0" y="0"/>
-          <a:chExt cx="0" cy="0"/>
-        </a:xfrm>
-      </p:grpSpPr>
-      <p:sp>
-        <p:nvSpPr>
-          <p:cNvPr id="2" name="Title 1">
-            <a:extLst>
-              <a:ext uri="{FF2B5EF4-FFF2-40B4-BE49-F238E27FC236}">
-                <a16:creationId xmlns:a16="http://schemas.microsoft.com/office/drawing/2014/main" id="{41DCEF54-26D1-45C4-28A1-A2D2E502DD6B}"/>
-              </a:ext>
-            </a:extLst>
-          </p:cNvPr>
-          <p:cNvSpPr>
-            <a:spLocks noGrp="1"/>
-          </p:cNvSpPr>
-          <p:nvPr>
-            <p:ph type="title"/>
-          </p:nvPr>
-        </p:nvSpPr>
-        <p:spPr/>
-        <p:txBody>
-          <a:bodyPr/>
-          <a:lstStyle/>
-          <a:p>
-            <a:r>
-              <a:rPr lang="hr-HR" dirty="0"/>
-              <a:t>Rezervacija parkirnog mjesta</a:t>
-            </a:r>
-          </a:p>
-        </p:txBody>
-      </p:sp>
-      <p:sp>
-        <p:nvSpPr>
-          <p:cNvPr id="3" name="Content Placeholder 2">
-            <a:extLst>
-              <a:ext uri="{FF2B5EF4-FFF2-40B4-BE49-F238E27FC236}">
-                <a16:creationId xmlns:a16="http://schemas.microsoft.com/office/drawing/2014/main" id="{2C78A179-30C4-5111-F5BF-B66B60382874}"/>
-              </a:ext>
-            </a:extLst>
-          </p:cNvPr>
-          <p:cNvSpPr>
-            <a:spLocks noGrp="1"/>
-          </p:cNvSpPr>
-          <p:nvPr>
-            <p:ph idx="1"/>
-          </p:nvPr>
-        </p:nvSpPr>
-        <p:spPr/>
-        <p:txBody>
-          <a:bodyPr>
-            <a:normAutofit fontScale="70000" lnSpcReduction="20000"/>
-          </a:bodyPr>
-          <a:lstStyle/>
-          <a:p>
-            <a:r>
-              <a:rPr lang="hr-HR" dirty="0"/>
-              <a:t>Rezervacijom parkirnog mjesta korisnik ima pravo parkiranja na mjesto do izabranog trenutka</a:t>
-            </a:r>
-          </a:p>
-          <a:p>
-            <a:r>
-              <a:rPr lang="hr-HR" dirty="0"/>
-              <a:t>Korisnik može vidjeti cijenu koju će plaćati po satu parkiranja</a:t>
-            </a:r>
-          </a:p>
-          <a:p>
-            <a:r>
-              <a:rPr lang="hr-HR" dirty="0"/>
-              <a:t>Prikazuje se karta s uputama dolaska do izabranog mjesta</a:t>
-            </a:r>
-          </a:p>
-          <a:p>
-            <a:endParaRPr lang="hr-HR" dirty="0"/>
-          </a:p>
-        </p:txBody>
-      </p:sp>
-    </p:spTree>
-    <p:extLst>
-      <p:ext uri="{BB962C8B-B14F-4D97-AF65-F5344CB8AC3E}">
-        <p14:creationId xmlns:p14="http://schemas.microsoft.com/office/powerpoint/2010/main" val="3517385955"/>
-      </p:ext>
-    </p:extLst>
-  </p:cSld>
-  <p:clrMapOvr>
-    <a:masterClrMapping/>
-  </p:clrMapOvr>
-</p:sld>
-</file>
-
-<file path=ppt/slides/slide13.xml><?xml version="1.0" encoding="utf-8"?>
-<p:sld xmlns:a="http://schemas.openxmlformats.org/drawingml/2006/main" xmlns:r="http://schemas.openxmlformats.org/officeDocument/2006/relationships" xmlns:p="http://schemas.openxmlformats.org/presentationml/2006/main">
-  <p:cSld>
-    <p:spTree>
-      <p:nvGrpSpPr>
-        <p:cNvPr id="1" name=""/>
-        <p:cNvGrpSpPr/>
-        <p:nvPr/>
-      </p:nvGrpSpPr>
-      <p:grpSpPr>
-        <a:xfrm>
-          <a:off x="0" y="0"/>
-          <a:ext cx="0" cy="0"/>
-          <a:chOff x="0" y="0"/>
-          <a:chExt cx="0" cy="0"/>
-        </a:xfrm>
-      </p:grpSpPr>
-      <p:sp>
-        <p:nvSpPr>
-          <p:cNvPr id="2" name="Title 1">
-            <a:extLst>
-              <a:ext uri="{FF2B5EF4-FFF2-40B4-BE49-F238E27FC236}">
-                <a16:creationId xmlns:a16="http://schemas.microsoft.com/office/drawing/2014/main" id="{E1667C6E-7AB1-9AA8-9A6D-6B062B1ABEAA}"/>
-              </a:ext>
-            </a:extLst>
-          </p:cNvPr>
-          <p:cNvSpPr>
-            <a:spLocks noGrp="1"/>
-          </p:cNvSpPr>
-          <p:nvPr>
-            <p:ph type="title"/>
-          </p:nvPr>
-        </p:nvSpPr>
-        <p:spPr/>
-        <p:txBody>
-          <a:bodyPr/>
-          <a:lstStyle/>
-          <a:p>
-            <a:r>
-              <a:rPr lang="hr-HR" dirty="0"/>
-              <a:t>Prednosti korištenja Parktusa </a:t>
-            </a:r>
-            <a:r>
-              <a:rPr lang="hr-HR" dirty="0">
-                <a:sym typeface="Wingdings" panose="05000000000000000000" pitchFamily="2" charset="2"/>
-              </a:rPr>
-              <a:t></a:t>
-            </a:r>
-            <a:endParaRPr lang="hr-HR" dirty="0"/>
-          </a:p>
-        </p:txBody>
-      </p:sp>
-      <p:sp>
-        <p:nvSpPr>
-          <p:cNvPr id="3" name="Content Placeholder 2">
-            <a:extLst>
-              <a:ext uri="{FF2B5EF4-FFF2-40B4-BE49-F238E27FC236}">
-                <a16:creationId xmlns:a16="http://schemas.microsoft.com/office/drawing/2014/main" id="{8457CE9B-0828-F075-4D33-EEE62917B26E}"/>
-              </a:ext>
-            </a:extLst>
-          </p:cNvPr>
-          <p:cNvSpPr>
-            <a:spLocks noGrp="1"/>
-          </p:cNvSpPr>
-          <p:nvPr>
-            <p:ph idx="1"/>
-          </p:nvPr>
-        </p:nvSpPr>
-        <p:spPr/>
-        <p:txBody>
-          <a:bodyPr>
-            <a:normAutofit/>
-          </a:bodyPr>
-          <a:lstStyle/>
-          <a:p>
-            <a:r>
-              <a:rPr lang="hr-HR" dirty="0"/>
-              <a:t>Ušteda vremena i živaca</a:t>
-            </a:r>
-          </a:p>
-          <a:p>
-            <a:r>
-              <a:rPr lang="hr-HR" dirty="0"/>
-              <a:t>Ušteda goriva i novčanih sredstava</a:t>
-            </a:r>
-          </a:p>
-        </p:txBody>
-      </p:sp>
-    </p:spTree>
-    <p:extLst>
-      <p:ext uri="{BB962C8B-B14F-4D97-AF65-F5344CB8AC3E}">
-        <p14:creationId xmlns:p14="http://schemas.microsoft.com/office/powerpoint/2010/main" val="3463723570"/>
-      </p:ext>
-    </p:extLst>
-  </p:cSld>
-  <p:clrMapOvr>
-    <a:masterClrMapping/>
-  </p:clrMapOvr>
-</p:sld>
-</file>
-
-<file path=ppt/slides/slide14.xml><?xml version="1.0" encoding="utf-8"?>
-<p:sld xmlns:a="http://schemas.openxmlformats.org/drawingml/2006/main" xmlns:r="http://schemas.openxmlformats.org/officeDocument/2006/relationships" xmlns:p="http://schemas.openxmlformats.org/presentationml/2006/main">
-  <p:cSld>
-    <p:spTree>
-      <p:nvGrpSpPr>
-        <p:cNvPr id="1" name=""/>
-        <p:cNvGrpSpPr/>
-        <p:nvPr/>
-      </p:nvGrpSpPr>
-      <p:grpSpPr>
-        <a:xfrm>
-          <a:off x="0" y="0"/>
-          <a:ext cx="0" cy="0"/>
-          <a:chOff x="0" y="0"/>
-          <a:chExt cx="0" cy="0"/>
-        </a:xfrm>
-      </p:grpSpPr>
-      <p:sp>
-        <p:nvSpPr>
-          <p:cNvPr id="2" name="Title 1">
-            <a:extLst>
-              <a:ext uri="{FF2B5EF4-FFF2-40B4-BE49-F238E27FC236}">
-                <a16:creationId xmlns:a16="http://schemas.microsoft.com/office/drawing/2014/main" id="{7C6D0A8A-1611-268E-1EC4-E0B154997576}"/>
-              </a:ext>
-            </a:extLst>
-          </p:cNvPr>
-          <p:cNvSpPr>
-            <a:spLocks noGrp="1"/>
-          </p:cNvSpPr>
-          <p:nvPr>
-            <p:ph type="title"/>
-          </p:nvPr>
-        </p:nvSpPr>
-        <p:spPr/>
-        <p:txBody>
-          <a:bodyPr/>
-          <a:lstStyle/>
-          <a:p>
-            <a:r>
-              <a:rPr lang="hr-HR" dirty="0"/>
-              <a:t>Planovi</a:t>
-            </a:r>
-          </a:p>
-        </p:txBody>
-      </p:sp>
-      <p:sp>
-        <p:nvSpPr>
-          <p:cNvPr id="3" name="Content Placeholder 2">
-            <a:extLst>
-              <a:ext uri="{FF2B5EF4-FFF2-40B4-BE49-F238E27FC236}">
-                <a16:creationId xmlns:a16="http://schemas.microsoft.com/office/drawing/2014/main" id="{7447E74D-9C93-C85E-14D8-5BCF826814D9}"/>
-              </a:ext>
-            </a:extLst>
-          </p:cNvPr>
-          <p:cNvSpPr>
-            <a:spLocks noGrp="1"/>
-          </p:cNvSpPr>
-          <p:nvPr>
-            <p:ph idx="1"/>
-          </p:nvPr>
-        </p:nvSpPr>
-        <p:spPr/>
-        <p:txBody>
-          <a:bodyPr>
-            <a:normAutofit fontScale="92500" lnSpcReduction="20000"/>
-          </a:bodyPr>
-          <a:lstStyle/>
-          <a:p>
-            <a:r>
-              <a:rPr lang="hr-HR" dirty="0"/>
-              <a:t>Nadolazeće funkcije:</a:t>
-            </a:r>
-          </a:p>
-          <a:p>
-            <a:pPr lvl="1"/>
-            <a:r>
-              <a:rPr lang="hr-HR" dirty="0"/>
-              <a:t>Plan širenja na druge gradove</a:t>
-            </a:r>
-          </a:p>
-          <a:p>
-            <a:pPr lvl="1"/>
-            <a:r>
-              <a:rPr lang="hr-HR" dirty="0"/>
-              <a:t>Parkinzi sa senzorima</a:t>
-            </a:r>
-          </a:p>
-          <a:p>
-            <a:pPr lvl="1"/>
-            <a:r>
-              <a:rPr lang="hr-HR" dirty="0"/>
-              <a:t>Mogućnost plaćanja putem aplikacije</a:t>
-            </a:r>
-          </a:p>
-          <a:p>
-            <a:pPr marL="457200" lvl="1" indent="0">
-              <a:buNone/>
-            </a:pPr>
-            <a:endParaRPr lang="hr-HR" dirty="0"/>
-          </a:p>
-        </p:txBody>
-      </p:sp>
-    </p:spTree>
-    <p:extLst>
-      <p:ext uri="{BB962C8B-B14F-4D97-AF65-F5344CB8AC3E}">
-        <p14:creationId xmlns:p14="http://schemas.microsoft.com/office/powerpoint/2010/main" val="4142937906"/>
-      </p:ext>
-    </p:extLst>
-  </p:cSld>
-  <p:clrMapOvr>
-    <a:masterClrMapping/>
-  </p:clrMapOvr>
-</p:sld>
-</file>
-
-<file path=ppt/slides/slide15.xml><?xml version="1.0" encoding="utf-8"?>
-<p:sld xmlns:a="http://schemas.openxmlformats.org/drawingml/2006/main" xmlns:r="http://schemas.openxmlformats.org/officeDocument/2006/relationships" xmlns:p="http://schemas.openxmlformats.org/presentationml/2006/main">
-  <p:cSld>
-    <p:spTree>
-      <p:nvGrpSpPr>
-        <p:cNvPr id="1" name=""/>
-        <p:cNvGrpSpPr/>
-        <p:nvPr/>
-      </p:nvGrpSpPr>
-      <p:grpSpPr>
-        <a:xfrm>
-          <a:off x="0" y="0"/>
-          <a:ext cx="0" cy="0"/>
-          <a:chOff x="0" y="0"/>
-          <a:chExt cx="0" cy="0"/>
-        </a:xfrm>
-      </p:grpSpPr>
-      <p:sp>
-        <p:nvSpPr>
-          <p:cNvPr id="2" name="Title 1">
-            <a:extLst>
-              <a:ext uri="{FF2B5EF4-FFF2-40B4-BE49-F238E27FC236}">
-                <a16:creationId xmlns:a16="http://schemas.microsoft.com/office/drawing/2014/main" id="{D1D0CB21-1EA5-C5E2-C0D7-046A6CFB7C75}"/>
-              </a:ext>
-            </a:extLst>
-          </p:cNvPr>
-          <p:cNvSpPr>
-            <a:spLocks noGrp="1"/>
-          </p:cNvSpPr>
-          <p:nvPr>
-            <p:ph type="title"/>
-          </p:nvPr>
-        </p:nvSpPr>
-        <p:spPr/>
-        <p:txBody>
-          <a:bodyPr/>
-          <a:lstStyle/>
-          <a:p>
-            <a:r>
-              <a:rPr lang="hr-HR" dirty="0"/>
-              <a:t>Pitanja i diskusija</a:t>
-            </a:r>
-          </a:p>
-        </p:txBody>
-      </p:sp>
-      <p:sp>
-        <p:nvSpPr>
-          <p:cNvPr id="3" name="Content Placeholder 2">
-            <a:extLst>
-              <a:ext uri="{FF2B5EF4-FFF2-40B4-BE49-F238E27FC236}">
-                <a16:creationId xmlns:a16="http://schemas.microsoft.com/office/drawing/2014/main" id="{972675C3-8FDB-709B-A5E5-3403AEC899DB}"/>
-              </a:ext>
-            </a:extLst>
-          </p:cNvPr>
-          <p:cNvSpPr>
-            <a:spLocks noGrp="1"/>
-          </p:cNvSpPr>
-          <p:nvPr>
-            <p:ph idx="1"/>
-          </p:nvPr>
-        </p:nvSpPr>
-        <p:spPr/>
-        <p:txBody>
-          <a:bodyPr/>
-          <a:lstStyle/>
-          <a:p>
-            <a:endParaRPr lang="hr-HR"/>
-          </a:p>
-        </p:txBody>
-      </p:sp>
-    </p:spTree>
-    <p:extLst>
-      <p:ext uri="{BB962C8B-B14F-4D97-AF65-F5344CB8AC3E}">
-        <p14:creationId xmlns:p14="http://schemas.microsoft.com/office/powerpoint/2010/main" val="2108961666"/>
-      </p:ext>
-    </p:extLst>
-  </p:cSld>
-  <p:clrMapOvr>
-    <a:masterClrMapping/>
-  </p:clrMapOvr>
-</p:sld>
-</file>
-
-<file path=ppt/slides/slide16.xml><?xml version="1.0" encoding="utf-8"?>
-<p:sld xmlns:a="http://schemas.openxmlformats.org/drawingml/2006/main" xmlns:r="http://schemas.openxmlformats.org/officeDocument/2006/relationships" xmlns:p="http://schemas.openxmlformats.org/presentationml/2006/main">
-  <p:cSld>
-    <p:spTree>
-      <p:nvGrpSpPr>
-        <p:cNvPr id="1" name=""/>
-        <p:cNvGrpSpPr/>
-        <p:nvPr/>
-      </p:nvGrpSpPr>
-      <p:grpSpPr>
-        <a:xfrm>
-          <a:off x="0" y="0"/>
-          <a:ext cx="0" cy="0"/>
-          <a:chOff x="0" y="0"/>
-          <a:chExt cx="0" cy="0"/>
-        </a:xfrm>
-      </p:grpSpPr>
-      <p:sp>
-        <p:nvSpPr>
-          <p:cNvPr id="2" name="Title 1">
-            <a:extLst>
-              <a:ext uri="{FF2B5EF4-FFF2-40B4-BE49-F238E27FC236}">
-                <a16:creationId xmlns:a16="http://schemas.microsoft.com/office/drawing/2014/main" id="{E6E67E96-3D4A-889B-9ABC-5FC7BE6672B8}"/>
-              </a:ext>
-            </a:extLst>
-          </p:cNvPr>
-          <p:cNvSpPr>
-            <a:spLocks noGrp="1"/>
-          </p:cNvSpPr>
-          <p:nvPr>
-            <p:ph type="title"/>
-          </p:nvPr>
-        </p:nvSpPr>
-        <p:spPr/>
-        <p:txBody>
-          <a:bodyPr/>
-          <a:lstStyle/>
-          <a:p>
-            <a:r>
-              <a:rPr lang="hr-HR" dirty="0"/>
-              <a:t>Hvala na pažnji</a:t>
-            </a:r>
-          </a:p>
-        </p:txBody>
-      </p:sp>
-      <p:sp>
-        <p:nvSpPr>
-          <p:cNvPr id="3" name="Content Placeholder 2">
-            <a:extLst>
-              <a:ext uri="{FF2B5EF4-FFF2-40B4-BE49-F238E27FC236}">
-                <a16:creationId xmlns:a16="http://schemas.microsoft.com/office/drawing/2014/main" id="{D9688EE7-78BF-4EF2-515C-1116EE4BEF80}"/>
-              </a:ext>
-            </a:extLst>
-          </p:cNvPr>
-          <p:cNvSpPr>
-            <a:spLocks noGrp="1"/>
-          </p:cNvSpPr>
-          <p:nvPr>
-            <p:ph idx="1"/>
-          </p:nvPr>
-        </p:nvSpPr>
-        <p:spPr/>
-        <p:txBody>
-          <a:bodyPr/>
-          <a:lstStyle/>
-          <a:p>
-            <a:endParaRPr lang="hr-HR"/>
-          </a:p>
-        </p:txBody>
-      </p:sp>
-    </p:spTree>
-    <p:extLst>
-      <p:ext uri="{BB962C8B-B14F-4D97-AF65-F5344CB8AC3E}">
-        <p14:creationId xmlns:p14="http://schemas.microsoft.com/office/powerpoint/2010/main" val="4260819385"/>
-      </p:ext>
-    </p:extLst>
-  </p:cSld>
-  <p:clrMapOvr>
-    <a:masterClrMapping/>
-  </p:clrMapOvr>
-</p:sld>
-</file>
-
-<file path=ppt/slides/slide2.xml><?xml version="1.0" encoding="utf-8"?>
-<p:sld xmlns:a="http://schemas.openxmlformats.org/drawingml/2006/main" xmlns:r="http://schemas.openxmlformats.org/officeDocument/2006/relationships" xmlns:p="http://schemas.openxmlformats.org/presentationml/2006/main">
-  <p:cSld>
-    <p:spTree>
-      <p:nvGrpSpPr>
-        <p:cNvPr id="1" name=""/>
-        <p:cNvGrpSpPr/>
-        <p:nvPr/>
-      </p:nvGrpSpPr>
-      <p:grpSpPr>
-        <a:xfrm>
-          <a:off x="0" y="0"/>
-          <a:ext cx="0" cy="0"/>
-          <a:chOff x="0" y="0"/>
-          <a:chExt cx="0" cy="0"/>
-        </a:xfrm>
-      </p:grpSpPr>
-      <p:sp>
-        <p:nvSpPr>
-          <p:cNvPr id="2" name="Title 1">
-            <a:extLst>
-              <a:ext uri="{FF2B5EF4-FFF2-40B4-BE49-F238E27FC236}">
-                <a16:creationId xmlns:a16="http://schemas.microsoft.com/office/drawing/2014/main" id="{C8AD18BE-8114-7726-DCAD-49E5BF1151E5}"/>
-              </a:ext>
-            </a:extLst>
-          </p:cNvPr>
-          <p:cNvSpPr>
-            <a:spLocks noGrp="1"/>
-          </p:cNvSpPr>
-          <p:nvPr>
-            <p:ph type="title"/>
-          </p:nvPr>
-        </p:nvSpPr>
-        <p:spPr/>
-        <p:txBody>
-          <a:bodyPr/>
-          <a:lstStyle/>
-          <a:p>
-            <a:r>
-              <a:rPr lang="hr-HR" dirty="0"/>
-              <a:t>Parkiranje u zagrebu </a:t>
-            </a:r>
-            <a:r>
-              <a:rPr lang="hr-HR" dirty="0">
-                <a:sym typeface="Wingdings" panose="05000000000000000000" pitchFamily="2" charset="2"/>
-              </a:rPr>
-              <a:t></a:t>
-            </a:r>
-            <a:endParaRPr lang="hr-HR" dirty="0"/>
-          </a:p>
-        </p:txBody>
-      </p:sp>
-      <p:sp>
-        <p:nvSpPr>
-          <p:cNvPr id="3" name="Content Placeholder 2">
-            <a:extLst>
-              <a:ext uri="{FF2B5EF4-FFF2-40B4-BE49-F238E27FC236}">
-                <a16:creationId xmlns:a16="http://schemas.microsoft.com/office/drawing/2014/main" id="{4A21CFA6-5A1F-37C0-B5CE-68FFC4574E64}"/>
-              </a:ext>
-            </a:extLst>
-          </p:cNvPr>
-          <p:cNvSpPr>
-            <a:spLocks noGrp="1"/>
-          </p:cNvSpPr>
-          <p:nvPr>
-            <p:ph idx="1"/>
-          </p:nvPr>
-        </p:nvSpPr>
-        <p:spPr/>
-        <p:txBody>
-          <a:bodyPr>
             <a:normAutofit fontScale="77500" lnSpcReduction="20000"/>
           </a:bodyPr>
           <a:lstStyle/>
           <a:p>
             <a:r>
               <a:rPr lang="hr-HR" dirty="0"/>
-              <a:t>Povećana potražnja za parkirnim prostorom</a:t>
+              <a:t>Za odabir određenog mjesta prikazuju mu se određene opcije</a:t>
             </a:r>
           </a:p>
           <a:p>
             <a:r>
               <a:rPr lang="hr-HR" dirty="0"/>
-              <a:t>Ograničen broj parkirališta u odnosu na vozila</a:t>
-            </a:r>
-          </a:p>
-          <a:p>
+              <a:t>Za slobodno mjesto:</a:t>
+            </a:r>
+          </a:p>
+          <a:p>
+            <a:pPr lvl="1"/>
             <a:r>
               <a:rPr lang="hr-HR" dirty="0"/>
-              <a:t>Parkiranje u blizini centra postaje skupo</a:t>
-            </a:r>
-          </a:p>
-          <a:p>
+              <a:t>Vidljiva je cijena parkirnog mjesta po satu</a:t>
+            </a:r>
+          </a:p>
+          <a:p>
+            <a:pPr lvl="1"/>
             <a:r>
               <a:rPr lang="hr-HR" dirty="0"/>
-              <a:t>Vozači prosječno gube desetak minuta na traženje parkinga</a:t>
+              <a:t>Mogućnost rezervacije mjesta do određenog trenutka</a:t>
             </a:r>
           </a:p>
           <a:p>
@@ -17672,730 +16968,22 @@
           </a:p>
           <a:p>
             <a:endParaRPr lang="hr-HR" dirty="0"/>
-          </a:p>
-        </p:txBody>
-      </p:sp>
-    </p:spTree>
-    <p:extLst>
-      <p:ext uri="{BB962C8B-B14F-4D97-AF65-F5344CB8AC3E}">
-        <p14:creationId xmlns:p14="http://schemas.microsoft.com/office/powerpoint/2010/main" val="992529783"/>
-      </p:ext>
-    </p:extLst>
-  </p:cSld>
-  <p:clrMapOvr>
-    <a:masterClrMapping/>
-  </p:clrMapOvr>
-</p:sld>
-</file>
-
-<file path=ppt/slides/slide3.xml><?xml version="1.0" encoding="utf-8"?>
-<p:sld xmlns:a="http://schemas.openxmlformats.org/drawingml/2006/main" xmlns:r="http://schemas.openxmlformats.org/officeDocument/2006/relationships" xmlns:p="http://schemas.openxmlformats.org/presentationml/2006/main">
-  <p:cSld>
-    <p:spTree>
-      <p:nvGrpSpPr>
-        <p:cNvPr id="1" name=""/>
-        <p:cNvGrpSpPr/>
-        <p:nvPr/>
-      </p:nvGrpSpPr>
-      <p:grpSpPr>
-        <a:xfrm>
-          <a:off x="0" y="0"/>
-          <a:ext cx="0" cy="0"/>
-          <a:chOff x="0" y="0"/>
-          <a:chExt cx="0" cy="0"/>
-        </a:xfrm>
-      </p:grpSpPr>
-      <p:sp>
-        <p:nvSpPr>
-          <p:cNvPr id="2" name="Title 1">
-            <a:extLst>
-              <a:ext uri="{FF2B5EF4-FFF2-40B4-BE49-F238E27FC236}">
-                <a16:creationId xmlns:a16="http://schemas.microsoft.com/office/drawing/2014/main" id="{FE4C3C1C-0ECC-6B95-9A30-860643508961}"/>
-              </a:ext>
-            </a:extLst>
-          </p:cNvPr>
-          <p:cNvSpPr>
-            <a:spLocks noGrp="1"/>
-          </p:cNvSpPr>
-          <p:nvPr>
-            <p:ph type="title"/>
-          </p:nvPr>
-        </p:nvSpPr>
-        <p:spPr/>
-        <p:txBody>
-          <a:bodyPr/>
-          <a:lstStyle/>
-          <a:p>
-            <a:r>
-              <a:rPr lang="hr-HR" dirty="0"/>
-              <a:t>Što je Parktus???</a:t>
-            </a:r>
-          </a:p>
-        </p:txBody>
-      </p:sp>
-      <p:sp>
-        <p:nvSpPr>
-          <p:cNvPr id="3" name="Content Placeholder 2">
-            <a:extLst>
-              <a:ext uri="{FF2B5EF4-FFF2-40B4-BE49-F238E27FC236}">
-                <a16:creationId xmlns:a16="http://schemas.microsoft.com/office/drawing/2014/main" id="{9CD97E7B-A878-C6A4-0D31-566A5404A11B}"/>
-              </a:ext>
-            </a:extLst>
-          </p:cNvPr>
-          <p:cNvSpPr>
-            <a:spLocks noGrp="1"/>
-          </p:cNvSpPr>
-          <p:nvPr>
-            <p:ph idx="1"/>
-          </p:nvPr>
-        </p:nvSpPr>
-        <p:spPr/>
-        <p:txBody>
-          <a:bodyPr>
-            <a:normAutofit fontScale="70000" lnSpcReduction="20000"/>
-          </a:bodyPr>
-          <a:lstStyle/>
-          <a:p>
-            <a:r>
-              <a:rPr lang="hr-HR" dirty="0"/>
-              <a:t>Aplikacija dostupna svakome</a:t>
-            </a:r>
-          </a:p>
-          <a:p>
-            <a:r>
-              <a:rPr lang="hr-HR" dirty="0"/>
-              <a:t>Omogućuje korisnicima informacije o parkirnim mjestima u Zagrebu</a:t>
-            </a:r>
-          </a:p>
-          <a:p>
-            <a:r>
-              <a:rPr lang="hr-HR" dirty="0"/>
-              <a:t>Cilj</a:t>
-            </a:r>
-          </a:p>
-          <a:p>
-            <a:pPr lvl="1"/>
-            <a:r>
-              <a:rPr lang="hr-HR" dirty="0"/>
-              <a:t>Efikasno rješenje problema parkiranja u velikim gradovima</a:t>
-            </a:r>
-          </a:p>
-          <a:p>
-            <a:pPr marL="457200" lvl="1" indent="0">
-              <a:buNone/>
-            </a:pPr>
-            <a:endParaRPr lang="hr-HR" dirty="0"/>
-          </a:p>
-          <a:p>
-            <a:endParaRPr lang="hr-HR" dirty="0"/>
-          </a:p>
-          <a:p>
-            <a:pPr lvl="1"/>
-            <a:endParaRPr lang="hr-HR" dirty="0"/>
-          </a:p>
-          <a:p>
-            <a:endParaRPr lang="hr-HR" dirty="0"/>
-          </a:p>
-          <a:p>
-            <a:endParaRPr lang="hr-HR" dirty="0"/>
-          </a:p>
-        </p:txBody>
-      </p:sp>
-    </p:spTree>
-    <p:extLst>
-      <p:ext uri="{BB962C8B-B14F-4D97-AF65-F5344CB8AC3E}">
-        <p14:creationId xmlns:p14="http://schemas.microsoft.com/office/powerpoint/2010/main" val="23554226"/>
-      </p:ext>
-    </p:extLst>
-  </p:cSld>
-  <p:clrMapOvr>
-    <a:masterClrMapping/>
-  </p:clrMapOvr>
-</p:sld>
-</file>
-
-<file path=ppt/slides/slide4.xml><?xml version="1.0" encoding="utf-8"?>
-<p:sld xmlns:a="http://schemas.openxmlformats.org/drawingml/2006/main" xmlns:r="http://schemas.openxmlformats.org/officeDocument/2006/relationships" xmlns:p="http://schemas.openxmlformats.org/presentationml/2006/main">
-  <p:cSld>
-    <p:spTree>
-      <p:nvGrpSpPr>
-        <p:cNvPr id="1" name=""/>
-        <p:cNvGrpSpPr/>
-        <p:nvPr/>
-      </p:nvGrpSpPr>
-      <p:grpSpPr>
-        <a:xfrm>
-          <a:off x="0" y="0"/>
-          <a:ext cx="0" cy="0"/>
-          <a:chOff x="0" y="0"/>
-          <a:chExt cx="0" cy="0"/>
-        </a:xfrm>
-      </p:grpSpPr>
-      <p:sp>
-        <p:nvSpPr>
-          <p:cNvPr id="2" name="Title 1">
-            <a:extLst>
-              <a:ext uri="{FF2B5EF4-FFF2-40B4-BE49-F238E27FC236}">
-                <a16:creationId xmlns:a16="http://schemas.microsoft.com/office/drawing/2014/main" id="{C4C68DA8-F2B5-48BA-BBCD-32DE6FF346B9}"/>
-              </a:ext>
-            </a:extLst>
-          </p:cNvPr>
-          <p:cNvSpPr>
-            <a:spLocks noGrp="1"/>
-          </p:cNvSpPr>
-          <p:nvPr>
-            <p:ph type="title"/>
-          </p:nvPr>
-        </p:nvSpPr>
-        <p:spPr/>
-        <p:txBody>
-          <a:bodyPr/>
-          <a:lstStyle/>
-          <a:p>
-            <a:r>
-              <a:rPr lang="hr-HR" dirty="0"/>
-              <a:t>Cilj Parktusa</a:t>
-            </a:r>
-          </a:p>
-        </p:txBody>
-      </p:sp>
-      <p:sp>
-        <p:nvSpPr>
-          <p:cNvPr id="3" name="Content Placeholder 2">
-            <a:extLst>
-              <a:ext uri="{FF2B5EF4-FFF2-40B4-BE49-F238E27FC236}">
-                <a16:creationId xmlns:a16="http://schemas.microsoft.com/office/drawing/2014/main" id="{6A05881F-6863-AEE8-F69E-ACD3F525495A}"/>
-              </a:ext>
-            </a:extLst>
-          </p:cNvPr>
-          <p:cNvSpPr>
-            <a:spLocks noGrp="1"/>
-          </p:cNvSpPr>
-          <p:nvPr>
-            <p:ph idx="1"/>
-          </p:nvPr>
-        </p:nvSpPr>
-        <p:spPr/>
-        <p:txBody>
-          <a:bodyPr>
-            <a:normAutofit fontScale="85000" lnSpcReduction="20000"/>
-          </a:bodyPr>
-          <a:lstStyle/>
-          <a:p>
-            <a:r>
-              <a:rPr lang="hr-HR" dirty="0"/>
-              <a:t>Efikasno riješiti problem parkiranja u velikim gradovima</a:t>
-            </a:r>
-          </a:p>
-          <a:p>
-            <a:r>
-              <a:rPr lang="hr-HR" dirty="0"/>
-              <a:t>Smanjiti korisnicima potrošnju vremena tražeći parking</a:t>
-            </a:r>
-          </a:p>
-          <a:p>
-            <a:r>
-              <a:rPr lang="hr-HR" dirty="0"/>
-              <a:t>Prikazati najbliža slobodna parkirnih mjesta</a:t>
-            </a:r>
-          </a:p>
-          <a:p>
-            <a:pPr marL="0" indent="0">
-              <a:buNone/>
-            </a:pPr>
-            <a:endParaRPr lang="hr-HR" dirty="0"/>
-          </a:p>
-          <a:p>
-            <a:endParaRPr lang="hr-HR" dirty="0"/>
-          </a:p>
-          <a:p>
-            <a:endParaRPr lang="hr-HR" dirty="0"/>
-          </a:p>
-        </p:txBody>
-      </p:sp>
-    </p:spTree>
-    <p:extLst>
-      <p:ext uri="{BB962C8B-B14F-4D97-AF65-F5344CB8AC3E}">
-        <p14:creationId xmlns:p14="http://schemas.microsoft.com/office/powerpoint/2010/main" val="912168149"/>
-      </p:ext>
-    </p:extLst>
-  </p:cSld>
-  <p:clrMapOvr>
-    <a:masterClrMapping/>
-  </p:clrMapOvr>
-</p:sld>
-</file>
-
-<file path=ppt/slides/slide5.xml><?xml version="1.0" encoding="utf-8"?>
-<p:sld xmlns:a="http://schemas.openxmlformats.org/drawingml/2006/main" xmlns:r="http://schemas.openxmlformats.org/officeDocument/2006/relationships" xmlns:p="http://schemas.openxmlformats.org/presentationml/2006/main">
-  <p:cSld>
-    <p:spTree>
-      <p:nvGrpSpPr>
-        <p:cNvPr id="1" name=""/>
-        <p:cNvGrpSpPr/>
-        <p:nvPr/>
-      </p:nvGrpSpPr>
-      <p:grpSpPr>
-        <a:xfrm>
-          <a:off x="0" y="0"/>
-          <a:ext cx="0" cy="0"/>
-          <a:chOff x="0" y="0"/>
-          <a:chExt cx="0" cy="0"/>
-        </a:xfrm>
-      </p:grpSpPr>
-      <p:sp>
-        <p:nvSpPr>
-          <p:cNvPr id="2" name="Title 1">
-            <a:extLst>
-              <a:ext uri="{FF2B5EF4-FFF2-40B4-BE49-F238E27FC236}">
-                <a16:creationId xmlns:a16="http://schemas.microsoft.com/office/drawing/2014/main" id="{6A7C18CF-2871-291D-0217-8FF4BA6A1321}"/>
-              </a:ext>
-            </a:extLst>
-          </p:cNvPr>
-          <p:cNvSpPr>
-            <a:spLocks noGrp="1"/>
-          </p:cNvSpPr>
-          <p:nvPr>
-            <p:ph type="title"/>
-          </p:nvPr>
-        </p:nvSpPr>
-        <p:spPr/>
-        <p:txBody>
-          <a:bodyPr/>
-          <a:lstStyle/>
-          <a:p>
-            <a:r>
-              <a:rPr lang="hr-HR" dirty="0"/>
-              <a:t>Funkcije</a:t>
-            </a:r>
-          </a:p>
-        </p:txBody>
-      </p:sp>
-      <p:sp>
-        <p:nvSpPr>
-          <p:cNvPr id="3" name="Content Placeholder 2">
-            <a:extLst>
-              <a:ext uri="{FF2B5EF4-FFF2-40B4-BE49-F238E27FC236}">
-                <a16:creationId xmlns:a16="http://schemas.microsoft.com/office/drawing/2014/main" id="{D44323FA-DB1F-0CA5-9C41-1CEA006A7BBE}"/>
-              </a:ext>
-            </a:extLst>
-          </p:cNvPr>
-          <p:cNvSpPr>
-            <a:spLocks noGrp="1"/>
-          </p:cNvSpPr>
-          <p:nvPr>
-            <p:ph idx="1"/>
-          </p:nvPr>
-        </p:nvSpPr>
-        <p:spPr/>
-        <p:txBody>
-          <a:bodyPr>
-            <a:normAutofit fontScale="70000" lnSpcReduction="20000"/>
-          </a:bodyPr>
-          <a:lstStyle/>
-          <a:p>
-            <a:r>
-              <a:rPr lang="hr-HR" dirty="0"/>
-              <a:t>Prikaz svih slobodnih i zauzetih parkirnih mjesta u Zagrebu</a:t>
-            </a:r>
-          </a:p>
-          <a:p>
-            <a:r>
-              <a:rPr lang="hr-HR" dirty="0"/>
-              <a:t>Mogućnost rezervacije parkirnog mjesta</a:t>
-            </a:r>
-          </a:p>
-          <a:p>
-            <a:r>
-              <a:rPr lang="hr-HR" dirty="0"/>
-              <a:t>Prikaz cijene za pojedino parkirno mjesto</a:t>
-            </a:r>
-          </a:p>
-          <a:p>
-            <a:r>
-              <a:rPr lang="hr-HR" dirty="0"/>
-              <a:t>Upute dolaska do izabranog parkirnog mjesta</a:t>
-            </a:r>
-          </a:p>
-          <a:p>
-            <a:endParaRPr lang="hr-HR" dirty="0"/>
-          </a:p>
-        </p:txBody>
-      </p:sp>
-    </p:spTree>
-    <p:extLst>
-      <p:ext uri="{BB962C8B-B14F-4D97-AF65-F5344CB8AC3E}">
-        <p14:creationId xmlns:p14="http://schemas.microsoft.com/office/powerpoint/2010/main" val="4150735059"/>
-      </p:ext>
-    </p:extLst>
-  </p:cSld>
-  <p:clrMapOvr>
-    <a:masterClrMapping/>
-  </p:clrMapOvr>
-</p:sld>
-</file>
-
-<file path=ppt/slides/slide6.xml><?xml version="1.0" encoding="utf-8"?>
-<p:sld xmlns:a="http://schemas.openxmlformats.org/drawingml/2006/main" xmlns:r="http://schemas.openxmlformats.org/officeDocument/2006/relationships" xmlns:p="http://schemas.openxmlformats.org/presentationml/2006/main">
-  <p:cSld>
-    <p:spTree>
-      <p:nvGrpSpPr>
-        <p:cNvPr id="1" name=""/>
-        <p:cNvGrpSpPr/>
-        <p:nvPr/>
-      </p:nvGrpSpPr>
-      <p:grpSpPr>
-        <a:xfrm>
-          <a:off x="0" y="0"/>
-          <a:ext cx="0" cy="0"/>
-          <a:chOff x="0" y="0"/>
-          <a:chExt cx="0" cy="0"/>
-        </a:xfrm>
-      </p:grpSpPr>
-      <p:sp>
-        <p:nvSpPr>
-          <p:cNvPr id="2" name="Title 1">
-            <a:extLst>
-              <a:ext uri="{FF2B5EF4-FFF2-40B4-BE49-F238E27FC236}">
-                <a16:creationId xmlns:a16="http://schemas.microsoft.com/office/drawing/2014/main" id="{6A7C18CF-2871-291D-0217-8FF4BA6A1321}"/>
-              </a:ext>
-            </a:extLst>
-          </p:cNvPr>
-          <p:cNvSpPr>
-            <a:spLocks noGrp="1"/>
-          </p:cNvSpPr>
-          <p:nvPr>
-            <p:ph type="title"/>
-          </p:nvPr>
-        </p:nvSpPr>
-        <p:spPr/>
-        <p:txBody>
-          <a:bodyPr/>
-          <a:lstStyle/>
-          <a:p>
-            <a:r>
-              <a:rPr lang="hr-HR" dirty="0"/>
-              <a:t>Funkcije</a:t>
-            </a:r>
-          </a:p>
-        </p:txBody>
-      </p:sp>
-      <p:sp>
-        <p:nvSpPr>
-          <p:cNvPr id="3" name="Content Placeholder 2">
-            <a:extLst>
-              <a:ext uri="{FF2B5EF4-FFF2-40B4-BE49-F238E27FC236}">
-                <a16:creationId xmlns:a16="http://schemas.microsoft.com/office/drawing/2014/main" id="{D44323FA-DB1F-0CA5-9C41-1CEA006A7BBE}"/>
-              </a:ext>
-            </a:extLst>
-          </p:cNvPr>
-          <p:cNvSpPr>
-            <a:spLocks noGrp="1"/>
-          </p:cNvSpPr>
-          <p:nvPr>
-            <p:ph idx="1"/>
-          </p:nvPr>
-        </p:nvSpPr>
-        <p:spPr/>
-        <p:txBody>
-          <a:bodyPr>
-            <a:normAutofit/>
-          </a:bodyPr>
-          <a:lstStyle/>
-          <a:p>
-            <a:r>
-              <a:rPr lang="hr-HR" dirty="0"/>
-              <a:t>Mogućnost filtriranja mape na više načina:</a:t>
-            </a:r>
-          </a:p>
-          <a:p>
-            <a:pPr lvl="1"/>
-            <a:r>
-              <a:rPr lang="hr-HR" dirty="0"/>
-              <a:t>Vrsta parkinga</a:t>
-            </a:r>
-          </a:p>
-          <a:p>
-            <a:pPr lvl="1"/>
-            <a:r>
-              <a:rPr lang="hr-HR" dirty="0"/>
-              <a:t>Lokacija</a:t>
-            </a:r>
-          </a:p>
-          <a:p>
-            <a:pPr lvl="1"/>
-            <a:endParaRPr lang="hr-HR" dirty="0"/>
-          </a:p>
-        </p:txBody>
-      </p:sp>
-    </p:spTree>
-    <p:extLst>
-      <p:ext uri="{BB962C8B-B14F-4D97-AF65-F5344CB8AC3E}">
-        <p14:creationId xmlns:p14="http://schemas.microsoft.com/office/powerpoint/2010/main" val="3409965626"/>
-      </p:ext>
-    </p:extLst>
-  </p:cSld>
-  <p:clrMapOvr>
-    <a:masterClrMapping/>
-  </p:clrMapOvr>
-</p:sld>
-</file>
-
-<file path=ppt/slides/slide7.xml><?xml version="1.0" encoding="utf-8"?>
-<p:sld xmlns:a="http://schemas.openxmlformats.org/drawingml/2006/main" xmlns:r="http://schemas.openxmlformats.org/officeDocument/2006/relationships" xmlns:p="http://schemas.openxmlformats.org/presentationml/2006/main">
-  <p:cSld>
-    <p:spTree>
-      <p:nvGrpSpPr>
-        <p:cNvPr id="1" name=""/>
-        <p:cNvGrpSpPr/>
-        <p:nvPr/>
-      </p:nvGrpSpPr>
-      <p:grpSpPr>
-        <a:xfrm>
-          <a:off x="0" y="0"/>
-          <a:ext cx="0" cy="0"/>
-          <a:chOff x="0" y="0"/>
-          <a:chExt cx="0" cy="0"/>
-        </a:xfrm>
-      </p:grpSpPr>
-      <p:sp>
-        <p:nvSpPr>
-          <p:cNvPr id="2" name="Title 1">
-            <a:extLst>
-              <a:ext uri="{FF2B5EF4-FFF2-40B4-BE49-F238E27FC236}">
-                <a16:creationId xmlns:a16="http://schemas.microsoft.com/office/drawing/2014/main" id="{59790726-E4B6-3F53-4DAC-9FD53180AAFD}"/>
-              </a:ext>
-            </a:extLst>
-          </p:cNvPr>
-          <p:cNvSpPr>
-            <a:spLocks noGrp="1"/>
-          </p:cNvSpPr>
-          <p:nvPr>
-            <p:ph type="title"/>
-          </p:nvPr>
-        </p:nvSpPr>
-        <p:spPr/>
-        <p:txBody>
-          <a:bodyPr/>
-          <a:lstStyle/>
-          <a:p>
-            <a:r>
-              <a:rPr lang="hr-HR" dirty="0"/>
-              <a:t>Registracija i prijava</a:t>
-            </a:r>
-          </a:p>
-        </p:txBody>
-      </p:sp>
-      <p:sp>
-        <p:nvSpPr>
-          <p:cNvPr id="3" name="Content Placeholder 2">
-            <a:extLst>
-              <a:ext uri="{FF2B5EF4-FFF2-40B4-BE49-F238E27FC236}">
-                <a16:creationId xmlns:a16="http://schemas.microsoft.com/office/drawing/2014/main" id="{6CFA2396-B972-4012-831D-88EF2F523205}"/>
-              </a:ext>
-            </a:extLst>
-          </p:cNvPr>
-          <p:cNvSpPr>
-            <a:spLocks noGrp="1"/>
-          </p:cNvSpPr>
-          <p:nvPr>
-            <p:ph idx="1"/>
-          </p:nvPr>
-        </p:nvSpPr>
-        <p:spPr/>
-        <p:txBody>
-          <a:bodyPr>
-            <a:normAutofit/>
-          </a:bodyPr>
-          <a:lstStyle/>
-          <a:p>
-            <a:r>
-              <a:rPr lang="hr-HR" dirty="0"/>
-              <a:t>Korisnik otvara svoj Parktus račun kojim se prijavljuje u aplikaciju</a:t>
-            </a:r>
-          </a:p>
-          <a:p>
-            <a:endParaRPr lang="hr-HR" dirty="0"/>
-          </a:p>
-        </p:txBody>
-      </p:sp>
-    </p:spTree>
-    <p:extLst>
-      <p:ext uri="{BB962C8B-B14F-4D97-AF65-F5344CB8AC3E}">
-        <p14:creationId xmlns:p14="http://schemas.microsoft.com/office/powerpoint/2010/main" val="2295045679"/>
-      </p:ext>
-    </p:extLst>
-  </p:cSld>
-  <p:clrMapOvr>
-    <a:masterClrMapping/>
-  </p:clrMapOvr>
-</p:sld>
-</file>
-
-<file path=ppt/slides/slide8.xml><?xml version="1.0" encoding="utf-8"?>
-<p:sld xmlns:a="http://schemas.openxmlformats.org/drawingml/2006/main" xmlns:r="http://schemas.openxmlformats.org/officeDocument/2006/relationships" xmlns:p="http://schemas.openxmlformats.org/presentationml/2006/main">
-  <p:cSld>
-    <p:spTree>
-      <p:nvGrpSpPr>
-        <p:cNvPr id="1" name=""/>
-        <p:cNvGrpSpPr/>
-        <p:nvPr/>
-      </p:nvGrpSpPr>
-      <p:grpSpPr>
-        <a:xfrm>
-          <a:off x="0" y="0"/>
-          <a:ext cx="0" cy="0"/>
-          <a:chOff x="0" y="0"/>
-          <a:chExt cx="0" cy="0"/>
-        </a:xfrm>
-      </p:grpSpPr>
-      <p:sp>
-        <p:nvSpPr>
-          <p:cNvPr id="2" name="Title 1">
-            <a:extLst>
-              <a:ext uri="{FF2B5EF4-FFF2-40B4-BE49-F238E27FC236}">
-                <a16:creationId xmlns:a16="http://schemas.microsoft.com/office/drawing/2014/main" id="{AF5B213E-F419-56D9-13CA-33E388429C85}"/>
-              </a:ext>
-            </a:extLst>
-          </p:cNvPr>
-          <p:cNvSpPr>
-            <a:spLocks noGrp="1"/>
-          </p:cNvSpPr>
-          <p:nvPr>
-            <p:ph type="title"/>
-          </p:nvPr>
-        </p:nvSpPr>
-        <p:spPr/>
-        <p:txBody>
-          <a:bodyPr/>
-          <a:lstStyle/>
-          <a:p>
-            <a:r>
-              <a:rPr lang="hr-HR" dirty="0"/>
-              <a:t>Pregled karte </a:t>
-            </a:r>
-          </a:p>
-        </p:txBody>
-      </p:sp>
-      <p:sp>
-        <p:nvSpPr>
-          <p:cNvPr id="3" name="Content Placeholder 2">
-            <a:extLst>
-              <a:ext uri="{FF2B5EF4-FFF2-40B4-BE49-F238E27FC236}">
-                <a16:creationId xmlns:a16="http://schemas.microsoft.com/office/drawing/2014/main" id="{1BD44D1F-DDD1-CD60-BAAE-B738D0F12158}"/>
-              </a:ext>
-            </a:extLst>
-          </p:cNvPr>
-          <p:cNvSpPr>
-            <a:spLocks noGrp="1"/>
-          </p:cNvSpPr>
-          <p:nvPr>
-            <p:ph idx="1"/>
-          </p:nvPr>
-        </p:nvSpPr>
-        <p:spPr/>
-        <p:txBody>
-          <a:bodyPr>
-            <a:normAutofit fontScale="70000" lnSpcReduction="20000"/>
-          </a:bodyPr>
-          <a:lstStyle/>
-          <a:p>
-            <a:r>
-              <a:rPr lang="hr-HR" dirty="0"/>
-              <a:t>Korisnik ima mogućnost pregledavanja karte grada s prikazanim zauzetim i slobodnim parkirnim mjestima</a:t>
-            </a:r>
-          </a:p>
-          <a:p>
-            <a:r>
-              <a:rPr lang="hr-HR" dirty="0"/>
-              <a:t>Za svako parkirno mjesto korisnik vidi njegov tip:</a:t>
-            </a:r>
-          </a:p>
-          <a:p>
-            <a:pPr lvl="1"/>
-            <a:r>
-              <a:rPr lang="hr-HR" dirty="0"/>
-              <a:t>Obično, invalidsko, za električna vozila</a:t>
-            </a:r>
-          </a:p>
-          <a:p>
-            <a:endParaRPr lang="hr-HR" dirty="0"/>
-          </a:p>
-        </p:txBody>
-      </p:sp>
-    </p:spTree>
-    <p:extLst>
-      <p:ext uri="{BB962C8B-B14F-4D97-AF65-F5344CB8AC3E}">
-        <p14:creationId xmlns:p14="http://schemas.microsoft.com/office/powerpoint/2010/main" val="2741831601"/>
-      </p:ext>
-    </p:extLst>
-  </p:cSld>
-  <p:clrMapOvr>
-    <a:masterClrMapping/>
-  </p:clrMapOvr>
-</p:sld>
-</file>
-
-<file path=ppt/slides/slide9.xml><?xml version="1.0" encoding="utf-8"?>
-<p:sld xmlns:a="http://schemas.openxmlformats.org/drawingml/2006/main" xmlns:r="http://schemas.openxmlformats.org/officeDocument/2006/relationships" xmlns:p="http://schemas.openxmlformats.org/presentationml/2006/main">
-  <p:cSld>
-    <p:spTree>
-      <p:nvGrpSpPr>
-        <p:cNvPr id="1" name=""/>
-        <p:cNvGrpSpPr/>
-        <p:nvPr/>
-      </p:nvGrpSpPr>
-      <p:grpSpPr>
-        <a:xfrm>
-          <a:off x="0" y="0"/>
-          <a:ext cx="0" cy="0"/>
-          <a:chOff x="0" y="0"/>
-          <a:chExt cx="0" cy="0"/>
-        </a:xfrm>
-      </p:grpSpPr>
-      <p:sp>
-        <p:nvSpPr>
-          <p:cNvPr id="2" name="Title 1">
-            <a:extLst>
-              <a:ext uri="{FF2B5EF4-FFF2-40B4-BE49-F238E27FC236}">
-                <a16:creationId xmlns:a16="http://schemas.microsoft.com/office/drawing/2014/main" id="{378FD0EB-0E29-F99D-BF09-CEDFCEE891CC}"/>
-              </a:ext>
-            </a:extLst>
-          </p:cNvPr>
-          <p:cNvSpPr>
-            <a:spLocks noGrp="1"/>
-          </p:cNvSpPr>
-          <p:nvPr>
-            <p:ph type="title"/>
-          </p:nvPr>
-        </p:nvSpPr>
-        <p:spPr/>
-        <p:txBody>
-          <a:bodyPr/>
-          <a:lstStyle/>
-          <a:p>
-            <a:r>
-              <a:rPr lang="hr-HR" dirty="0"/>
-              <a:t>Dostupnost parkirnih mjesta</a:t>
-            </a:r>
           </a:p>
         </p:txBody>
       </p:sp>
       <p:pic>
         <p:nvPicPr>
-          <p:cNvPr id="5" name="Content Placeholder 4" descr="A yellow cactus with black stripes&#10;&#10;Description automatically generated">
-            <a:extLst>
-              <a:ext uri="{FF2B5EF4-FFF2-40B4-BE49-F238E27FC236}">
-                <a16:creationId xmlns:a16="http://schemas.microsoft.com/office/drawing/2014/main" id="{8475A982-4C24-FF28-A930-D80F3147051A}"/>
+          <p:cNvPr id="5" name="Picture 4" descr="A screenshot of a map with a parking lot&#10;&#10;Description automatically generated">
+            <a:extLst>
+              <a:ext uri="{FF2B5EF4-FFF2-40B4-BE49-F238E27FC236}">
+                <a16:creationId xmlns:a16="http://schemas.microsoft.com/office/drawing/2014/main" id="{8E04A002-2180-37F5-5726-7976941B9F64}"/>
               </a:ext>
             </a:extLst>
           </p:cNvPr>
           <p:cNvPicPr>
-            <a:picLocks noGrp="1" noChangeAspect="1"/>
+            <a:picLocks noChangeAspect="1"/>
           </p:cNvPicPr>
-          <p:nvPr>
-            <p:ph idx="1"/>
-          </p:nvPr>
+          <p:nvPr/>
         </p:nvPicPr>
         <p:blipFill>
           <a:blip r:embed="rId2">
@@ -18411,234 +16999,18 @@
         </p:blipFill>
         <p:spPr>
           <a:xfrm>
-            <a:off x="4680622" y="463458"/>
-            <a:ext cx="3175163" cy="3175163"/>
-          </a:xfrm>
-        </p:spPr>
-      </p:pic>
-      <p:grpSp>
-        <p:nvGrpSpPr>
-          <p:cNvPr id="11" name="Group 10">
-            <a:extLst>
-              <a:ext uri="{FF2B5EF4-FFF2-40B4-BE49-F238E27FC236}">
-                <a16:creationId xmlns:a16="http://schemas.microsoft.com/office/drawing/2014/main" id="{29C936FA-0977-2624-578B-4503DEB3F232}"/>
-              </a:ext>
-            </a:extLst>
-          </p:cNvPr>
-          <p:cNvGrpSpPr/>
-          <p:nvPr/>
-        </p:nvGrpSpPr>
-        <p:grpSpPr>
-          <a:xfrm>
-            <a:off x="1506760" y="2678457"/>
-            <a:ext cx="3175163" cy="3575273"/>
-            <a:chOff x="1506760" y="2678457"/>
-            <a:chExt cx="3175163" cy="3575273"/>
-          </a:xfrm>
-        </p:grpSpPr>
-        <p:pic>
-          <p:nvPicPr>
-            <p:cNvPr id="9" name="Picture 8" descr="A green cactus with black outline&#10;&#10;Description automatically generated">
-              <a:extLst>
-                <a:ext uri="{FF2B5EF4-FFF2-40B4-BE49-F238E27FC236}">
-                  <a16:creationId xmlns:a16="http://schemas.microsoft.com/office/drawing/2014/main" id="{D746E5B8-241A-9BF9-7353-66FB1E5B4DD5}"/>
-                </a:ext>
-              </a:extLst>
-            </p:cNvPr>
-            <p:cNvPicPr>
-              <a:picLocks noChangeAspect="1"/>
-            </p:cNvPicPr>
-            <p:nvPr/>
-          </p:nvPicPr>
-          <p:blipFill>
-            <a:blip r:embed="rId3">
-              <a:extLst>
-                <a:ext uri="{28A0092B-C50C-407E-A947-70E740481C1C}">
-                  <a14:useLocalDpi xmlns:a14="http://schemas.microsoft.com/office/drawing/2010/main" val="0"/>
-                </a:ext>
-              </a:extLst>
-            </a:blip>
-            <a:stretch>
-              <a:fillRect/>
-            </a:stretch>
-          </p:blipFill>
-          <p:spPr>
-            <a:xfrm>
-              <a:off x="1506760" y="2678457"/>
-              <a:ext cx="3175163" cy="3175163"/>
-            </a:xfrm>
-            <a:prstGeom prst="rect">
-              <a:avLst/>
-            </a:prstGeom>
-          </p:spPr>
-        </p:pic>
-        <p:sp>
-          <p:nvSpPr>
-            <p:cNvPr id="10" name="TextBox 9">
-              <a:extLst>
-                <a:ext uri="{FF2B5EF4-FFF2-40B4-BE49-F238E27FC236}">
-                  <a16:creationId xmlns:a16="http://schemas.microsoft.com/office/drawing/2014/main" id="{D7961AFF-814F-505E-0F26-A4DCDE185EC4}"/>
-                </a:ext>
-              </a:extLst>
-            </p:cNvPr>
-            <p:cNvSpPr txBox="1"/>
-            <p:nvPr/>
-          </p:nvSpPr>
-          <p:spPr>
-            <a:xfrm>
-              <a:off x="1822132" y="5853620"/>
-              <a:ext cx="2544418" cy="400110"/>
-            </a:xfrm>
-            <a:prstGeom prst="rect">
-              <a:avLst/>
-            </a:prstGeom>
-            <a:noFill/>
-          </p:spPr>
-          <p:txBody>
-            <a:bodyPr wrap="square" rtlCol="0">
-              <a:spAutoFit/>
-            </a:bodyPr>
-            <a:lstStyle/>
-            <a:p>
-              <a:r>
-                <a:rPr lang="hr-HR" sz="2000" b="1" dirty="0"/>
-                <a:t>SLOBODNO MJESTO</a:t>
-              </a:r>
-            </a:p>
-          </p:txBody>
-        </p:sp>
-      </p:grpSp>
-      <p:grpSp>
-        <p:nvGrpSpPr>
-          <p:cNvPr id="14" name="Group 13">
-            <a:extLst>
-              <a:ext uri="{FF2B5EF4-FFF2-40B4-BE49-F238E27FC236}">
-                <a16:creationId xmlns:a16="http://schemas.microsoft.com/office/drawing/2014/main" id="{495B2686-1B3E-0193-03C1-C45C618EA84E}"/>
-              </a:ext>
-            </a:extLst>
-          </p:cNvPr>
-          <p:cNvGrpSpPr/>
-          <p:nvPr/>
-        </p:nvGrpSpPr>
-        <p:grpSpPr>
-          <a:xfrm>
-            <a:off x="8534678" y="1841418"/>
-            <a:ext cx="3175163" cy="3575273"/>
-            <a:chOff x="8534678" y="1841418"/>
-            <a:chExt cx="3175163" cy="3575273"/>
-          </a:xfrm>
-        </p:grpSpPr>
-        <p:pic>
-          <p:nvPicPr>
-            <p:cNvPr id="7" name="Picture 6" descr="A red cactus with black outline&#10;&#10;Description automatically generated">
-              <a:extLst>
-                <a:ext uri="{FF2B5EF4-FFF2-40B4-BE49-F238E27FC236}">
-                  <a16:creationId xmlns:a16="http://schemas.microsoft.com/office/drawing/2014/main" id="{32D26B83-F297-B817-15C5-4B4AEFB355F0}"/>
-                </a:ext>
-              </a:extLst>
-            </p:cNvPr>
-            <p:cNvPicPr>
-              <a:picLocks noChangeAspect="1"/>
-            </p:cNvPicPr>
-            <p:nvPr/>
-          </p:nvPicPr>
-          <p:blipFill>
-            <a:blip r:embed="rId4">
-              <a:extLst>
-                <a:ext uri="{28A0092B-C50C-407E-A947-70E740481C1C}">
-                  <a14:useLocalDpi xmlns:a14="http://schemas.microsoft.com/office/drawing/2010/main" val="0"/>
-                </a:ext>
-              </a:extLst>
-            </a:blip>
-            <a:stretch>
-              <a:fillRect/>
-            </a:stretch>
-          </p:blipFill>
-          <p:spPr>
-            <a:xfrm>
-              <a:off x="8534678" y="1841418"/>
-              <a:ext cx="3175163" cy="3175163"/>
-            </a:xfrm>
-            <a:prstGeom prst="rect">
-              <a:avLst/>
-            </a:prstGeom>
-          </p:spPr>
-        </p:pic>
-        <p:sp>
-          <p:nvSpPr>
-            <p:cNvPr id="13" name="TextBox 12">
-              <a:extLst>
-                <a:ext uri="{FF2B5EF4-FFF2-40B4-BE49-F238E27FC236}">
-                  <a16:creationId xmlns:a16="http://schemas.microsoft.com/office/drawing/2014/main" id="{3280024C-08FA-5F39-BF8D-B5A6A0168DA0}"/>
-                </a:ext>
-              </a:extLst>
-            </p:cNvPr>
-            <p:cNvSpPr txBox="1"/>
-            <p:nvPr/>
-          </p:nvSpPr>
-          <p:spPr>
-            <a:xfrm>
-              <a:off x="9014045" y="5016581"/>
-              <a:ext cx="2216427" cy="400110"/>
-            </a:xfrm>
-            <a:prstGeom prst="rect">
-              <a:avLst/>
-            </a:prstGeom>
-            <a:noFill/>
-          </p:spPr>
-          <p:txBody>
-            <a:bodyPr wrap="square" rtlCol="0">
-              <a:spAutoFit/>
-            </a:bodyPr>
-            <a:lstStyle/>
-            <a:p>
-              <a:r>
-                <a:rPr lang="hr-HR" sz="2000" b="1" dirty="0"/>
-                <a:t>ZAUZETO MJESTO</a:t>
-              </a:r>
-            </a:p>
-          </p:txBody>
-        </p:sp>
-      </p:grpSp>
-      <p:sp>
-        <p:nvSpPr>
-          <p:cNvPr id="15" name="TextBox 14">
-            <a:extLst>
-              <a:ext uri="{FF2B5EF4-FFF2-40B4-BE49-F238E27FC236}">
-                <a16:creationId xmlns:a16="http://schemas.microsoft.com/office/drawing/2014/main" id="{12AB5E0D-F61E-57E9-9567-453FE5213EE9}"/>
-              </a:ext>
-            </a:extLst>
-          </p:cNvPr>
-          <p:cNvSpPr txBox="1"/>
-          <p:nvPr/>
-        </p:nvSpPr>
-        <p:spPr>
-          <a:xfrm>
-            <a:off x="5035236" y="3717235"/>
-            <a:ext cx="2474843" cy="400110"/>
+            <a:off x="8104777" y="606280"/>
+            <a:ext cx="3537132" cy="5645440"/>
           </a:xfrm>
           <a:prstGeom prst="rect">
             <a:avLst/>
           </a:prstGeom>
-          <a:noFill/>
-        </p:spPr>
-        <p:txBody>
-          <a:bodyPr wrap="square" rtlCol="0">
-            <a:spAutoFit/>
-          </a:bodyPr>
-          <a:lstStyle/>
-          <a:p>
-            <a:r>
-              <a:rPr lang="hr-HR" sz="2000" b="1" dirty="0"/>
-              <a:t>ODABRANO MJESTO</a:t>
-            </a:r>
-          </a:p>
-        </p:txBody>
-      </p:sp>
+        </p:spPr>
+      </p:pic>
     </p:spTree>
     <p:extLst>
       <p:ext uri="{BB962C8B-B14F-4D97-AF65-F5344CB8AC3E}">
-        <p14:creationId xmlns:p14="http://schemas.microsoft.com/office/powerpoint/2010/main" val="745119527"/>
+        <p14:creationId xmlns:p14="http://schemas.microsoft.com/office/powerpoint/2010/main" val="2780526925"/>
       </p:ext>
     </p:extLst>
   </p:cSld>
@@ -18679,7 +17051,7 @@
                                           </p:stCondLst>
                                         </p:cTn>
                                         <p:tgtEl>
-                                          <p:spTgt spid="11"/>
+                                          <p:spTgt spid="5"/>
                                         </p:tgtEl>
                                         <p:attrNameLst>
                                           <p:attrName>style.visibility</p:attrName>
@@ -18692,170 +17064,6 @@
                                     <p:anim calcmode="lin" valueType="num">
                                       <p:cBhvr additive="base">
                                         <p:cTn id="7" dur="500" fill="hold"/>
-                                        <p:tgtEl>
-                                          <p:spTgt spid="11"/>
-                                        </p:tgtEl>
-                                        <p:attrNameLst>
-                                          <p:attrName>ppt_x</p:attrName>
-                                        </p:attrNameLst>
-                                      </p:cBhvr>
-                                      <p:tavLst>
-                                        <p:tav tm="0">
-                                          <p:val>
-                                            <p:strVal val="#ppt_x"/>
-                                          </p:val>
-                                        </p:tav>
-                                        <p:tav tm="100000">
-                                          <p:val>
-                                            <p:strVal val="#ppt_x"/>
-                                          </p:val>
-                                        </p:tav>
-                                      </p:tavLst>
-                                    </p:anim>
-                                    <p:anim calcmode="lin" valueType="num">
-                                      <p:cBhvr additive="base">
-                                        <p:cTn id="8" dur="500" fill="hold"/>
-                                        <p:tgtEl>
-                                          <p:spTgt spid="11"/>
-                                        </p:tgtEl>
-                                        <p:attrNameLst>
-                                          <p:attrName>ppt_y</p:attrName>
-                                        </p:attrNameLst>
-                                      </p:cBhvr>
-                                      <p:tavLst>
-                                        <p:tav tm="0">
-                                          <p:val>
-                                            <p:strVal val="1+#ppt_h/2"/>
-                                          </p:val>
-                                        </p:tav>
-                                        <p:tav tm="100000">
-                                          <p:val>
-                                            <p:strVal val="#ppt_y"/>
-                                          </p:val>
-                                        </p:tav>
-                                      </p:tavLst>
-                                    </p:anim>
-                                  </p:childTnLst>
-                                </p:cTn>
-                              </p:par>
-                            </p:childTnLst>
-                          </p:cTn>
-                        </p:par>
-                      </p:childTnLst>
-                    </p:cTn>
-                  </p:par>
-                  <p:par>
-                    <p:cTn id="9" fill="hold">
-                      <p:stCondLst>
-                        <p:cond delay="indefinite"/>
-                      </p:stCondLst>
-                      <p:childTnLst>
-                        <p:par>
-                          <p:cTn id="10" fill="hold">
-                            <p:stCondLst>
-                              <p:cond delay="0"/>
-                            </p:stCondLst>
-                            <p:childTnLst>
-                              <p:par>
-                                <p:cTn id="11" presetID="2" presetClass="entr" presetSubtype="4" fill="hold" grpId="0" nodeType="clickEffect">
-                                  <p:stCondLst>
-                                    <p:cond delay="0"/>
-                                  </p:stCondLst>
-                                  <p:childTnLst>
-                                    <p:set>
-                                      <p:cBhvr>
-                                        <p:cTn id="12" dur="1" fill="hold">
-                                          <p:stCondLst>
-                                            <p:cond delay="0"/>
-                                          </p:stCondLst>
-                                        </p:cTn>
-                                        <p:tgtEl>
-                                          <p:spTgt spid="15"/>
-                                        </p:tgtEl>
-                                        <p:attrNameLst>
-                                          <p:attrName>style.visibility</p:attrName>
-                                        </p:attrNameLst>
-                                      </p:cBhvr>
-                                      <p:to>
-                                        <p:strVal val="visible"/>
-                                      </p:to>
-                                    </p:set>
-                                    <p:anim calcmode="lin" valueType="num">
-                                      <p:cBhvr additive="base">
-                                        <p:cTn id="13" dur="500" fill="hold"/>
-                                        <p:tgtEl>
-                                          <p:spTgt spid="15"/>
-                                        </p:tgtEl>
-                                        <p:attrNameLst>
-                                          <p:attrName>ppt_x</p:attrName>
-                                        </p:attrNameLst>
-                                      </p:cBhvr>
-                                      <p:tavLst>
-                                        <p:tav tm="0">
-                                          <p:val>
-                                            <p:strVal val="#ppt_x"/>
-                                          </p:val>
-                                        </p:tav>
-                                        <p:tav tm="100000">
-                                          <p:val>
-                                            <p:strVal val="#ppt_x"/>
-                                          </p:val>
-                                        </p:tav>
-                                      </p:tavLst>
-                                    </p:anim>
-                                    <p:anim calcmode="lin" valueType="num">
-                                      <p:cBhvr additive="base">
-                                        <p:cTn id="14" dur="500" fill="hold"/>
-                                        <p:tgtEl>
-                                          <p:spTgt spid="15"/>
-                                        </p:tgtEl>
-                                        <p:attrNameLst>
-                                          <p:attrName>ppt_y</p:attrName>
-                                        </p:attrNameLst>
-                                      </p:cBhvr>
-                                      <p:tavLst>
-                                        <p:tav tm="0">
-                                          <p:val>
-                                            <p:strVal val="1+#ppt_h/2"/>
-                                          </p:val>
-                                        </p:tav>
-                                        <p:tav tm="100000">
-                                          <p:val>
-                                            <p:strVal val="#ppt_y"/>
-                                          </p:val>
-                                        </p:tav>
-                                      </p:tavLst>
-                                    </p:anim>
-                                  </p:childTnLst>
-                                </p:cTn>
-                              </p:par>
-                              <p:par>
-                                <p:cTn id="15" presetID="2" presetClass="entr" presetSubtype="4" fill="hold" nodeType="withEffect">
-                                  <p:stCondLst>
-                                    <p:cond delay="0"/>
-                                  </p:stCondLst>
-                                  <p:childTnLst>
-                                    <p:set>
-                                      <p:cBhvr>
-                                        <p:cTn id="16" dur="1" fill="hold">
-                                          <p:stCondLst>
-                                            <p:cond delay="0"/>
-                                          </p:stCondLst>
-                                        </p:cTn>
-                                        <p:tgtEl>
-                                          <p:spTgt spid="5"/>
-                                        </p:tgtEl>
-                                        <p:attrNameLst>
-                                          <p:attrName>style.visibility</p:attrName>
-                                        </p:attrNameLst>
-                                      </p:cBhvr>
-                                      <p:to>
-                                        <p:strVal val="visible"/>
-                                      </p:to>
-                                    </p:set>
-                                    <p:anim calcmode="lin" valueType="num">
-                                      <p:cBhvr additive="base">
-                                        <p:cTn id="17" dur="500" fill="hold"/>
                                         <p:tgtEl>
                                           <p:spTgt spid="5"/>
                                         </p:tgtEl>
@@ -18878,7 +17086,7 @@
                                     </p:anim>
                                     <p:anim calcmode="lin" valueType="num">
                                       <p:cBhvr additive="base">
-                                        <p:cTn id="18" dur="500" fill="hold"/>
+                                        <p:cTn id="8" dur="500" fill="hold"/>
                                         <p:tgtEl>
                                           <p:spTgt spid="5"/>
                                         </p:tgtEl>
@@ -18908,20 +17116,2533 @@
                       </p:childTnLst>
                     </p:cTn>
                   </p:par>
+                </p:childTnLst>
+              </p:cTn>
+              <p:prevCondLst>
+                <p:cond evt="onPrev" delay="0">
+                  <p:tgtEl>
+                    <p:sldTgt/>
+                  </p:tgtEl>
+                </p:cond>
+              </p:prevCondLst>
+              <p:nextCondLst>
+                <p:cond evt="onNext" delay="0">
+                  <p:tgtEl>
+                    <p:sldTgt/>
+                  </p:tgtEl>
+                </p:cond>
+              </p:nextCondLst>
+            </p:seq>
+          </p:childTnLst>
+        </p:cTn>
+      </p:par>
+    </p:tnLst>
+  </p:timing>
+</p:sld>
+</file>
+
+<file path=ppt/slides/slide11.xml><?xml version="1.0" encoding="utf-8"?>
+<p:sld xmlns:a="http://schemas.openxmlformats.org/drawingml/2006/main" xmlns:r="http://schemas.openxmlformats.org/officeDocument/2006/relationships" xmlns:p="http://schemas.openxmlformats.org/presentationml/2006/main">
+  <p:cSld>
+    <p:spTree>
+      <p:nvGrpSpPr>
+        <p:cNvPr id="1" name=""/>
+        <p:cNvGrpSpPr/>
+        <p:nvPr/>
+      </p:nvGrpSpPr>
+      <p:grpSpPr>
+        <a:xfrm>
+          <a:off x="0" y="0"/>
+          <a:ext cx="0" cy="0"/>
+          <a:chOff x="0" y="0"/>
+          <a:chExt cx="0" cy="0"/>
+        </a:xfrm>
+      </p:grpSpPr>
+      <p:sp>
+        <p:nvSpPr>
+          <p:cNvPr id="2" name="Title 1">
+            <a:extLst>
+              <a:ext uri="{FF2B5EF4-FFF2-40B4-BE49-F238E27FC236}">
+                <a16:creationId xmlns:a16="http://schemas.microsoft.com/office/drawing/2014/main" id="{6A6F7F73-8477-2429-7197-0D869BB4F46D}"/>
+              </a:ext>
+            </a:extLst>
+          </p:cNvPr>
+          <p:cNvSpPr>
+            <a:spLocks noGrp="1"/>
+          </p:cNvSpPr>
+          <p:nvPr>
+            <p:ph type="title"/>
+          </p:nvPr>
+        </p:nvSpPr>
+        <p:spPr/>
+        <p:txBody>
+          <a:bodyPr/>
+          <a:lstStyle/>
+          <a:p>
+            <a:r>
+              <a:rPr lang="hr-HR" dirty="0"/>
+              <a:t>filteri</a:t>
+            </a:r>
+          </a:p>
+        </p:txBody>
+      </p:sp>
+      <p:sp>
+        <p:nvSpPr>
+          <p:cNvPr id="3" name="Content Placeholder 2">
+            <a:extLst>
+              <a:ext uri="{FF2B5EF4-FFF2-40B4-BE49-F238E27FC236}">
+                <a16:creationId xmlns:a16="http://schemas.microsoft.com/office/drawing/2014/main" id="{B1290BE5-D633-4DEB-BDB7-40E7B6090741}"/>
+              </a:ext>
+            </a:extLst>
+          </p:cNvPr>
+          <p:cNvSpPr>
+            <a:spLocks noGrp="1"/>
+          </p:cNvSpPr>
+          <p:nvPr>
+            <p:ph idx="1"/>
+          </p:nvPr>
+        </p:nvSpPr>
+        <p:spPr/>
+        <p:txBody>
+          <a:bodyPr/>
+          <a:lstStyle/>
+          <a:p>
+            <a:r>
+              <a:rPr lang="hr-HR" dirty="0"/>
+              <a:t>Korisnik bira jedan od dva načina filtriranja</a:t>
+            </a:r>
+          </a:p>
+        </p:txBody>
+      </p:sp>
+      <p:grpSp>
+        <p:nvGrpSpPr>
+          <p:cNvPr id="7" name="Group 6">
+            <a:extLst>
+              <a:ext uri="{FF2B5EF4-FFF2-40B4-BE49-F238E27FC236}">
+                <a16:creationId xmlns:a16="http://schemas.microsoft.com/office/drawing/2014/main" id="{384899D5-1739-8555-4CCB-F1043F929822}"/>
+              </a:ext>
+            </a:extLst>
+          </p:cNvPr>
+          <p:cNvGrpSpPr/>
+          <p:nvPr/>
+        </p:nvGrpSpPr>
+        <p:grpSpPr>
+          <a:xfrm>
+            <a:off x="8010939" y="477078"/>
+            <a:ext cx="3707296" cy="5943600"/>
+            <a:chOff x="8010939" y="477078"/>
+            <a:chExt cx="3707296" cy="5943600"/>
+          </a:xfrm>
+        </p:grpSpPr>
+        <p:sp>
+          <p:nvSpPr>
+            <p:cNvPr id="6" name="Rectangle 5">
+              <a:extLst>
+                <a:ext uri="{FF2B5EF4-FFF2-40B4-BE49-F238E27FC236}">
+                  <a16:creationId xmlns:a16="http://schemas.microsoft.com/office/drawing/2014/main" id="{BF731487-1735-26CB-D392-D9663A98E12B}"/>
+                </a:ext>
+              </a:extLst>
+            </p:cNvPr>
+            <p:cNvSpPr/>
+            <p:nvPr/>
+          </p:nvSpPr>
+          <p:spPr>
+            <a:xfrm>
+              <a:off x="8010939" y="477078"/>
+              <a:ext cx="3707296" cy="5943600"/>
+            </a:xfrm>
+            <a:prstGeom prst="rect">
+              <a:avLst/>
+            </a:prstGeom>
+          </p:spPr>
+          <p:style>
+            <a:lnRef idx="2">
+              <a:schemeClr val="accent6"/>
+            </a:lnRef>
+            <a:fillRef idx="1">
+              <a:schemeClr val="lt1"/>
+            </a:fillRef>
+            <a:effectRef idx="0">
+              <a:schemeClr val="accent6"/>
+            </a:effectRef>
+            <a:fontRef idx="minor">
+              <a:schemeClr val="dk1"/>
+            </a:fontRef>
+          </p:style>
+          <p:txBody>
+            <a:bodyPr rtlCol="0" anchor="ctr"/>
+            <a:lstStyle/>
+            <a:p>
+              <a:pPr algn="ctr"/>
+              <a:endParaRPr lang="hr-HR"/>
+            </a:p>
+          </p:txBody>
+        </p:sp>
+        <p:pic>
+          <p:nvPicPr>
+            <p:cNvPr id="5" name="Picture 4" descr="A screenshot of a phone&#10;&#10;Description automatically generated">
+              <a:extLst>
+                <a:ext uri="{FF2B5EF4-FFF2-40B4-BE49-F238E27FC236}">
+                  <a16:creationId xmlns:a16="http://schemas.microsoft.com/office/drawing/2014/main" id="{2D9269E3-F872-4572-F990-BAF47B66F97D}"/>
+                </a:ext>
+              </a:extLst>
+            </p:cNvPr>
+            <p:cNvPicPr>
+              <a:picLocks noChangeAspect="1"/>
+            </p:cNvPicPr>
+            <p:nvPr/>
+          </p:nvPicPr>
+          <p:blipFill>
+            <a:blip r:embed="rId2">
+              <a:extLst>
+                <a:ext uri="{28A0092B-C50C-407E-A947-70E740481C1C}">
+                  <a14:useLocalDpi xmlns:a14="http://schemas.microsoft.com/office/drawing/2010/main" val="0"/>
+                </a:ext>
+              </a:extLst>
+            </a:blip>
+            <a:stretch>
+              <a:fillRect/>
+            </a:stretch>
+          </p:blipFill>
+          <p:spPr>
+            <a:xfrm>
+              <a:off x="8111127" y="580878"/>
+              <a:ext cx="3524431" cy="5696243"/>
+            </a:xfrm>
+            <a:prstGeom prst="rect">
+              <a:avLst/>
+            </a:prstGeom>
+          </p:spPr>
+        </p:pic>
+      </p:grpSp>
+    </p:spTree>
+    <p:extLst>
+      <p:ext uri="{BB962C8B-B14F-4D97-AF65-F5344CB8AC3E}">
+        <p14:creationId xmlns:p14="http://schemas.microsoft.com/office/powerpoint/2010/main" val="1169814096"/>
+      </p:ext>
+    </p:extLst>
+  </p:cSld>
+  <p:clrMapOvr>
+    <a:masterClrMapping/>
+  </p:clrMapOvr>
+  <p:timing>
+    <p:tnLst>
+      <p:par>
+        <p:cTn id="1" dur="indefinite" restart="never" nodeType="tmRoot">
+          <p:childTnLst>
+            <p:seq concurrent="1" nextAc="seek">
+              <p:cTn id="2" dur="indefinite" nodeType="mainSeq">
+                <p:childTnLst>
                   <p:par>
-                    <p:cTn id="19" fill="hold">
+                    <p:cTn id="3" fill="hold">
                       <p:stCondLst>
                         <p:cond delay="indefinite"/>
                       </p:stCondLst>
                       <p:childTnLst>
                         <p:par>
-                          <p:cTn id="20" fill="hold">
+                          <p:cTn id="4" fill="hold">
                             <p:stCondLst>
                               <p:cond delay="0"/>
                             </p:stCondLst>
                             <p:childTnLst>
                               <p:par>
-                                <p:cTn id="21" presetID="2" presetClass="entr" presetSubtype="4" fill="hold" nodeType="clickEffect">
+                                <p:cTn id="5" presetID="2" presetClass="entr" presetSubtype="4" fill="hold" nodeType="clickEffect">
+                                  <p:stCondLst>
+                                    <p:cond delay="0"/>
+                                  </p:stCondLst>
+                                  <p:childTnLst>
+                                    <p:set>
+                                      <p:cBhvr>
+                                        <p:cTn id="6" dur="1" fill="hold">
+                                          <p:stCondLst>
+                                            <p:cond delay="0"/>
+                                          </p:stCondLst>
+                                        </p:cTn>
+                                        <p:tgtEl>
+                                          <p:spTgt spid="7"/>
+                                        </p:tgtEl>
+                                        <p:attrNameLst>
+                                          <p:attrName>style.visibility</p:attrName>
+                                        </p:attrNameLst>
+                                      </p:cBhvr>
+                                      <p:to>
+                                        <p:strVal val="visible"/>
+                                      </p:to>
+                                    </p:set>
+                                    <p:anim calcmode="lin" valueType="num">
+                                      <p:cBhvr additive="base">
+                                        <p:cTn id="7" dur="500" fill="hold"/>
+                                        <p:tgtEl>
+                                          <p:spTgt spid="7"/>
+                                        </p:tgtEl>
+                                        <p:attrNameLst>
+                                          <p:attrName>ppt_x</p:attrName>
+                                        </p:attrNameLst>
+                                      </p:cBhvr>
+                                      <p:tavLst>
+                                        <p:tav tm="0">
+                                          <p:val>
+                                            <p:strVal val="#ppt_x"/>
+                                          </p:val>
+                                        </p:tav>
+                                        <p:tav tm="100000">
+                                          <p:val>
+                                            <p:strVal val="#ppt_x"/>
+                                          </p:val>
+                                        </p:tav>
+                                      </p:tavLst>
+                                    </p:anim>
+                                    <p:anim calcmode="lin" valueType="num">
+                                      <p:cBhvr additive="base">
+                                        <p:cTn id="8" dur="500" fill="hold"/>
+                                        <p:tgtEl>
+                                          <p:spTgt spid="7"/>
+                                        </p:tgtEl>
+                                        <p:attrNameLst>
+                                          <p:attrName>ppt_y</p:attrName>
+                                        </p:attrNameLst>
+                                      </p:cBhvr>
+                                      <p:tavLst>
+                                        <p:tav tm="0">
+                                          <p:val>
+                                            <p:strVal val="1+#ppt_h/2"/>
+                                          </p:val>
+                                        </p:tav>
+                                        <p:tav tm="100000">
+                                          <p:val>
+                                            <p:strVal val="#ppt_y"/>
+                                          </p:val>
+                                        </p:tav>
+                                      </p:tavLst>
+                                    </p:anim>
+                                  </p:childTnLst>
+                                </p:cTn>
+                              </p:par>
+                            </p:childTnLst>
+                          </p:cTn>
+                        </p:par>
+                      </p:childTnLst>
+                    </p:cTn>
+                  </p:par>
+                </p:childTnLst>
+              </p:cTn>
+              <p:prevCondLst>
+                <p:cond evt="onPrev" delay="0">
+                  <p:tgtEl>
+                    <p:sldTgt/>
+                  </p:tgtEl>
+                </p:cond>
+              </p:prevCondLst>
+              <p:nextCondLst>
+                <p:cond evt="onNext" delay="0">
+                  <p:tgtEl>
+                    <p:sldTgt/>
+                  </p:tgtEl>
+                </p:cond>
+              </p:nextCondLst>
+            </p:seq>
+          </p:childTnLst>
+        </p:cTn>
+      </p:par>
+    </p:tnLst>
+  </p:timing>
+</p:sld>
+</file>
+
+<file path=ppt/slides/slide12.xml><?xml version="1.0" encoding="utf-8"?>
+<p:sld xmlns:a="http://schemas.openxmlformats.org/drawingml/2006/main" xmlns:r="http://schemas.openxmlformats.org/officeDocument/2006/relationships" xmlns:p="http://schemas.openxmlformats.org/presentationml/2006/main">
+  <p:cSld>
+    <p:spTree>
+      <p:nvGrpSpPr>
+        <p:cNvPr id="1" name=""/>
+        <p:cNvGrpSpPr/>
+        <p:nvPr/>
+      </p:nvGrpSpPr>
+      <p:grpSpPr>
+        <a:xfrm>
+          <a:off x="0" y="0"/>
+          <a:ext cx="0" cy="0"/>
+          <a:chOff x="0" y="0"/>
+          <a:chExt cx="0" cy="0"/>
+        </a:xfrm>
+      </p:grpSpPr>
+      <p:sp>
+        <p:nvSpPr>
+          <p:cNvPr id="2" name="Title 1">
+            <a:extLst>
+              <a:ext uri="{FF2B5EF4-FFF2-40B4-BE49-F238E27FC236}">
+                <a16:creationId xmlns:a16="http://schemas.microsoft.com/office/drawing/2014/main" id="{41DCEF54-26D1-45C4-28A1-A2D2E502DD6B}"/>
+              </a:ext>
+            </a:extLst>
+          </p:cNvPr>
+          <p:cNvSpPr>
+            <a:spLocks noGrp="1"/>
+          </p:cNvSpPr>
+          <p:nvPr>
+            <p:ph type="title"/>
+          </p:nvPr>
+        </p:nvSpPr>
+        <p:spPr/>
+        <p:txBody>
+          <a:bodyPr/>
+          <a:lstStyle/>
+          <a:p>
+            <a:r>
+              <a:rPr lang="hr-HR" dirty="0"/>
+              <a:t>Rezervacija parkirnog mjesta</a:t>
+            </a:r>
+          </a:p>
+        </p:txBody>
+      </p:sp>
+      <p:sp>
+        <p:nvSpPr>
+          <p:cNvPr id="3" name="Content Placeholder 2">
+            <a:extLst>
+              <a:ext uri="{FF2B5EF4-FFF2-40B4-BE49-F238E27FC236}">
+                <a16:creationId xmlns:a16="http://schemas.microsoft.com/office/drawing/2014/main" id="{2C78A179-30C4-5111-F5BF-B66B60382874}"/>
+              </a:ext>
+            </a:extLst>
+          </p:cNvPr>
+          <p:cNvSpPr>
+            <a:spLocks noGrp="1"/>
+          </p:cNvSpPr>
+          <p:nvPr>
+            <p:ph idx="1"/>
+          </p:nvPr>
+        </p:nvSpPr>
+        <p:spPr/>
+        <p:txBody>
+          <a:bodyPr>
+            <a:normAutofit fontScale="70000" lnSpcReduction="20000"/>
+          </a:bodyPr>
+          <a:lstStyle/>
+          <a:p>
+            <a:r>
+              <a:rPr lang="hr-HR" dirty="0"/>
+              <a:t>Rezervacijom parkirnog mjesta korisnik ima pravo parkiranja na mjesto do izabranog trenutka</a:t>
+            </a:r>
+          </a:p>
+          <a:p>
+            <a:r>
+              <a:rPr lang="hr-HR" dirty="0"/>
+              <a:t>Korisnik može vidjeti cijenu koju će plaćati po satu parkiranja</a:t>
+            </a:r>
+          </a:p>
+          <a:p>
+            <a:r>
+              <a:rPr lang="hr-HR" dirty="0"/>
+              <a:t>Prikazuje se karta s uputama dolaska do izabranog mjesta</a:t>
+            </a:r>
+          </a:p>
+          <a:p>
+            <a:endParaRPr lang="hr-HR" dirty="0"/>
+          </a:p>
+        </p:txBody>
+      </p:sp>
+    </p:spTree>
+    <p:extLst>
+      <p:ext uri="{BB962C8B-B14F-4D97-AF65-F5344CB8AC3E}">
+        <p14:creationId xmlns:p14="http://schemas.microsoft.com/office/powerpoint/2010/main" val="3517385955"/>
+      </p:ext>
+    </p:extLst>
+  </p:cSld>
+  <p:clrMapOvr>
+    <a:masterClrMapping/>
+  </p:clrMapOvr>
+</p:sld>
+</file>
+
+<file path=ppt/slides/slide13.xml><?xml version="1.0" encoding="utf-8"?>
+<p:sld xmlns:a="http://schemas.openxmlformats.org/drawingml/2006/main" xmlns:r="http://schemas.openxmlformats.org/officeDocument/2006/relationships" xmlns:p="http://schemas.openxmlformats.org/presentationml/2006/main">
+  <p:cSld>
+    <p:spTree>
+      <p:nvGrpSpPr>
+        <p:cNvPr id="1" name=""/>
+        <p:cNvGrpSpPr/>
+        <p:nvPr/>
+      </p:nvGrpSpPr>
+      <p:grpSpPr>
+        <a:xfrm>
+          <a:off x="0" y="0"/>
+          <a:ext cx="0" cy="0"/>
+          <a:chOff x="0" y="0"/>
+          <a:chExt cx="0" cy="0"/>
+        </a:xfrm>
+      </p:grpSpPr>
+      <p:sp>
+        <p:nvSpPr>
+          <p:cNvPr id="2" name="Title 1">
+            <a:extLst>
+              <a:ext uri="{FF2B5EF4-FFF2-40B4-BE49-F238E27FC236}">
+                <a16:creationId xmlns:a16="http://schemas.microsoft.com/office/drawing/2014/main" id="{E1667C6E-7AB1-9AA8-9A6D-6B062B1ABEAA}"/>
+              </a:ext>
+            </a:extLst>
+          </p:cNvPr>
+          <p:cNvSpPr>
+            <a:spLocks noGrp="1"/>
+          </p:cNvSpPr>
+          <p:nvPr>
+            <p:ph type="title"/>
+          </p:nvPr>
+        </p:nvSpPr>
+        <p:spPr/>
+        <p:txBody>
+          <a:bodyPr/>
+          <a:lstStyle/>
+          <a:p>
+            <a:r>
+              <a:rPr lang="hr-HR" dirty="0"/>
+              <a:t>Prednosti korištenja Parktusa </a:t>
+            </a:r>
+            <a:r>
+              <a:rPr lang="hr-HR" dirty="0">
+                <a:sym typeface="Wingdings" panose="05000000000000000000" pitchFamily="2" charset="2"/>
+              </a:rPr>
+              <a:t></a:t>
+            </a:r>
+            <a:endParaRPr lang="hr-HR" dirty="0"/>
+          </a:p>
+        </p:txBody>
+      </p:sp>
+      <p:sp>
+        <p:nvSpPr>
+          <p:cNvPr id="3" name="Content Placeholder 2">
+            <a:extLst>
+              <a:ext uri="{FF2B5EF4-FFF2-40B4-BE49-F238E27FC236}">
+                <a16:creationId xmlns:a16="http://schemas.microsoft.com/office/drawing/2014/main" id="{8457CE9B-0828-F075-4D33-EEE62917B26E}"/>
+              </a:ext>
+            </a:extLst>
+          </p:cNvPr>
+          <p:cNvSpPr>
+            <a:spLocks noGrp="1"/>
+          </p:cNvSpPr>
+          <p:nvPr>
+            <p:ph idx="1"/>
+          </p:nvPr>
+        </p:nvSpPr>
+        <p:spPr/>
+        <p:txBody>
+          <a:bodyPr>
+            <a:normAutofit/>
+          </a:bodyPr>
+          <a:lstStyle/>
+          <a:p>
+            <a:r>
+              <a:rPr lang="hr-HR" dirty="0"/>
+              <a:t>Ušteda vremena i živaca</a:t>
+            </a:r>
+          </a:p>
+          <a:p>
+            <a:r>
+              <a:rPr lang="hr-HR" dirty="0"/>
+              <a:t>Ušteda goriva i novčanih sredstava</a:t>
+            </a:r>
+          </a:p>
+        </p:txBody>
+      </p:sp>
+    </p:spTree>
+    <p:extLst>
+      <p:ext uri="{BB962C8B-B14F-4D97-AF65-F5344CB8AC3E}">
+        <p14:creationId xmlns:p14="http://schemas.microsoft.com/office/powerpoint/2010/main" val="3463723570"/>
+      </p:ext>
+    </p:extLst>
+  </p:cSld>
+  <p:clrMapOvr>
+    <a:masterClrMapping/>
+  </p:clrMapOvr>
+</p:sld>
+</file>
+
+<file path=ppt/slides/slide14.xml><?xml version="1.0" encoding="utf-8"?>
+<p:sld xmlns:a="http://schemas.openxmlformats.org/drawingml/2006/main" xmlns:r="http://schemas.openxmlformats.org/officeDocument/2006/relationships" xmlns:p="http://schemas.openxmlformats.org/presentationml/2006/main">
+  <p:cSld>
+    <p:spTree>
+      <p:nvGrpSpPr>
+        <p:cNvPr id="1" name=""/>
+        <p:cNvGrpSpPr/>
+        <p:nvPr/>
+      </p:nvGrpSpPr>
+      <p:grpSpPr>
+        <a:xfrm>
+          <a:off x="0" y="0"/>
+          <a:ext cx="0" cy="0"/>
+          <a:chOff x="0" y="0"/>
+          <a:chExt cx="0" cy="0"/>
+        </a:xfrm>
+      </p:grpSpPr>
+      <p:sp>
+        <p:nvSpPr>
+          <p:cNvPr id="2" name="Title 1">
+            <a:extLst>
+              <a:ext uri="{FF2B5EF4-FFF2-40B4-BE49-F238E27FC236}">
+                <a16:creationId xmlns:a16="http://schemas.microsoft.com/office/drawing/2014/main" id="{7C6D0A8A-1611-268E-1EC4-E0B154997576}"/>
+              </a:ext>
+            </a:extLst>
+          </p:cNvPr>
+          <p:cNvSpPr>
+            <a:spLocks noGrp="1"/>
+          </p:cNvSpPr>
+          <p:nvPr>
+            <p:ph type="title"/>
+          </p:nvPr>
+        </p:nvSpPr>
+        <p:spPr/>
+        <p:txBody>
+          <a:bodyPr/>
+          <a:lstStyle/>
+          <a:p>
+            <a:r>
+              <a:rPr lang="hr-HR" dirty="0"/>
+              <a:t>Planovi</a:t>
+            </a:r>
+          </a:p>
+        </p:txBody>
+      </p:sp>
+      <p:sp>
+        <p:nvSpPr>
+          <p:cNvPr id="3" name="Content Placeholder 2">
+            <a:extLst>
+              <a:ext uri="{FF2B5EF4-FFF2-40B4-BE49-F238E27FC236}">
+                <a16:creationId xmlns:a16="http://schemas.microsoft.com/office/drawing/2014/main" id="{7447E74D-9C93-C85E-14D8-5BCF826814D9}"/>
+              </a:ext>
+            </a:extLst>
+          </p:cNvPr>
+          <p:cNvSpPr>
+            <a:spLocks noGrp="1"/>
+          </p:cNvSpPr>
+          <p:nvPr>
+            <p:ph idx="1"/>
+          </p:nvPr>
+        </p:nvSpPr>
+        <p:spPr/>
+        <p:txBody>
+          <a:bodyPr>
+            <a:normAutofit fontScale="92500" lnSpcReduction="20000"/>
+          </a:bodyPr>
+          <a:lstStyle/>
+          <a:p>
+            <a:r>
+              <a:rPr lang="hr-HR" dirty="0"/>
+              <a:t>Nadolazeće funkcije:</a:t>
+            </a:r>
+          </a:p>
+          <a:p>
+            <a:pPr lvl="1"/>
+            <a:r>
+              <a:rPr lang="hr-HR" dirty="0"/>
+              <a:t>Plan širenja na druge gradove</a:t>
+            </a:r>
+          </a:p>
+          <a:p>
+            <a:pPr lvl="1"/>
+            <a:r>
+              <a:rPr lang="hr-HR" dirty="0"/>
+              <a:t>Parkinzi sa senzorima</a:t>
+            </a:r>
+          </a:p>
+          <a:p>
+            <a:pPr lvl="1"/>
+            <a:r>
+              <a:rPr lang="hr-HR" dirty="0"/>
+              <a:t>Mogućnost plaćanja putem aplikacije</a:t>
+            </a:r>
+          </a:p>
+          <a:p>
+            <a:pPr marL="457200" lvl="1" indent="0">
+              <a:buNone/>
+            </a:pPr>
+            <a:endParaRPr lang="hr-HR" dirty="0"/>
+          </a:p>
+        </p:txBody>
+      </p:sp>
+    </p:spTree>
+    <p:extLst>
+      <p:ext uri="{BB962C8B-B14F-4D97-AF65-F5344CB8AC3E}">
+        <p14:creationId xmlns:p14="http://schemas.microsoft.com/office/powerpoint/2010/main" val="4142937906"/>
+      </p:ext>
+    </p:extLst>
+  </p:cSld>
+  <p:clrMapOvr>
+    <a:masterClrMapping/>
+  </p:clrMapOvr>
+</p:sld>
+</file>
+
+<file path=ppt/slides/slide15.xml><?xml version="1.0" encoding="utf-8"?>
+<p:sld xmlns:a="http://schemas.openxmlformats.org/drawingml/2006/main" xmlns:r="http://schemas.openxmlformats.org/officeDocument/2006/relationships" xmlns:p="http://schemas.openxmlformats.org/presentationml/2006/main">
+  <p:cSld>
+    <p:spTree>
+      <p:nvGrpSpPr>
+        <p:cNvPr id="1" name=""/>
+        <p:cNvGrpSpPr/>
+        <p:nvPr/>
+      </p:nvGrpSpPr>
+      <p:grpSpPr>
+        <a:xfrm>
+          <a:off x="0" y="0"/>
+          <a:ext cx="0" cy="0"/>
+          <a:chOff x="0" y="0"/>
+          <a:chExt cx="0" cy="0"/>
+        </a:xfrm>
+      </p:grpSpPr>
+      <p:sp>
+        <p:nvSpPr>
+          <p:cNvPr id="2" name="Title 1">
+            <a:extLst>
+              <a:ext uri="{FF2B5EF4-FFF2-40B4-BE49-F238E27FC236}">
+                <a16:creationId xmlns:a16="http://schemas.microsoft.com/office/drawing/2014/main" id="{E6E67E96-3D4A-889B-9ABC-5FC7BE6672B8}"/>
+              </a:ext>
+            </a:extLst>
+          </p:cNvPr>
+          <p:cNvSpPr>
+            <a:spLocks noGrp="1"/>
+          </p:cNvSpPr>
+          <p:nvPr>
+            <p:ph type="title"/>
+          </p:nvPr>
+        </p:nvSpPr>
+        <p:spPr>
+          <a:xfrm>
+            <a:off x="695740" y="-1841362"/>
+            <a:ext cx="6195866" cy="3481319"/>
+          </a:xfrm>
+        </p:spPr>
+        <p:txBody>
+          <a:bodyPr/>
+          <a:lstStyle/>
+          <a:p>
+            <a:r>
+              <a:rPr lang="hr-HR" sz="5400" dirty="0"/>
+              <a:t>Hvala na pažnji</a:t>
+            </a:r>
+          </a:p>
+        </p:txBody>
+      </p:sp>
+    </p:spTree>
+    <p:extLst>
+      <p:ext uri="{BB962C8B-B14F-4D97-AF65-F5344CB8AC3E}">
+        <p14:creationId xmlns:p14="http://schemas.microsoft.com/office/powerpoint/2010/main" val="4260819385"/>
+      </p:ext>
+    </p:extLst>
+  </p:cSld>
+  <p:clrMapOvr>
+    <a:masterClrMapping/>
+  </p:clrMapOvr>
+</p:sld>
+</file>
+
+<file path=ppt/slides/slide2.xml><?xml version="1.0" encoding="utf-8"?>
+<p:sld xmlns:a="http://schemas.openxmlformats.org/drawingml/2006/main" xmlns:r="http://schemas.openxmlformats.org/officeDocument/2006/relationships" xmlns:p="http://schemas.openxmlformats.org/presentationml/2006/main">
+  <p:cSld>
+    <p:spTree>
+      <p:nvGrpSpPr>
+        <p:cNvPr id="1" name=""/>
+        <p:cNvGrpSpPr/>
+        <p:nvPr/>
+      </p:nvGrpSpPr>
+      <p:grpSpPr>
+        <a:xfrm>
+          <a:off x="0" y="0"/>
+          <a:ext cx="0" cy="0"/>
+          <a:chOff x="0" y="0"/>
+          <a:chExt cx="0" cy="0"/>
+        </a:xfrm>
+      </p:grpSpPr>
+      <p:sp>
+        <p:nvSpPr>
+          <p:cNvPr id="2" name="Title 1">
+            <a:extLst>
+              <a:ext uri="{FF2B5EF4-FFF2-40B4-BE49-F238E27FC236}">
+                <a16:creationId xmlns:a16="http://schemas.microsoft.com/office/drawing/2014/main" id="{C8AD18BE-8114-7726-DCAD-49E5BF1151E5}"/>
+              </a:ext>
+            </a:extLst>
+          </p:cNvPr>
+          <p:cNvSpPr>
+            <a:spLocks noGrp="1"/>
+          </p:cNvSpPr>
+          <p:nvPr>
+            <p:ph type="title"/>
+          </p:nvPr>
+        </p:nvSpPr>
+        <p:spPr/>
+        <p:txBody>
+          <a:bodyPr/>
+          <a:lstStyle/>
+          <a:p>
+            <a:r>
+              <a:rPr lang="hr-HR" dirty="0"/>
+              <a:t>Parkiranje u zagrebu </a:t>
+            </a:r>
+            <a:r>
+              <a:rPr lang="hr-HR" dirty="0">
+                <a:sym typeface="Wingdings" panose="05000000000000000000" pitchFamily="2" charset="2"/>
+              </a:rPr>
+              <a:t></a:t>
+            </a:r>
+            <a:endParaRPr lang="hr-HR" dirty="0"/>
+          </a:p>
+        </p:txBody>
+      </p:sp>
+      <p:sp>
+        <p:nvSpPr>
+          <p:cNvPr id="3" name="Content Placeholder 2">
+            <a:extLst>
+              <a:ext uri="{FF2B5EF4-FFF2-40B4-BE49-F238E27FC236}">
+                <a16:creationId xmlns:a16="http://schemas.microsoft.com/office/drawing/2014/main" id="{4A21CFA6-5A1F-37C0-B5CE-68FFC4574E64}"/>
+              </a:ext>
+            </a:extLst>
+          </p:cNvPr>
+          <p:cNvSpPr>
+            <a:spLocks noGrp="1"/>
+          </p:cNvSpPr>
+          <p:nvPr>
+            <p:ph idx="1"/>
+          </p:nvPr>
+        </p:nvSpPr>
+        <p:spPr/>
+        <p:txBody>
+          <a:bodyPr>
+            <a:normAutofit fontScale="77500" lnSpcReduction="20000"/>
+          </a:bodyPr>
+          <a:lstStyle/>
+          <a:p>
+            <a:r>
+              <a:rPr lang="hr-HR" dirty="0"/>
+              <a:t>Povećana potražnja za parkirnim prostorom</a:t>
+            </a:r>
+          </a:p>
+          <a:p>
+            <a:r>
+              <a:rPr lang="hr-HR" dirty="0"/>
+              <a:t>Ograničen broj parkirališta u odnosu na vozila</a:t>
+            </a:r>
+          </a:p>
+          <a:p>
+            <a:r>
+              <a:rPr lang="hr-HR" dirty="0"/>
+              <a:t>Parkiranje u blizini centra postaje skupo</a:t>
+            </a:r>
+          </a:p>
+          <a:p>
+            <a:r>
+              <a:rPr lang="hr-HR" dirty="0"/>
+              <a:t>Vozači prosječno gube desetak minuta na traženje parkinga</a:t>
+            </a:r>
+          </a:p>
+          <a:p>
+            <a:endParaRPr lang="hr-HR" dirty="0"/>
+          </a:p>
+          <a:p>
+            <a:endParaRPr lang="hr-HR" dirty="0"/>
+          </a:p>
+        </p:txBody>
+      </p:sp>
+    </p:spTree>
+    <p:extLst>
+      <p:ext uri="{BB962C8B-B14F-4D97-AF65-F5344CB8AC3E}">
+        <p14:creationId xmlns:p14="http://schemas.microsoft.com/office/powerpoint/2010/main" val="992529783"/>
+      </p:ext>
+    </p:extLst>
+  </p:cSld>
+  <p:clrMapOvr>
+    <a:masterClrMapping/>
+  </p:clrMapOvr>
+</p:sld>
+</file>
+
+<file path=ppt/slides/slide3.xml><?xml version="1.0" encoding="utf-8"?>
+<p:sld xmlns:a="http://schemas.openxmlformats.org/drawingml/2006/main" xmlns:r="http://schemas.openxmlformats.org/officeDocument/2006/relationships" xmlns:p="http://schemas.openxmlformats.org/presentationml/2006/main">
+  <p:cSld>
+    <p:spTree>
+      <p:nvGrpSpPr>
+        <p:cNvPr id="1" name=""/>
+        <p:cNvGrpSpPr/>
+        <p:nvPr/>
+      </p:nvGrpSpPr>
+      <p:grpSpPr>
+        <a:xfrm>
+          <a:off x="0" y="0"/>
+          <a:ext cx="0" cy="0"/>
+          <a:chOff x="0" y="0"/>
+          <a:chExt cx="0" cy="0"/>
+        </a:xfrm>
+      </p:grpSpPr>
+      <p:sp>
+        <p:nvSpPr>
+          <p:cNvPr id="2" name="Title 1">
+            <a:extLst>
+              <a:ext uri="{FF2B5EF4-FFF2-40B4-BE49-F238E27FC236}">
+                <a16:creationId xmlns:a16="http://schemas.microsoft.com/office/drawing/2014/main" id="{FE4C3C1C-0ECC-6B95-9A30-860643508961}"/>
+              </a:ext>
+            </a:extLst>
+          </p:cNvPr>
+          <p:cNvSpPr>
+            <a:spLocks noGrp="1"/>
+          </p:cNvSpPr>
+          <p:nvPr>
+            <p:ph type="title"/>
+          </p:nvPr>
+        </p:nvSpPr>
+        <p:spPr/>
+        <p:txBody>
+          <a:bodyPr/>
+          <a:lstStyle/>
+          <a:p>
+            <a:r>
+              <a:rPr lang="hr-HR" dirty="0"/>
+              <a:t>Što je Parktus???</a:t>
+            </a:r>
+          </a:p>
+        </p:txBody>
+      </p:sp>
+      <p:sp>
+        <p:nvSpPr>
+          <p:cNvPr id="3" name="Content Placeholder 2">
+            <a:extLst>
+              <a:ext uri="{FF2B5EF4-FFF2-40B4-BE49-F238E27FC236}">
+                <a16:creationId xmlns:a16="http://schemas.microsoft.com/office/drawing/2014/main" id="{9CD97E7B-A878-C6A4-0D31-566A5404A11B}"/>
+              </a:ext>
+            </a:extLst>
+          </p:cNvPr>
+          <p:cNvSpPr>
+            <a:spLocks noGrp="1"/>
+          </p:cNvSpPr>
+          <p:nvPr>
+            <p:ph idx="1"/>
+          </p:nvPr>
+        </p:nvSpPr>
+        <p:spPr/>
+        <p:txBody>
+          <a:bodyPr>
+            <a:normAutofit fontScale="85000" lnSpcReduction="20000"/>
+          </a:bodyPr>
+          <a:lstStyle/>
+          <a:p>
+            <a:r>
+              <a:rPr lang="hr-HR" dirty="0"/>
+              <a:t>Aplikacija dostupna svakome</a:t>
+            </a:r>
+          </a:p>
+          <a:p>
+            <a:r>
+              <a:rPr lang="hr-HR" dirty="0"/>
+              <a:t>Omogućuje korisnicima informacije o parkirnim mjestima u Zagrebu</a:t>
+            </a:r>
+          </a:p>
+          <a:p>
+            <a:r>
+              <a:rPr lang="hr-HR" dirty="0"/>
+              <a:t>Navodi korisnike do parkinga</a:t>
+            </a:r>
+          </a:p>
+          <a:p>
+            <a:pPr marL="457200" lvl="1" indent="0">
+              <a:buNone/>
+            </a:pPr>
+            <a:endParaRPr lang="hr-HR" dirty="0"/>
+          </a:p>
+          <a:p>
+            <a:endParaRPr lang="hr-HR" dirty="0"/>
+          </a:p>
+          <a:p>
+            <a:pPr lvl="1"/>
+            <a:endParaRPr lang="hr-HR" dirty="0"/>
+          </a:p>
+          <a:p>
+            <a:endParaRPr lang="hr-HR" dirty="0"/>
+          </a:p>
+          <a:p>
+            <a:endParaRPr lang="hr-HR" dirty="0"/>
+          </a:p>
+        </p:txBody>
+      </p:sp>
+      <p:pic>
+        <p:nvPicPr>
+          <p:cNvPr id="5" name="Picture 4" descr="A screenshot of a game&#10;&#10;Description automatically generated">
+            <a:extLst>
+              <a:ext uri="{FF2B5EF4-FFF2-40B4-BE49-F238E27FC236}">
+                <a16:creationId xmlns:a16="http://schemas.microsoft.com/office/drawing/2014/main" id="{2DEF551B-8930-9127-784B-376D1A541F22}"/>
+              </a:ext>
+            </a:extLst>
+          </p:cNvPr>
+          <p:cNvPicPr>
+            <a:picLocks noChangeAspect="1"/>
+          </p:cNvPicPr>
+          <p:nvPr/>
+        </p:nvPicPr>
+        <p:blipFill>
+          <a:blip r:embed="rId2">
+            <a:extLst>
+              <a:ext uri="{28A0092B-C50C-407E-A947-70E740481C1C}">
+                <a14:useLocalDpi xmlns:a14="http://schemas.microsoft.com/office/drawing/2010/main" val="0"/>
+              </a:ext>
+            </a:extLst>
+          </a:blip>
+          <a:stretch>
+            <a:fillRect/>
+          </a:stretch>
+        </p:blipFill>
+        <p:spPr>
+          <a:xfrm>
+            <a:off x="7378333" y="490835"/>
+            <a:ext cx="3777343" cy="6075113"/>
+          </a:xfrm>
+          <a:prstGeom prst="rect">
+            <a:avLst/>
+          </a:prstGeom>
+        </p:spPr>
+      </p:pic>
+    </p:spTree>
+    <p:extLst>
+      <p:ext uri="{BB962C8B-B14F-4D97-AF65-F5344CB8AC3E}">
+        <p14:creationId xmlns:p14="http://schemas.microsoft.com/office/powerpoint/2010/main" val="23554226"/>
+      </p:ext>
+    </p:extLst>
+  </p:cSld>
+  <p:clrMapOvr>
+    <a:masterClrMapping/>
+  </p:clrMapOvr>
+  <p:timing>
+    <p:tnLst>
+      <p:par>
+        <p:cTn id="1" dur="indefinite" restart="never" nodeType="tmRoot">
+          <p:childTnLst>
+            <p:seq concurrent="1" nextAc="seek">
+              <p:cTn id="2" dur="indefinite" nodeType="mainSeq">
+                <p:childTnLst>
+                  <p:par>
+                    <p:cTn id="3" fill="hold">
+                      <p:stCondLst>
+                        <p:cond delay="indefinite"/>
+                      </p:stCondLst>
+                      <p:childTnLst>
+                        <p:par>
+                          <p:cTn id="4" fill="hold">
+                            <p:stCondLst>
+                              <p:cond delay="0"/>
+                            </p:stCondLst>
+                            <p:childTnLst>
+                              <p:par>
+                                <p:cTn id="5" presetID="2" presetClass="entr" presetSubtype="4" fill="hold" nodeType="clickEffect">
+                                  <p:stCondLst>
+                                    <p:cond delay="0"/>
+                                  </p:stCondLst>
+                                  <p:childTnLst>
+                                    <p:set>
+                                      <p:cBhvr>
+                                        <p:cTn id="6" dur="1" fill="hold">
+                                          <p:stCondLst>
+                                            <p:cond delay="0"/>
+                                          </p:stCondLst>
+                                        </p:cTn>
+                                        <p:tgtEl>
+                                          <p:spTgt spid="5"/>
+                                        </p:tgtEl>
+                                        <p:attrNameLst>
+                                          <p:attrName>style.visibility</p:attrName>
+                                        </p:attrNameLst>
+                                      </p:cBhvr>
+                                      <p:to>
+                                        <p:strVal val="visible"/>
+                                      </p:to>
+                                    </p:set>
+                                    <p:anim calcmode="lin" valueType="num">
+                                      <p:cBhvr additive="base">
+                                        <p:cTn id="7" dur="500" fill="hold"/>
+                                        <p:tgtEl>
+                                          <p:spTgt spid="5"/>
+                                        </p:tgtEl>
+                                        <p:attrNameLst>
+                                          <p:attrName>ppt_x</p:attrName>
+                                        </p:attrNameLst>
+                                      </p:cBhvr>
+                                      <p:tavLst>
+                                        <p:tav tm="0">
+                                          <p:val>
+                                            <p:strVal val="#ppt_x"/>
+                                          </p:val>
+                                        </p:tav>
+                                        <p:tav tm="100000">
+                                          <p:val>
+                                            <p:strVal val="#ppt_x"/>
+                                          </p:val>
+                                        </p:tav>
+                                      </p:tavLst>
+                                    </p:anim>
+                                    <p:anim calcmode="lin" valueType="num">
+                                      <p:cBhvr additive="base">
+                                        <p:cTn id="8" dur="500" fill="hold"/>
+                                        <p:tgtEl>
+                                          <p:spTgt spid="5"/>
+                                        </p:tgtEl>
+                                        <p:attrNameLst>
+                                          <p:attrName>ppt_y</p:attrName>
+                                        </p:attrNameLst>
+                                      </p:cBhvr>
+                                      <p:tavLst>
+                                        <p:tav tm="0">
+                                          <p:val>
+                                            <p:strVal val="1+#ppt_h/2"/>
+                                          </p:val>
+                                        </p:tav>
+                                        <p:tav tm="100000">
+                                          <p:val>
+                                            <p:strVal val="#ppt_y"/>
+                                          </p:val>
+                                        </p:tav>
+                                      </p:tavLst>
+                                    </p:anim>
+                                  </p:childTnLst>
+                                </p:cTn>
+                              </p:par>
+                            </p:childTnLst>
+                          </p:cTn>
+                        </p:par>
+                      </p:childTnLst>
+                    </p:cTn>
+                  </p:par>
+                </p:childTnLst>
+              </p:cTn>
+              <p:prevCondLst>
+                <p:cond evt="onPrev" delay="0">
+                  <p:tgtEl>
+                    <p:sldTgt/>
+                  </p:tgtEl>
+                </p:cond>
+              </p:prevCondLst>
+              <p:nextCondLst>
+                <p:cond evt="onNext" delay="0">
+                  <p:tgtEl>
+                    <p:sldTgt/>
+                  </p:tgtEl>
+                </p:cond>
+              </p:nextCondLst>
+            </p:seq>
+          </p:childTnLst>
+        </p:cTn>
+      </p:par>
+    </p:tnLst>
+  </p:timing>
+</p:sld>
+</file>
+
+<file path=ppt/slides/slide4.xml><?xml version="1.0" encoding="utf-8"?>
+<p:sld xmlns:a="http://schemas.openxmlformats.org/drawingml/2006/main" xmlns:r="http://schemas.openxmlformats.org/officeDocument/2006/relationships" xmlns:p="http://schemas.openxmlformats.org/presentationml/2006/main">
+  <p:cSld>
+    <p:spTree>
+      <p:nvGrpSpPr>
+        <p:cNvPr id="1" name=""/>
+        <p:cNvGrpSpPr/>
+        <p:nvPr/>
+      </p:nvGrpSpPr>
+      <p:grpSpPr>
+        <a:xfrm>
+          <a:off x="0" y="0"/>
+          <a:ext cx="0" cy="0"/>
+          <a:chOff x="0" y="0"/>
+          <a:chExt cx="0" cy="0"/>
+        </a:xfrm>
+      </p:grpSpPr>
+      <p:sp>
+        <p:nvSpPr>
+          <p:cNvPr id="2" name="Title 1">
+            <a:extLst>
+              <a:ext uri="{FF2B5EF4-FFF2-40B4-BE49-F238E27FC236}">
+                <a16:creationId xmlns:a16="http://schemas.microsoft.com/office/drawing/2014/main" id="{C4C68DA8-F2B5-48BA-BBCD-32DE6FF346B9}"/>
+              </a:ext>
+            </a:extLst>
+          </p:cNvPr>
+          <p:cNvSpPr>
+            <a:spLocks noGrp="1"/>
+          </p:cNvSpPr>
+          <p:nvPr>
+            <p:ph type="title"/>
+          </p:nvPr>
+        </p:nvSpPr>
+        <p:spPr/>
+        <p:txBody>
+          <a:bodyPr/>
+          <a:lstStyle/>
+          <a:p>
+            <a:r>
+              <a:rPr lang="hr-HR" dirty="0"/>
+              <a:t>Cilj Parktusa</a:t>
+            </a:r>
+          </a:p>
+        </p:txBody>
+      </p:sp>
+      <p:sp>
+        <p:nvSpPr>
+          <p:cNvPr id="3" name="Content Placeholder 2">
+            <a:extLst>
+              <a:ext uri="{FF2B5EF4-FFF2-40B4-BE49-F238E27FC236}">
+                <a16:creationId xmlns:a16="http://schemas.microsoft.com/office/drawing/2014/main" id="{6A05881F-6863-AEE8-F69E-ACD3F525495A}"/>
+              </a:ext>
+            </a:extLst>
+          </p:cNvPr>
+          <p:cNvSpPr>
+            <a:spLocks noGrp="1"/>
+          </p:cNvSpPr>
+          <p:nvPr>
+            <p:ph idx="1"/>
+          </p:nvPr>
+        </p:nvSpPr>
+        <p:spPr/>
+        <p:txBody>
+          <a:bodyPr>
+            <a:normAutofit fontScale="85000" lnSpcReduction="20000"/>
+          </a:bodyPr>
+          <a:lstStyle/>
+          <a:p>
+            <a:r>
+              <a:rPr lang="hr-HR" dirty="0"/>
+              <a:t>Efikasno riješiti problem parkiranja u velikim gradovima</a:t>
+            </a:r>
+          </a:p>
+          <a:p>
+            <a:r>
+              <a:rPr lang="hr-HR" dirty="0"/>
+              <a:t>Smanjiti korisnicima potrošnju vremena tražeći parking</a:t>
+            </a:r>
+          </a:p>
+          <a:p>
+            <a:r>
+              <a:rPr lang="hr-HR" dirty="0"/>
+              <a:t>Prikazati najbliža slobodna parkirna mjesta</a:t>
+            </a:r>
+          </a:p>
+          <a:p>
+            <a:pPr marL="0" indent="0">
+              <a:buNone/>
+            </a:pPr>
+            <a:endParaRPr lang="hr-HR" dirty="0"/>
+          </a:p>
+          <a:p>
+            <a:endParaRPr lang="hr-HR" dirty="0"/>
+          </a:p>
+          <a:p>
+            <a:endParaRPr lang="hr-HR" dirty="0"/>
+          </a:p>
+        </p:txBody>
+      </p:sp>
+    </p:spTree>
+    <p:extLst>
+      <p:ext uri="{BB962C8B-B14F-4D97-AF65-F5344CB8AC3E}">
+        <p14:creationId xmlns:p14="http://schemas.microsoft.com/office/powerpoint/2010/main" val="912168149"/>
+      </p:ext>
+    </p:extLst>
+  </p:cSld>
+  <p:clrMapOvr>
+    <a:masterClrMapping/>
+  </p:clrMapOvr>
+</p:sld>
+</file>
+
+<file path=ppt/slides/slide5.xml><?xml version="1.0" encoding="utf-8"?>
+<p:sld xmlns:a="http://schemas.openxmlformats.org/drawingml/2006/main" xmlns:r="http://schemas.openxmlformats.org/officeDocument/2006/relationships" xmlns:p="http://schemas.openxmlformats.org/presentationml/2006/main">
+  <p:cSld>
+    <p:spTree>
+      <p:nvGrpSpPr>
+        <p:cNvPr id="1" name=""/>
+        <p:cNvGrpSpPr/>
+        <p:nvPr/>
+      </p:nvGrpSpPr>
+      <p:grpSpPr>
+        <a:xfrm>
+          <a:off x="0" y="0"/>
+          <a:ext cx="0" cy="0"/>
+          <a:chOff x="0" y="0"/>
+          <a:chExt cx="0" cy="0"/>
+        </a:xfrm>
+      </p:grpSpPr>
+      <p:sp>
+        <p:nvSpPr>
+          <p:cNvPr id="2" name="Title 1">
+            <a:extLst>
+              <a:ext uri="{FF2B5EF4-FFF2-40B4-BE49-F238E27FC236}">
+                <a16:creationId xmlns:a16="http://schemas.microsoft.com/office/drawing/2014/main" id="{6A7C18CF-2871-291D-0217-8FF4BA6A1321}"/>
+              </a:ext>
+            </a:extLst>
+          </p:cNvPr>
+          <p:cNvSpPr>
+            <a:spLocks noGrp="1"/>
+          </p:cNvSpPr>
+          <p:nvPr>
+            <p:ph type="title"/>
+          </p:nvPr>
+        </p:nvSpPr>
+        <p:spPr/>
+        <p:txBody>
+          <a:bodyPr/>
+          <a:lstStyle/>
+          <a:p>
+            <a:r>
+              <a:rPr lang="hr-HR" dirty="0"/>
+              <a:t>Funkcije</a:t>
+            </a:r>
+          </a:p>
+        </p:txBody>
+      </p:sp>
+      <p:sp>
+        <p:nvSpPr>
+          <p:cNvPr id="3" name="Content Placeholder 2">
+            <a:extLst>
+              <a:ext uri="{FF2B5EF4-FFF2-40B4-BE49-F238E27FC236}">
+                <a16:creationId xmlns:a16="http://schemas.microsoft.com/office/drawing/2014/main" id="{D44323FA-DB1F-0CA5-9C41-1CEA006A7BBE}"/>
+              </a:ext>
+            </a:extLst>
+          </p:cNvPr>
+          <p:cNvSpPr>
+            <a:spLocks noGrp="1"/>
+          </p:cNvSpPr>
+          <p:nvPr>
+            <p:ph idx="1"/>
+          </p:nvPr>
+        </p:nvSpPr>
+        <p:spPr/>
+        <p:txBody>
+          <a:bodyPr>
+            <a:normAutofit fontScale="70000" lnSpcReduction="20000"/>
+          </a:bodyPr>
+          <a:lstStyle/>
+          <a:p>
+            <a:r>
+              <a:rPr lang="hr-HR" dirty="0"/>
+              <a:t>Prikaz svih slobodnih i zauzetih parkirnih mjesta u Zagrebu</a:t>
+            </a:r>
+          </a:p>
+          <a:p>
+            <a:r>
+              <a:rPr lang="hr-HR" dirty="0"/>
+              <a:t>Mogućnost rezervacije parkirnog mjesta</a:t>
+            </a:r>
+          </a:p>
+          <a:p>
+            <a:r>
+              <a:rPr lang="hr-HR" dirty="0"/>
+              <a:t>Prikaz cijene za pojedino parkirno mjesto</a:t>
+            </a:r>
+          </a:p>
+          <a:p>
+            <a:r>
+              <a:rPr lang="hr-HR" dirty="0"/>
+              <a:t>Upute dolaska do izabranog parkirnog mjesta</a:t>
+            </a:r>
+          </a:p>
+          <a:p>
+            <a:endParaRPr lang="hr-HR" dirty="0"/>
+          </a:p>
+        </p:txBody>
+      </p:sp>
+    </p:spTree>
+    <p:extLst>
+      <p:ext uri="{BB962C8B-B14F-4D97-AF65-F5344CB8AC3E}">
+        <p14:creationId xmlns:p14="http://schemas.microsoft.com/office/powerpoint/2010/main" val="4150735059"/>
+      </p:ext>
+    </p:extLst>
+  </p:cSld>
+  <p:clrMapOvr>
+    <a:masterClrMapping/>
+  </p:clrMapOvr>
+</p:sld>
+</file>
+
+<file path=ppt/slides/slide6.xml><?xml version="1.0" encoding="utf-8"?>
+<p:sld xmlns:a="http://schemas.openxmlformats.org/drawingml/2006/main" xmlns:r="http://schemas.openxmlformats.org/officeDocument/2006/relationships" xmlns:p="http://schemas.openxmlformats.org/presentationml/2006/main">
+  <p:cSld>
+    <p:spTree>
+      <p:nvGrpSpPr>
+        <p:cNvPr id="1" name=""/>
+        <p:cNvGrpSpPr/>
+        <p:nvPr/>
+      </p:nvGrpSpPr>
+      <p:grpSpPr>
+        <a:xfrm>
+          <a:off x="0" y="0"/>
+          <a:ext cx="0" cy="0"/>
+          <a:chOff x="0" y="0"/>
+          <a:chExt cx="0" cy="0"/>
+        </a:xfrm>
+      </p:grpSpPr>
+      <p:sp>
+        <p:nvSpPr>
+          <p:cNvPr id="2" name="Title 1">
+            <a:extLst>
+              <a:ext uri="{FF2B5EF4-FFF2-40B4-BE49-F238E27FC236}">
+                <a16:creationId xmlns:a16="http://schemas.microsoft.com/office/drawing/2014/main" id="{6A7C18CF-2871-291D-0217-8FF4BA6A1321}"/>
+              </a:ext>
+            </a:extLst>
+          </p:cNvPr>
+          <p:cNvSpPr>
+            <a:spLocks noGrp="1"/>
+          </p:cNvSpPr>
+          <p:nvPr>
+            <p:ph type="title"/>
+          </p:nvPr>
+        </p:nvSpPr>
+        <p:spPr/>
+        <p:txBody>
+          <a:bodyPr/>
+          <a:lstStyle/>
+          <a:p>
+            <a:r>
+              <a:rPr lang="hr-HR" dirty="0"/>
+              <a:t>Funkcije</a:t>
+            </a:r>
+          </a:p>
+        </p:txBody>
+      </p:sp>
+      <p:sp>
+        <p:nvSpPr>
+          <p:cNvPr id="3" name="Content Placeholder 2">
+            <a:extLst>
+              <a:ext uri="{FF2B5EF4-FFF2-40B4-BE49-F238E27FC236}">
+                <a16:creationId xmlns:a16="http://schemas.microsoft.com/office/drawing/2014/main" id="{D44323FA-DB1F-0CA5-9C41-1CEA006A7BBE}"/>
+              </a:ext>
+            </a:extLst>
+          </p:cNvPr>
+          <p:cNvSpPr>
+            <a:spLocks noGrp="1"/>
+          </p:cNvSpPr>
+          <p:nvPr>
+            <p:ph idx="1"/>
+          </p:nvPr>
+        </p:nvSpPr>
+        <p:spPr/>
+        <p:txBody>
+          <a:bodyPr>
+            <a:normAutofit/>
+          </a:bodyPr>
+          <a:lstStyle/>
+          <a:p>
+            <a:r>
+              <a:rPr lang="hr-HR" dirty="0"/>
+              <a:t>Mogućnost filtriranja mape na više načina:</a:t>
+            </a:r>
+          </a:p>
+          <a:p>
+            <a:pPr lvl="1"/>
+            <a:r>
+              <a:rPr lang="hr-HR" dirty="0"/>
+              <a:t>Vrsta parkinga</a:t>
+            </a:r>
+          </a:p>
+          <a:p>
+            <a:pPr lvl="1"/>
+            <a:r>
+              <a:rPr lang="hr-HR" dirty="0"/>
+              <a:t>Lokacija</a:t>
+            </a:r>
+          </a:p>
+          <a:p>
+            <a:pPr lvl="1"/>
+            <a:endParaRPr lang="hr-HR" dirty="0"/>
+          </a:p>
+        </p:txBody>
+      </p:sp>
+    </p:spTree>
+    <p:extLst>
+      <p:ext uri="{BB962C8B-B14F-4D97-AF65-F5344CB8AC3E}">
+        <p14:creationId xmlns:p14="http://schemas.microsoft.com/office/powerpoint/2010/main" val="3409965626"/>
+      </p:ext>
+    </p:extLst>
+  </p:cSld>
+  <p:clrMapOvr>
+    <a:masterClrMapping/>
+  </p:clrMapOvr>
+</p:sld>
+</file>
+
+<file path=ppt/slides/slide7.xml><?xml version="1.0" encoding="utf-8"?>
+<p:sld xmlns:a="http://schemas.openxmlformats.org/drawingml/2006/main" xmlns:r="http://schemas.openxmlformats.org/officeDocument/2006/relationships" xmlns:p="http://schemas.openxmlformats.org/presentationml/2006/main">
+  <p:cSld>
+    <p:spTree>
+      <p:nvGrpSpPr>
+        <p:cNvPr id="1" name=""/>
+        <p:cNvGrpSpPr/>
+        <p:nvPr/>
+      </p:nvGrpSpPr>
+      <p:grpSpPr>
+        <a:xfrm>
+          <a:off x="0" y="0"/>
+          <a:ext cx="0" cy="0"/>
+          <a:chOff x="0" y="0"/>
+          <a:chExt cx="0" cy="0"/>
+        </a:xfrm>
+      </p:grpSpPr>
+      <p:sp>
+        <p:nvSpPr>
+          <p:cNvPr id="2" name="Title 1">
+            <a:extLst>
+              <a:ext uri="{FF2B5EF4-FFF2-40B4-BE49-F238E27FC236}">
+                <a16:creationId xmlns:a16="http://schemas.microsoft.com/office/drawing/2014/main" id="{59790726-E4B6-3F53-4DAC-9FD53180AAFD}"/>
+              </a:ext>
+            </a:extLst>
+          </p:cNvPr>
+          <p:cNvSpPr>
+            <a:spLocks noGrp="1"/>
+          </p:cNvSpPr>
+          <p:nvPr>
+            <p:ph type="title"/>
+          </p:nvPr>
+        </p:nvSpPr>
+        <p:spPr/>
+        <p:txBody>
+          <a:bodyPr/>
+          <a:lstStyle/>
+          <a:p>
+            <a:r>
+              <a:rPr lang="hr-HR" dirty="0"/>
+              <a:t>Registracija i prijava</a:t>
+            </a:r>
+          </a:p>
+        </p:txBody>
+      </p:sp>
+      <p:sp>
+        <p:nvSpPr>
+          <p:cNvPr id="3" name="Content Placeholder 2">
+            <a:extLst>
+              <a:ext uri="{FF2B5EF4-FFF2-40B4-BE49-F238E27FC236}">
+                <a16:creationId xmlns:a16="http://schemas.microsoft.com/office/drawing/2014/main" id="{6CFA2396-B972-4012-831D-88EF2F523205}"/>
+              </a:ext>
+            </a:extLst>
+          </p:cNvPr>
+          <p:cNvSpPr>
+            <a:spLocks noGrp="1"/>
+          </p:cNvSpPr>
+          <p:nvPr>
+            <p:ph idx="1"/>
+          </p:nvPr>
+        </p:nvSpPr>
+        <p:spPr/>
+        <p:txBody>
+          <a:bodyPr>
+            <a:normAutofit/>
+          </a:bodyPr>
+          <a:lstStyle/>
+          <a:p>
+            <a:r>
+              <a:rPr lang="hr-HR" dirty="0"/>
+              <a:t>Korisnik otvara svoj Parktus račun kojim se prijavljuje u aplikaciju</a:t>
+            </a:r>
+          </a:p>
+          <a:p>
+            <a:endParaRPr lang="hr-HR" dirty="0"/>
+          </a:p>
+        </p:txBody>
+      </p:sp>
+      <p:pic>
+        <p:nvPicPr>
+          <p:cNvPr id="5" name="Picture 4" descr="A screenshot of a login screen&#10;&#10;Description automatically generated">
+            <a:extLst>
+              <a:ext uri="{FF2B5EF4-FFF2-40B4-BE49-F238E27FC236}">
+                <a16:creationId xmlns:a16="http://schemas.microsoft.com/office/drawing/2014/main" id="{3C7C26D8-0D53-8F59-4FA0-CA3324E6E532}"/>
+              </a:ext>
+            </a:extLst>
+          </p:cNvPr>
+          <p:cNvPicPr>
+            <a:picLocks noChangeAspect="1"/>
+          </p:cNvPicPr>
+          <p:nvPr/>
+        </p:nvPicPr>
+        <p:blipFill>
+          <a:blip r:embed="rId2">
+            <a:extLst>
+              <a:ext uri="{28A0092B-C50C-407E-A947-70E740481C1C}">
+                <a14:useLocalDpi xmlns:a14="http://schemas.microsoft.com/office/drawing/2010/main" val="0"/>
+              </a:ext>
+            </a:extLst>
+          </a:blip>
+          <a:stretch>
+            <a:fillRect/>
+          </a:stretch>
+        </p:blipFill>
+        <p:spPr>
+          <a:xfrm>
+            <a:off x="7732965" y="612630"/>
+            <a:ext cx="3524431" cy="5632739"/>
+          </a:xfrm>
+          <a:prstGeom prst="rect">
+            <a:avLst/>
+          </a:prstGeom>
+        </p:spPr>
+      </p:pic>
+    </p:spTree>
+    <p:extLst>
+      <p:ext uri="{BB962C8B-B14F-4D97-AF65-F5344CB8AC3E}">
+        <p14:creationId xmlns:p14="http://schemas.microsoft.com/office/powerpoint/2010/main" val="2295045679"/>
+      </p:ext>
+    </p:extLst>
+  </p:cSld>
+  <p:clrMapOvr>
+    <a:masterClrMapping/>
+  </p:clrMapOvr>
+  <p:timing>
+    <p:tnLst>
+      <p:par>
+        <p:cTn id="1" dur="indefinite" restart="never" nodeType="tmRoot">
+          <p:childTnLst>
+            <p:seq concurrent="1" nextAc="seek">
+              <p:cTn id="2" dur="indefinite" nodeType="mainSeq">
+                <p:childTnLst>
+                  <p:par>
+                    <p:cTn id="3" fill="hold">
+                      <p:stCondLst>
+                        <p:cond delay="indefinite"/>
+                      </p:stCondLst>
+                      <p:childTnLst>
+                        <p:par>
+                          <p:cTn id="4" fill="hold">
+                            <p:stCondLst>
+                              <p:cond delay="0"/>
+                            </p:stCondLst>
+                            <p:childTnLst>
+                              <p:par>
+                                <p:cTn id="5" presetID="2" presetClass="entr" presetSubtype="4" fill="hold" nodeType="clickEffect">
+                                  <p:stCondLst>
+                                    <p:cond delay="0"/>
+                                  </p:stCondLst>
+                                  <p:childTnLst>
+                                    <p:set>
+                                      <p:cBhvr>
+                                        <p:cTn id="6" dur="1" fill="hold">
+                                          <p:stCondLst>
+                                            <p:cond delay="0"/>
+                                          </p:stCondLst>
+                                        </p:cTn>
+                                        <p:tgtEl>
+                                          <p:spTgt spid="5"/>
+                                        </p:tgtEl>
+                                        <p:attrNameLst>
+                                          <p:attrName>style.visibility</p:attrName>
+                                        </p:attrNameLst>
+                                      </p:cBhvr>
+                                      <p:to>
+                                        <p:strVal val="visible"/>
+                                      </p:to>
+                                    </p:set>
+                                    <p:anim calcmode="lin" valueType="num">
+                                      <p:cBhvr additive="base">
+                                        <p:cTn id="7" dur="500" fill="hold"/>
+                                        <p:tgtEl>
+                                          <p:spTgt spid="5"/>
+                                        </p:tgtEl>
+                                        <p:attrNameLst>
+                                          <p:attrName>ppt_x</p:attrName>
+                                        </p:attrNameLst>
+                                      </p:cBhvr>
+                                      <p:tavLst>
+                                        <p:tav tm="0">
+                                          <p:val>
+                                            <p:strVal val="#ppt_x"/>
+                                          </p:val>
+                                        </p:tav>
+                                        <p:tav tm="100000">
+                                          <p:val>
+                                            <p:strVal val="#ppt_x"/>
+                                          </p:val>
+                                        </p:tav>
+                                      </p:tavLst>
+                                    </p:anim>
+                                    <p:anim calcmode="lin" valueType="num">
+                                      <p:cBhvr additive="base">
+                                        <p:cTn id="8" dur="500" fill="hold"/>
+                                        <p:tgtEl>
+                                          <p:spTgt spid="5"/>
+                                        </p:tgtEl>
+                                        <p:attrNameLst>
+                                          <p:attrName>ppt_y</p:attrName>
+                                        </p:attrNameLst>
+                                      </p:cBhvr>
+                                      <p:tavLst>
+                                        <p:tav tm="0">
+                                          <p:val>
+                                            <p:strVal val="1+#ppt_h/2"/>
+                                          </p:val>
+                                        </p:tav>
+                                        <p:tav tm="100000">
+                                          <p:val>
+                                            <p:strVal val="#ppt_y"/>
+                                          </p:val>
+                                        </p:tav>
+                                      </p:tavLst>
+                                    </p:anim>
+                                  </p:childTnLst>
+                                </p:cTn>
+                              </p:par>
+                            </p:childTnLst>
+                          </p:cTn>
+                        </p:par>
+                      </p:childTnLst>
+                    </p:cTn>
+                  </p:par>
+                </p:childTnLst>
+              </p:cTn>
+              <p:prevCondLst>
+                <p:cond evt="onPrev" delay="0">
+                  <p:tgtEl>
+                    <p:sldTgt/>
+                  </p:tgtEl>
+                </p:cond>
+              </p:prevCondLst>
+              <p:nextCondLst>
+                <p:cond evt="onNext" delay="0">
+                  <p:tgtEl>
+                    <p:sldTgt/>
+                  </p:tgtEl>
+                </p:cond>
+              </p:nextCondLst>
+            </p:seq>
+          </p:childTnLst>
+        </p:cTn>
+      </p:par>
+    </p:tnLst>
+  </p:timing>
+</p:sld>
+</file>
+
+<file path=ppt/slides/slide8.xml><?xml version="1.0" encoding="utf-8"?>
+<p:sld xmlns:a="http://schemas.openxmlformats.org/drawingml/2006/main" xmlns:r="http://schemas.openxmlformats.org/officeDocument/2006/relationships" xmlns:p="http://schemas.openxmlformats.org/presentationml/2006/main">
+  <p:cSld>
+    <p:spTree>
+      <p:nvGrpSpPr>
+        <p:cNvPr id="1" name=""/>
+        <p:cNvGrpSpPr/>
+        <p:nvPr/>
+      </p:nvGrpSpPr>
+      <p:grpSpPr>
+        <a:xfrm>
+          <a:off x="0" y="0"/>
+          <a:ext cx="0" cy="0"/>
+          <a:chOff x="0" y="0"/>
+          <a:chExt cx="0" cy="0"/>
+        </a:xfrm>
+      </p:grpSpPr>
+      <p:sp>
+        <p:nvSpPr>
+          <p:cNvPr id="2" name="Title 1">
+            <a:extLst>
+              <a:ext uri="{FF2B5EF4-FFF2-40B4-BE49-F238E27FC236}">
+                <a16:creationId xmlns:a16="http://schemas.microsoft.com/office/drawing/2014/main" id="{AF5B213E-F419-56D9-13CA-33E388429C85}"/>
+              </a:ext>
+            </a:extLst>
+          </p:cNvPr>
+          <p:cNvSpPr>
+            <a:spLocks noGrp="1"/>
+          </p:cNvSpPr>
+          <p:nvPr>
+            <p:ph type="title"/>
+          </p:nvPr>
+        </p:nvSpPr>
+        <p:spPr/>
+        <p:txBody>
+          <a:bodyPr/>
+          <a:lstStyle/>
+          <a:p>
+            <a:r>
+              <a:rPr lang="hr-HR" dirty="0"/>
+              <a:t>Pregled karte </a:t>
+            </a:r>
+          </a:p>
+        </p:txBody>
+      </p:sp>
+      <p:sp>
+        <p:nvSpPr>
+          <p:cNvPr id="3" name="Content Placeholder 2">
+            <a:extLst>
+              <a:ext uri="{FF2B5EF4-FFF2-40B4-BE49-F238E27FC236}">
+                <a16:creationId xmlns:a16="http://schemas.microsoft.com/office/drawing/2014/main" id="{1BD44D1F-DDD1-CD60-BAAE-B738D0F12158}"/>
+              </a:ext>
+            </a:extLst>
+          </p:cNvPr>
+          <p:cNvSpPr>
+            <a:spLocks noGrp="1"/>
+          </p:cNvSpPr>
+          <p:nvPr>
+            <p:ph idx="1"/>
+          </p:nvPr>
+        </p:nvSpPr>
+        <p:spPr/>
+        <p:txBody>
+          <a:bodyPr>
+            <a:normAutofit fontScale="70000" lnSpcReduction="20000"/>
+          </a:bodyPr>
+          <a:lstStyle/>
+          <a:p>
+            <a:r>
+              <a:rPr lang="hr-HR" dirty="0"/>
+              <a:t>Korisnik ima mogućnost pregledavanja karte grada s prikazanim zauzetim i slobodnim parkirnim mjestima</a:t>
+            </a:r>
+          </a:p>
+          <a:p>
+            <a:r>
+              <a:rPr lang="hr-HR" dirty="0"/>
+              <a:t>Za svako parkirno mjesto korisnik vidi njegov tip:</a:t>
+            </a:r>
+          </a:p>
+          <a:p>
+            <a:pPr lvl="1"/>
+            <a:r>
+              <a:rPr lang="hr-HR" dirty="0"/>
+              <a:t>Obično, invalidsko, za električna vozila</a:t>
+            </a:r>
+          </a:p>
+          <a:p>
+            <a:endParaRPr lang="hr-HR" dirty="0"/>
+          </a:p>
+        </p:txBody>
+      </p:sp>
+      <p:pic>
+        <p:nvPicPr>
+          <p:cNvPr id="5" name="Picture 4" descr="A screenshot of a map&#10;&#10;Description automatically generated">
+            <a:extLst>
+              <a:ext uri="{FF2B5EF4-FFF2-40B4-BE49-F238E27FC236}">
+                <a16:creationId xmlns:a16="http://schemas.microsoft.com/office/drawing/2014/main" id="{CBD13A42-928A-ED83-079E-C8134B36F268}"/>
+              </a:ext>
+            </a:extLst>
+          </p:cNvPr>
+          <p:cNvPicPr>
+            <a:picLocks noChangeAspect="1"/>
+          </p:cNvPicPr>
+          <p:nvPr/>
+        </p:nvPicPr>
+        <p:blipFill>
+          <a:blip r:embed="rId2">
+            <a:extLst>
+              <a:ext uri="{28A0092B-C50C-407E-A947-70E740481C1C}">
+                <a14:useLocalDpi xmlns:a14="http://schemas.microsoft.com/office/drawing/2010/main" val="0"/>
+              </a:ext>
+            </a:extLst>
+          </a:blip>
+          <a:stretch>
+            <a:fillRect/>
+          </a:stretch>
+        </p:blipFill>
+        <p:spPr>
+          <a:xfrm>
+            <a:off x="7864693" y="736316"/>
+            <a:ext cx="3530781" cy="5683542"/>
+          </a:xfrm>
+          <a:prstGeom prst="rect">
+            <a:avLst/>
+          </a:prstGeom>
+        </p:spPr>
+      </p:pic>
+    </p:spTree>
+    <p:extLst>
+      <p:ext uri="{BB962C8B-B14F-4D97-AF65-F5344CB8AC3E}">
+        <p14:creationId xmlns:p14="http://schemas.microsoft.com/office/powerpoint/2010/main" val="2741831601"/>
+      </p:ext>
+    </p:extLst>
+  </p:cSld>
+  <p:clrMapOvr>
+    <a:masterClrMapping/>
+  </p:clrMapOvr>
+  <p:timing>
+    <p:tnLst>
+      <p:par>
+        <p:cTn id="1" dur="indefinite" restart="never" nodeType="tmRoot">
+          <p:childTnLst>
+            <p:seq concurrent="1" nextAc="seek">
+              <p:cTn id="2" dur="indefinite" nodeType="mainSeq">
+                <p:childTnLst>
+                  <p:par>
+                    <p:cTn id="3" fill="hold">
+                      <p:stCondLst>
+                        <p:cond delay="indefinite"/>
+                      </p:stCondLst>
+                      <p:childTnLst>
+                        <p:par>
+                          <p:cTn id="4" fill="hold">
+                            <p:stCondLst>
+                              <p:cond delay="0"/>
+                            </p:stCondLst>
+                            <p:childTnLst>
+                              <p:par>
+                                <p:cTn id="5" presetID="2" presetClass="entr" presetSubtype="4" fill="hold" nodeType="clickEffect">
+                                  <p:stCondLst>
+                                    <p:cond delay="0"/>
+                                  </p:stCondLst>
+                                  <p:childTnLst>
+                                    <p:set>
+                                      <p:cBhvr>
+                                        <p:cTn id="6" dur="1" fill="hold">
+                                          <p:stCondLst>
+                                            <p:cond delay="0"/>
+                                          </p:stCondLst>
+                                        </p:cTn>
+                                        <p:tgtEl>
+                                          <p:spTgt spid="5"/>
+                                        </p:tgtEl>
+                                        <p:attrNameLst>
+                                          <p:attrName>style.visibility</p:attrName>
+                                        </p:attrNameLst>
+                                      </p:cBhvr>
+                                      <p:to>
+                                        <p:strVal val="visible"/>
+                                      </p:to>
+                                    </p:set>
+                                    <p:anim calcmode="lin" valueType="num">
+                                      <p:cBhvr additive="base">
+                                        <p:cTn id="7" dur="500" fill="hold"/>
+                                        <p:tgtEl>
+                                          <p:spTgt spid="5"/>
+                                        </p:tgtEl>
+                                        <p:attrNameLst>
+                                          <p:attrName>ppt_x</p:attrName>
+                                        </p:attrNameLst>
+                                      </p:cBhvr>
+                                      <p:tavLst>
+                                        <p:tav tm="0">
+                                          <p:val>
+                                            <p:strVal val="#ppt_x"/>
+                                          </p:val>
+                                        </p:tav>
+                                        <p:tav tm="100000">
+                                          <p:val>
+                                            <p:strVal val="#ppt_x"/>
+                                          </p:val>
+                                        </p:tav>
+                                      </p:tavLst>
+                                    </p:anim>
+                                    <p:anim calcmode="lin" valueType="num">
+                                      <p:cBhvr additive="base">
+                                        <p:cTn id="8" dur="500" fill="hold"/>
+                                        <p:tgtEl>
+                                          <p:spTgt spid="5"/>
+                                        </p:tgtEl>
+                                        <p:attrNameLst>
+                                          <p:attrName>ppt_y</p:attrName>
+                                        </p:attrNameLst>
+                                      </p:cBhvr>
+                                      <p:tavLst>
+                                        <p:tav tm="0">
+                                          <p:val>
+                                            <p:strVal val="1+#ppt_h/2"/>
+                                          </p:val>
+                                        </p:tav>
+                                        <p:tav tm="100000">
+                                          <p:val>
+                                            <p:strVal val="#ppt_y"/>
+                                          </p:val>
+                                        </p:tav>
+                                      </p:tavLst>
+                                    </p:anim>
+                                  </p:childTnLst>
+                                </p:cTn>
+                              </p:par>
+                            </p:childTnLst>
+                          </p:cTn>
+                        </p:par>
+                      </p:childTnLst>
+                    </p:cTn>
+                  </p:par>
+                </p:childTnLst>
+              </p:cTn>
+              <p:prevCondLst>
+                <p:cond evt="onPrev" delay="0">
+                  <p:tgtEl>
+                    <p:sldTgt/>
+                  </p:tgtEl>
+                </p:cond>
+              </p:prevCondLst>
+              <p:nextCondLst>
+                <p:cond evt="onNext" delay="0">
+                  <p:tgtEl>
+                    <p:sldTgt/>
+                  </p:tgtEl>
+                </p:cond>
+              </p:nextCondLst>
+            </p:seq>
+          </p:childTnLst>
+        </p:cTn>
+      </p:par>
+    </p:tnLst>
+  </p:timing>
+</p:sld>
+</file>
+
+<file path=ppt/slides/slide9.xml><?xml version="1.0" encoding="utf-8"?>
+<p:sld xmlns:a="http://schemas.openxmlformats.org/drawingml/2006/main" xmlns:r="http://schemas.openxmlformats.org/officeDocument/2006/relationships" xmlns:p="http://schemas.openxmlformats.org/presentationml/2006/main">
+  <p:cSld>
+    <p:spTree>
+      <p:nvGrpSpPr>
+        <p:cNvPr id="1" name=""/>
+        <p:cNvGrpSpPr/>
+        <p:nvPr/>
+      </p:nvGrpSpPr>
+      <p:grpSpPr>
+        <a:xfrm>
+          <a:off x="0" y="0"/>
+          <a:ext cx="0" cy="0"/>
+          <a:chOff x="0" y="0"/>
+          <a:chExt cx="0" cy="0"/>
+        </a:xfrm>
+      </p:grpSpPr>
+      <p:sp>
+        <p:nvSpPr>
+          <p:cNvPr id="2" name="Title 1">
+            <a:extLst>
+              <a:ext uri="{FF2B5EF4-FFF2-40B4-BE49-F238E27FC236}">
+                <a16:creationId xmlns:a16="http://schemas.microsoft.com/office/drawing/2014/main" id="{378FD0EB-0E29-F99D-BF09-CEDFCEE891CC}"/>
+              </a:ext>
+            </a:extLst>
+          </p:cNvPr>
+          <p:cNvSpPr>
+            <a:spLocks noGrp="1"/>
+          </p:cNvSpPr>
+          <p:nvPr>
+            <p:ph type="title"/>
+          </p:nvPr>
+        </p:nvSpPr>
+        <p:spPr/>
+        <p:txBody>
+          <a:bodyPr/>
+          <a:lstStyle/>
+          <a:p>
+            <a:r>
+              <a:rPr lang="hr-HR" dirty="0"/>
+              <a:t>Dostupnost parkirnih mjesta</a:t>
+            </a:r>
+          </a:p>
+        </p:txBody>
+      </p:sp>
+      <p:pic>
+        <p:nvPicPr>
+          <p:cNvPr id="5" name="Content Placeholder 4" descr="A yellow cactus with black stripes&#10;&#10;Description automatically generated">
+            <a:extLst>
+              <a:ext uri="{FF2B5EF4-FFF2-40B4-BE49-F238E27FC236}">
+                <a16:creationId xmlns:a16="http://schemas.microsoft.com/office/drawing/2014/main" id="{8475A982-4C24-FF28-A930-D80F3147051A}"/>
+              </a:ext>
+            </a:extLst>
+          </p:cNvPr>
+          <p:cNvPicPr>
+            <a:picLocks noGrp="1" noChangeAspect="1"/>
+          </p:cNvPicPr>
+          <p:nvPr>
+            <p:ph idx="1"/>
+          </p:nvPr>
+        </p:nvPicPr>
+        <p:blipFill>
+          <a:blip r:embed="rId2">
+            <a:extLst>
+              <a:ext uri="{28A0092B-C50C-407E-A947-70E740481C1C}">
+                <a14:useLocalDpi xmlns:a14="http://schemas.microsoft.com/office/drawing/2010/main" val="0"/>
+              </a:ext>
+            </a:extLst>
+          </a:blip>
+          <a:stretch>
+            <a:fillRect/>
+          </a:stretch>
+        </p:blipFill>
+        <p:spPr>
+          <a:xfrm>
+            <a:off x="4680622" y="463458"/>
+            <a:ext cx="3175163" cy="3175163"/>
+          </a:xfrm>
+        </p:spPr>
+      </p:pic>
+      <p:pic>
+        <p:nvPicPr>
+          <p:cNvPr id="9" name="Picture 8" descr="A green cactus with black outline&#10;&#10;Description automatically generated">
+            <a:extLst>
+              <a:ext uri="{FF2B5EF4-FFF2-40B4-BE49-F238E27FC236}">
+                <a16:creationId xmlns:a16="http://schemas.microsoft.com/office/drawing/2014/main" id="{D746E5B8-241A-9BF9-7353-66FB1E5B4DD5}"/>
+              </a:ext>
+            </a:extLst>
+          </p:cNvPr>
+          <p:cNvPicPr>
+            <a:picLocks noChangeAspect="1"/>
+          </p:cNvPicPr>
+          <p:nvPr/>
+        </p:nvPicPr>
+        <p:blipFill>
+          <a:blip r:embed="rId3">
+            <a:extLst>
+              <a:ext uri="{28A0092B-C50C-407E-A947-70E740481C1C}">
+                <a14:useLocalDpi xmlns:a14="http://schemas.microsoft.com/office/drawing/2010/main" val="0"/>
+              </a:ext>
+            </a:extLst>
+          </a:blip>
+          <a:stretch>
+            <a:fillRect/>
+          </a:stretch>
+        </p:blipFill>
+        <p:spPr>
+          <a:xfrm>
+            <a:off x="1506760" y="2678457"/>
+            <a:ext cx="3175163" cy="3175163"/>
+          </a:xfrm>
+          <a:prstGeom prst="rect">
+            <a:avLst/>
+          </a:prstGeom>
+        </p:spPr>
+      </p:pic>
+      <p:sp>
+        <p:nvSpPr>
+          <p:cNvPr id="10" name="TextBox 9">
+            <a:extLst>
+              <a:ext uri="{FF2B5EF4-FFF2-40B4-BE49-F238E27FC236}">
+                <a16:creationId xmlns:a16="http://schemas.microsoft.com/office/drawing/2014/main" id="{D7961AFF-814F-505E-0F26-A4DCDE185EC4}"/>
+              </a:ext>
+            </a:extLst>
+          </p:cNvPr>
+          <p:cNvSpPr txBox="1"/>
+          <p:nvPr/>
+        </p:nvSpPr>
+        <p:spPr>
+          <a:xfrm>
+            <a:off x="1822132" y="5853620"/>
+            <a:ext cx="2544418" cy="400110"/>
+          </a:xfrm>
+          <a:prstGeom prst="rect">
+            <a:avLst/>
+          </a:prstGeom>
+          <a:noFill/>
+        </p:spPr>
+        <p:txBody>
+          <a:bodyPr wrap="square" rtlCol="0">
+            <a:spAutoFit/>
+          </a:bodyPr>
+          <a:lstStyle/>
+          <a:p>
+            <a:r>
+              <a:rPr lang="hr-HR" sz="2000" b="1" dirty="0"/>
+              <a:t>SLOBODNO MJESTO</a:t>
+            </a:r>
+          </a:p>
+        </p:txBody>
+      </p:sp>
+      <p:pic>
+        <p:nvPicPr>
+          <p:cNvPr id="7" name="Picture 6" descr="A red cactus with black outline&#10;&#10;Description automatically generated">
+            <a:extLst>
+              <a:ext uri="{FF2B5EF4-FFF2-40B4-BE49-F238E27FC236}">
+                <a16:creationId xmlns:a16="http://schemas.microsoft.com/office/drawing/2014/main" id="{32D26B83-F297-B817-15C5-4B4AEFB355F0}"/>
+              </a:ext>
+            </a:extLst>
+          </p:cNvPr>
+          <p:cNvPicPr>
+            <a:picLocks noChangeAspect="1"/>
+          </p:cNvPicPr>
+          <p:nvPr/>
+        </p:nvPicPr>
+        <p:blipFill>
+          <a:blip r:embed="rId4">
+            <a:extLst>
+              <a:ext uri="{28A0092B-C50C-407E-A947-70E740481C1C}">
+                <a14:useLocalDpi xmlns:a14="http://schemas.microsoft.com/office/drawing/2010/main" val="0"/>
+              </a:ext>
+            </a:extLst>
+          </a:blip>
+          <a:stretch>
+            <a:fillRect/>
+          </a:stretch>
+        </p:blipFill>
+        <p:spPr>
+          <a:xfrm>
+            <a:off x="8534678" y="1841418"/>
+            <a:ext cx="3175163" cy="3175163"/>
+          </a:xfrm>
+          <a:prstGeom prst="rect">
+            <a:avLst/>
+          </a:prstGeom>
+        </p:spPr>
+      </p:pic>
+      <p:sp>
+        <p:nvSpPr>
+          <p:cNvPr id="13" name="TextBox 12">
+            <a:extLst>
+              <a:ext uri="{FF2B5EF4-FFF2-40B4-BE49-F238E27FC236}">
+                <a16:creationId xmlns:a16="http://schemas.microsoft.com/office/drawing/2014/main" id="{3280024C-08FA-5F39-BF8D-B5A6A0168DA0}"/>
+              </a:ext>
+            </a:extLst>
+          </p:cNvPr>
+          <p:cNvSpPr txBox="1"/>
+          <p:nvPr/>
+        </p:nvSpPr>
+        <p:spPr>
+          <a:xfrm>
+            <a:off x="9014045" y="5016581"/>
+            <a:ext cx="2216427" cy="400110"/>
+          </a:xfrm>
+          <a:prstGeom prst="rect">
+            <a:avLst/>
+          </a:prstGeom>
+          <a:noFill/>
+        </p:spPr>
+        <p:txBody>
+          <a:bodyPr wrap="square" rtlCol="0">
+            <a:spAutoFit/>
+          </a:bodyPr>
+          <a:lstStyle/>
+          <a:p>
+            <a:r>
+              <a:rPr lang="hr-HR" sz="2000" b="1" dirty="0"/>
+              <a:t>ZAUZETO MJESTO</a:t>
+            </a:r>
+          </a:p>
+        </p:txBody>
+      </p:sp>
+      <p:sp>
+        <p:nvSpPr>
+          <p:cNvPr id="15" name="TextBox 14">
+            <a:extLst>
+              <a:ext uri="{FF2B5EF4-FFF2-40B4-BE49-F238E27FC236}">
+                <a16:creationId xmlns:a16="http://schemas.microsoft.com/office/drawing/2014/main" id="{12AB5E0D-F61E-57E9-9567-453FE5213EE9}"/>
+              </a:ext>
+            </a:extLst>
+          </p:cNvPr>
+          <p:cNvSpPr txBox="1"/>
+          <p:nvPr/>
+        </p:nvSpPr>
+        <p:spPr>
+          <a:xfrm>
+            <a:off x="5035236" y="3717235"/>
+            <a:ext cx="2474843" cy="400110"/>
+          </a:xfrm>
+          <a:prstGeom prst="rect">
+            <a:avLst/>
+          </a:prstGeom>
+          <a:noFill/>
+        </p:spPr>
+        <p:txBody>
+          <a:bodyPr wrap="square" rtlCol="0">
+            <a:spAutoFit/>
+          </a:bodyPr>
+          <a:lstStyle/>
+          <a:p>
+            <a:r>
+              <a:rPr lang="hr-HR" sz="2000" b="1" dirty="0"/>
+              <a:t>ODABRANO MJESTO</a:t>
+            </a:r>
+          </a:p>
+        </p:txBody>
+      </p:sp>
+    </p:spTree>
+    <p:extLst>
+      <p:ext uri="{BB962C8B-B14F-4D97-AF65-F5344CB8AC3E}">
+        <p14:creationId xmlns:p14="http://schemas.microsoft.com/office/powerpoint/2010/main" val="745119527"/>
+      </p:ext>
+    </p:extLst>
+  </p:cSld>
+  <p:clrMapOvr>
+    <a:masterClrMapping/>
+  </p:clrMapOvr>
+  <p:timing>
+    <p:tnLst>
+      <p:par>
+        <p:cTn id="1" dur="indefinite" restart="never" nodeType="tmRoot">
+          <p:childTnLst>
+            <p:seq concurrent="1" nextAc="seek">
+              <p:cTn id="2" dur="indefinite" nodeType="mainSeq">
+                <p:childTnLst>
+                  <p:par>
+                    <p:cTn id="3" fill="hold">
+                      <p:stCondLst>
+                        <p:cond delay="indefinite"/>
+                      </p:stCondLst>
+                      <p:childTnLst>
+                        <p:par>
+                          <p:cTn id="4" fill="hold">
+                            <p:stCondLst>
+                              <p:cond delay="0"/>
+                            </p:stCondLst>
+                            <p:childTnLst>
+                              <p:par>
+                                <p:cTn id="5" presetID="2" presetClass="entr" presetSubtype="4" fill="hold" grpId="0" nodeType="clickEffect">
+                                  <p:stCondLst>
+                                    <p:cond delay="0"/>
+                                  </p:stCondLst>
+                                  <p:childTnLst>
+                                    <p:set>
+                                      <p:cBhvr>
+                                        <p:cTn id="6" dur="1" fill="hold">
+                                          <p:stCondLst>
+                                            <p:cond delay="0"/>
+                                          </p:stCondLst>
+                                        </p:cTn>
+                                        <p:tgtEl>
+                                          <p:spTgt spid="10"/>
+                                        </p:tgtEl>
+                                        <p:attrNameLst>
+                                          <p:attrName>style.visibility</p:attrName>
+                                        </p:attrNameLst>
+                                      </p:cBhvr>
+                                      <p:to>
+                                        <p:strVal val="visible"/>
+                                      </p:to>
+                                    </p:set>
+                                    <p:anim calcmode="lin" valueType="num">
+                                      <p:cBhvr additive="base">
+                                        <p:cTn id="7" dur="500" fill="hold"/>
+                                        <p:tgtEl>
+                                          <p:spTgt spid="10"/>
+                                        </p:tgtEl>
+                                        <p:attrNameLst>
+                                          <p:attrName>ppt_x</p:attrName>
+                                        </p:attrNameLst>
+                                      </p:cBhvr>
+                                      <p:tavLst>
+                                        <p:tav tm="0">
+                                          <p:val>
+                                            <p:strVal val="#ppt_x"/>
+                                          </p:val>
+                                        </p:tav>
+                                        <p:tav tm="100000">
+                                          <p:val>
+                                            <p:strVal val="#ppt_x"/>
+                                          </p:val>
+                                        </p:tav>
+                                      </p:tavLst>
+                                    </p:anim>
+                                    <p:anim calcmode="lin" valueType="num">
+                                      <p:cBhvr additive="base">
+                                        <p:cTn id="8" dur="500" fill="hold"/>
+                                        <p:tgtEl>
+                                          <p:spTgt spid="10"/>
+                                        </p:tgtEl>
+                                        <p:attrNameLst>
+                                          <p:attrName>ppt_y</p:attrName>
+                                        </p:attrNameLst>
+                                      </p:cBhvr>
+                                      <p:tavLst>
+                                        <p:tav tm="0">
+                                          <p:val>
+                                            <p:strVal val="1+#ppt_h/2"/>
+                                          </p:val>
+                                        </p:tav>
+                                        <p:tav tm="100000">
+                                          <p:val>
+                                            <p:strVal val="#ppt_y"/>
+                                          </p:val>
+                                        </p:tav>
+                                      </p:tavLst>
+                                    </p:anim>
+                                  </p:childTnLst>
+                                </p:cTn>
+                              </p:par>
+                              <p:par>
+                                <p:cTn id="9" presetID="2" presetClass="entr" presetSubtype="4" fill="hold" nodeType="withEffect">
+                                  <p:stCondLst>
+                                    <p:cond delay="0"/>
+                                  </p:stCondLst>
+                                  <p:childTnLst>
+                                    <p:set>
+                                      <p:cBhvr>
+                                        <p:cTn id="10" dur="1" fill="hold">
+                                          <p:stCondLst>
+                                            <p:cond delay="0"/>
+                                          </p:stCondLst>
+                                        </p:cTn>
+                                        <p:tgtEl>
+                                          <p:spTgt spid="9"/>
+                                        </p:tgtEl>
+                                        <p:attrNameLst>
+                                          <p:attrName>style.visibility</p:attrName>
+                                        </p:attrNameLst>
+                                      </p:cBhvr>
+                                      <p:to>
+                                        <p:strVal val="visible"/>
+                                      </p:to>
+                                    </p:set>
+                                    <p:anim calcmode="lin" valueType="num">
+                                      <p:cBhvr additive="base">
+                                        <p:cTn id="11" dur="500" fill="hold"/>
+                                        <p:tgtEl>
+                                          <p:spTgt spid="9"/>
+                                        </p:tgtEl>
+                                        <p:attrNameLst>
+                                          <p:attrName>ppt_x</p:attrName>
+                                        </p:attrNameLst>
+                                      </p:cBhvr>
+                                      <p:tavLst>
+                                        <p:tav tm="0">
+                                          <p:val>
+                                            <p:strVal val="#ppt_x"/>
+                                          </p:val>
+                                        </p:tav>
+                                        <p:tav tm="100000">
+                                          <p:val>
+                                            <p:strVal val="#ppt_x"/>
+                                          </p:val>
+                                        </p:tav>
+                                      </p:tavLst>
+                                    </p:anim>
+                                    <p:anim calcmode="lin" valueType="num">
+                                      <p:cBhvr additive="base">
+                                        <p:cTn id="12" dur="500" fill="hold"/>
+                                        <p:tgtEl>
+                                          <p:spTgt spid="9"/>
+                                        </p:tgtEl>
+                                        <p:attrNameLst>
+                                          <p:attrName>ppt_y</p:attrName>
+                                        </p:attrNameLst>
+                                      </p:cBhvr>
+                                      <p:tavLst>
+                                        <p:tav tm="0">
+                                          <p:val>
+                                            <p:strVal val="1+#ppt_h/2"/>
+                                          </p:val>
+                                        </p:tav>
+                                        <p:tav tm="100000">
+                                          <p:val>
+                                            <p:strVal val="#ppt_y"/>
+                                          </p:val>
+                                        </p:tav>
+                                      </p:tavLst>
+                                    </p:anim>
+                                  </p:childTnLst>
+                                </p:cTn>
+                              </p:par>
+                              <p:par>
+                                <p:cTn id="13" presetID="2" presetClass="entr" presetSubtype="4" fill="hold" nodeType="withEffect">
+                                  <p:stCondLst>
+                                    <p:cond delay="0"/>
+                                  </p:stCondLst>
+                                  <p:childTnLst>
+                                    <p:set>
+                                      <p:cBhvr>
+                                        <p:cTn id="14" dur="1" fill="hold">
+                                          <p:stCondLst>
+                                            <p:cond delay="0"/>
+                                          </p:stCondLst>
+                                        </p:cTn>
+                                        <p:tgtEl>
+                                          <p:spTgt spid="5"/>
+                                        </p:tgtEl>
+                                        <p:attrNameLst>
+                                          <p:attrName>style.visibility</p:attrName>
+                                        </p:attrNameLst>
+                                      </p:cBhvr>
+                                      <p:to>
+                                        <p:strVal val="visible"/>
+                                      </p:to>
+                                    </p:set>
+                                    <p:anim calcmode="lin" valueType="num">
+                                      <p:cBhvr additive="base">
+                                        <p:cTn id="15" dur="500" fill="hold"/>
+                                        <p:tgtEl>
+                                          <p:spTgt spid="5"/>
+                                        </p:tgtEl>
+                                        <p:attrNameLst>
+                                          <p:attrName>ppt_x</p:attrName>
+                                        </p:attrNameLst>
+                                      </p:cBhvr>
+                                      <p:tavLst>
+                                        <p:tav tm="0">
+                                          <p:val>
+                                            <p:strVal val="#ppt_x"/>
+                                          </p:val>
+                                        </p:tav>
+                                        <p:tav tm="100000">
+                                          <p:val>
+                                            <p:strVal val="#ppt_x"/>
+                                          </p:val>
+                                        </p:tav>
+                                      </p:tavLst>
+                                    </p:anim>
+                                    <p:anim calcmode="lin" valueType="num">
+                                      <p:cBhvr additive="base">
+                                        <p:cTn id="16" dur="500" fill="hold"/>
+                                        <p:tgtEl>
+                                          <p:spTgt spid="5"/>
+                                        </p:tgtEl>
+                                        <p:attrNameLst>
+                                          <p:attrName>ppt_y</p:attrName>
+                                        </p:attrNameLst>
+                                      </p:cBhvr>
+                                      <p:tavLst>
+                                        <p:tav tm="0">
+                                          <p:val>
+                                            <p:strVal val="1+#ppt_h/2"/>
+                                          </p:val>
+                                        </p:tav>
+                                        <p:tav tm="100000">
+                                          <p:val>
+                                            <p:strVal val="#ppt_y"/>
+                                          </p:val>
+                                        </p:tav>
+                                      </p:tavLst>
+                                    </p:anim>
+                                  </p:childTnLst>
+                                </p:cTn>
+                              </p:par>
+                              <p:par>
+                                <p:cTn id="17" presetID="2" presetClass="entr" presetSubtype="4" fill="hold" grpId="0" nodeType="withEffect">
+                                  <p:stCondLst>
+                                    <p:cond delay="0"/>
+                                  </p:stCondLst>
+                                  <p:childTnLst>
+                                    <p:set>
+                                      <p:cBhvr>
+                                        <p:cTn id="18" dur="1" fill="hold">
+                                          <p:stCondLst>
+                                            <p:cond delay="0"/>
+                                          </p:stCondLst>
+                                        </p:cTn>
+                                        <p:tgtEl>
+                                          <p:spTgt spid="15"/>
+                                        </p:tgtEl>
+                                        <p:attrNameLst>
+                                          <p:attrName>style.visibility</p:attrName>
+                                        </p:attrNameLst>
+                                      </p:cBhvr>
+                                      <p:to>
+                                        <p:strVal val="visible"/>
+                                      </p:to>
+                                    </p:set>
+                                    <p:anim calcmode="lin" valueType="num">
+                                      <p:cBhvr additive="base">
+                                        <p:cTn id="19" dur="500" fill="hold"/>
+                                        <p:tgtEl>
+                                          <p:spTgt spid="15"/>
+                                        </p:tgtEl>
+                                        <p:attrNameLst>
+                                          <p:attrName>ppt_x</p:attrName>
+                                        </p:attrNameLst>
+                                      </p:cBhvr>
+                                      <p:tavLst>
+                                        <p:tav tm="0">
+                                          <p:val>
+                                            <p:strVal val="#ppt_x"/>
+                                          </p:val>
+                                        </p:tav>
+                                        <p:tav tm="100000">
+                                          <p:val>
+                                            <p:strVal val="#ppt_x"/>
+                                          </p:val>
+                                        </p:tav>
+                                      </p:tavLst>
+                                    </p:anim>
+                                    <p:anim calcmode="lin" valueType="num">
+                                      <p:cBhvr additive="base">
+                                        <p:cTn id="20" dur="500" fill="hold"/>
+                                        <p:tgtEl>
+                                          <p:spTgt spid="15"/>
+                                        </p:tgtEl>
+                                        <p:attrNameLst>
+                                          <p:attrName>ppt_y</p:attrName>
+                                        </p:attrNameLst>
+                                      </p:cBhvr>
+                                      <p:tavLst>
+                                        <p:tav tm="0">
+                                          <p:val>
+                                            <p:strVal val="1+#ppt_h/2"/>
+                                          </p:val>
+                                        </p:tav>
+                                        <p:tav tm="100000">
+                                          <p:val>
+                                            <p:strVal val="#ppt_y"/>
+                                          </p:val>
+                                        </p:tav>
+                                      </p:tavLst>
+                                    </p:anim>
+                                  </p:childTnLst>
+                                </p:cTn>
+                              </p:par>
+                              <p:par>
+                                <p:cTn id="21" presetID="2" presetClass="entr" presetSubtype="4" fill="hold" nodeType="withEffect">
                                   <p:stCondLst>
                                     <p:cond delay="0"/>
                                   </p:stCondLst>
@@ -18934,7 +19655,7 @@
                                           </p:stCondLst>
                                         </p:cTn>
                                         <p:tgtEl>
-                                          <p:spTgt spid="14"/>
+                                          <p:spTgt spid="7"/>
                                         </p:tgtEl>
                                         <p:attrNameLst>
                                           <p:attrName>style.visibility</p:attrName>
@@ -18948,7 +19669,7 @@
                                       <p:cBhvr additive="base">
                                         <p:cTn id="23" dur="500" fill="hold"/>
                                         <p:tgtEl>
-                                          <p:spTgt spid="14"/>
+                                          <p:spTgt spid="7"/>
                                         </p:tgtEl>
                                         <p:attrNameLst>
                                           <p:attrName>ppt_x</p:attrName>
@@ -18971,7 +19692,80 @@
                                       <p:cBhvr additive="base">
                                         <p:cTn id="24" dur="500" fill="hold"/>
                                         <p:tgtEl>
-                                          <p:spTgt spid="14"/>
+                                          <p:spTgt spid="7"/>
+                                        </p:tgtEl>
+                                        <p:attrNameLst>
+                                          <p:attrName>ppt_y</p:attrName>
+                                        </p:attrNameLst>
+                                      </p:cBhvr>
+                                      <p:tavLst>
+                                        <p:tav tm="0">
+                                          <p:val>
+                                            <p:strVal val="1+#ppt_h/2"/>
+                                          </p:val>
+                                        </p:tav>
+                                        <p:tav tm="100000">
+                                          <p:val>
+                                            <p:strVal val="#ppt_y"/>
+                                          </p:val>
+                                        </p:tav>
+                                      </p:tavLst>
+                                    </p:anim>
+                                  </p:childTnLst>
+                                </p:cTn>
+                              </p:par>
+                              <p:par>
+                                <p:cTn id="25" presetID="2" presetClass="entr" presetSubtype="4" fill="hold" grpId="0" nodeType="withEffect">
+                                  <p:stCondLst>
+                                    <p:cond delay="0"/>
+                                  </p:stCondLst>
+                                  <p:childTnLst>
+                                    <p:set>
+                                      <p:cBhvr>
+                                        <p:cTn id="26" dur="1" fill="hold">
+                                          <p:stCondLst>
+                                            <p:cond delay="0"/>
+                                          </p:stCondLst>
+                                        </p:cTn>
+                                        <p:tgtEl>
+                                          <p:spTgt spid="13"/>
+                                        </p:tgtEl>
+                                        <p:attrNameLst>
+                                          <p:attrName>style.visibility</p:attrName>
+                                        </p:attrNameLst>
+                                      </p:cBhvr>
+                                      <p:to>
+                                        <p:strVal val="visible"/>
+                                      </p:to>
+                                    </p:set>
+                                    <p:anim calcmode="lin" valueType="num">
+                                      <p:cBhvr additive="base">
+                                        <p:cTn id="27" dur="500" fill="hold"/>
+                                        <p:tgtEl>
+                                          <p:spTgt spid="13"/>
+                                        </p:tgtEl>
+                                        <p:attrNameLst>
+                                          <p:attrName>ppt_x</p:attrName>
+                                        </p:attrNameLst>
+                                      </p:cBhvr>
+                                      <p:tavLst>
+                                        <p:tav tm="0">
+                                          <p:val>
+                                            <p:strVal val="#ppt_x"/>
+                                          </p:val>
+                                        </p:tav>
+                                        <p:tav tm="100000">
+                                          <p:val>
+                                            <p:strVal val="#ppt_x"/>
+                                          </p:val>
+                                        </p:tav>
+                                      </p:tavLst>
+                                    </p:anim>
+                                    <p:anim calcmode="lin" valueType="num">
+                                      <p:cBhvr additive="base">
+                                        <p:cTn id="28" dur="500" fill="hold"/>
+                                        <p:tgtEl>
+                                          <p:spTgt spid="13"/>
                                         </p:tgtEl>
                                         <p:attrNameLst>
                                           <p:attrName>ppt_y</p:attrName>
@@ -19021,6 +19815,8 @@
       </p:par>
     </p:tnLst>
     <p:bldLst>
+      <p:bldP spid="10" grpId="0"/>
+      <p:bldP spid="13" grpId="0"/>
       <p:bldP spid="15" grpId="0"/>
     </p:bldLst>
   </p:timing>

--- a/PARKTUS.pptx
+++ b/PARKTUS.pptx
@@ -17,9 +17,10 @@
     <p:sldId id="268" r:id="rId11"/>
     <p:sldId id="271" r:id="rId12"/>
     <p:sldId id="263" r:id="rId13"/>
-    <p:sldId id="264" r:id="rId14"/>
-    <p:sldId id="265" r:id="rId15"/>
-    <p:sldId id="267" r:id="rId16"/>
+    <p:sldId id="272" r:id="rId14"/>
+    <p:sldId id="264" r:id="rId15"/>
+    <p:sldId id="265" r:id="rId16"/>
+    <p:sldId id="267" r:id="rId17"/>
   </p:sldIdLst>
   <p:sldSz cx="12192000" cy="6858000"/>
   <p:notesSz cx="6858000" cy="9144000"/>
@@ -17574,7 +17575,7 @@
           <p:cNvPr id="2" name="Title 1">
             <a:extLst>
               <a:ext uri="{FF2B5EF4-FFF2-40B4-BE49-F238E27FC236}">
-                <a16:creationId xmlns:a16="http://schemas.microsoft.com/office/drawing/2014/main" id="{E1667C6E-7AB1-9AA8-9A6D-6B062B1ABEAA}"/>
+                <a16:creationId xmlns:a16="http://schemas.microsoft.com/office/drawing/2014/main" id="{9CA7EC00-400E-014D-7B13-A2455E61F375}"/>
               </a:ext>
             </a:extLst>
           </p:cNvPr>
@@ -17592,15 +17593,8 @@
           <a:p>
             <a:r>
               <a:rPr lang="hr-HR" dirty="0"/>
-              <a:t>Prednosti korištenja Parktusa </a:t>
-            </a:r>
-            <a:r>
-              <a:rPr lang="hr-HR" dirty="0">
-                <a:sym typeface="Wingdings" panose="05000000000000000000" pitchFamily="2" charset="2"/>
-              </a:rPr>
-              <a:t></a:t>
-            </a:r>
-            <a:endParaRPr lang="hr-HR" dirty="0"/>
+              <a:t>ADMIN</a:t>
+            </a:r>
           </a:p>
         </p:txBody>
       </p:sp>
@@ -17609,7 +17603,7 @@
           <p:cNvPr id="3" name="Content Placeholder 2">
             <a:extLst>
               <a:ext uri="{FF2B5EF4-FFF2-40B4-BE49-F238E27FC236}">
-                <a16:creationId xmlns:a16="http://schemas.microsoft.com/office/drawing/2014/main" id="{8457CE9B-0828-F075-4D33-EEE62917B26E}"/>
+                <a16:creationId xmlns:a16="http://schemas.microsoft.com/office/drawing/2014/main" id="{CED4521A-42A5-31DF-4BB0-658452B000EF}"/>
               </a:ext>
             </a:extLst>
           </p:cNvPr>
@@ -17620,30 +17614,64 @@
             <p:ph idx="1"/>
           </p:nvPr>
         </p:nvSpPr>
-        <p:spPr/>
+        <p:spPr>
+          <a:xfrm>
+            <a:off x="2318657" y="2346008"/>
+            <a:ext cx="4270986" cy="4375466"/>
+          </a:xfrm>
+        </p:spPr>
         <p:txBody>
           <a:bodyPr>
-            <a:normAutofit/>
+            <a:normAutofit lnSpcReduction="10000"/>
           </a:bodyPr>
           <a:lstStyle/>
           <a:p>
             <a:r>
               <a:rPr lang="hr-HR" dirty="0"/>
-              <a:t>Ušteda vremena i živaca</a:t>
-            </a:r>
-          </a:p>
-          <a:p>
+              <a:t>Administrator je u mogućnosti:</a:t>
+            </a:r>
+          </a:p>
+          <a:p>
+            <a:pPr lvl="1"/>
             <a:r>
               <a:rPr lang="hr-HR" dirty="0"/>
-              <a:t>Ušteda goriva i novčanih sredstava</a:t>
-            </a:r>
+              <a:t>maknuti parkirno mjesto</a:t>
+            </a:r>
+          </a:p>
+          <a:p>
+            <a:pPr lvl="1"/>
+            <a:r>
+              <a:rPr lang="hr-HR" dirty="0"/>
+              <a:t>Ažurirati podatke o:</a:t>
+            </a:r>
+          </a:p>
+          <a:p>
+            <a:pPr lvl="3"/>
+            <a:r>
+              <a:rPr lang="hr-HR" dirty="0"/>
+              <a:t>Zoni</a:t>
+            </a:r>
+          </a:p>
+          <a:p>
+            <a:pPr lvl="3"/>
+            <a:r>
+              <a:rPr lang="hr-HR" dirty="0"/>
+              <a:t>Tipu parkirnog mjesta</a:t>
+            </a:r>
+          </a:p>
+          <a:p>
+            <a:pPr lvl="3"/>
+            <a:endParaRPr lang="hr-HR" dirty="0"/>
+          </a:p>
+          <a:p>
+            <a:endParaRPr lang="hr-HR" dirty="0"/>
           </a:p>
         </p:txBody>
       </p:sp>
     </p:spTree>
     <p:extLst>
       <p:ext uri="{BB962C8B-B14F-4D97-AF65-F5344CB8AC3E}">
-        <p14:creationId xmlns:p14="http://schemas.microsoft.com/office/powerpoint/2010/main" val="3463723570"/>
+        <p14:creationId xmlns:p14="http://schemas.microsoft.com/office/powerpoint/2010/main" val="432230945"/>
       </p:ext>
     </p:extLst>
   </p:cSld>
@@ -17675,6 +17703,107 @@
           <p:cNvPr id="2" name="Title 1">
             <a:extLst>
               <a:ext uri="{FF2B5EF4-FFF2-40B4-BE49-F238E27FC236}">
+                <a16:creationId xmlns:a16="http://schemas.microsoft.com/office/drawing/2014/main" id="{E1667C6E-7AB1-9AA8-9A6D-6B062B1ABEAA}"/>
+              </a:ext>
+            </a:extLst>
+          </p:cNvPr>
+          <p:cNvSpPr>
+            <a:spLocks noGrp="1"/>
+          </p:cNvSpPr>
+          <p:nvPr>
+            <p:ph type="title"/>
+          </p:nvPr>
+        </p:nvSpPr>
+        <p:spPr/>
+        <p:txBody>
+          <a:bodyPr/>
+          <a:lstStyle/>
+          <a:p>
+            <a:r>
+              <a:rPr lang="hr-HR" dirty="0"/>
+              <a:t>Prednosti korištenja Parktusa </a:t>
+            </a:r>
+            <a:r>
+              <a:rPr lang="hr-HR" dirty="0">
+                <a:sym typeface="Wingdings" panose="05000000000000000000" pitchFamily="2" charset="2"/>
+              </a:rPr>
+              <a:t></a:t>
+            </a:r>
+            <a:endParaRPr lang="hr-HR" dirty="0"/>
+          </a:p>
+        </p:txBody>
+      </p:sp>
+      <p:sp>
+        <p:nvSpPr>
+          <p:cNvPr id="3" name="Content Placeholder 2">
+            <a:extLst>
+              <a:ext uri="{FF2B5EF4-FFF2-40B4-BE49-F238E27FC236}">
+                <a16:creationId xmlns:a16="http://schemas.microsoft.com/office/drawing/2014/main" id="{8457CE9B-0828-F075-4D33-EEE62917B26E}"/>
+              </a:ext>
+            </a:extLst>
+          </p:cNvPr>
+          <p:cNvSpPr>
+            <a:spLocks noGrp="1"/>
+          </p:cNvSpPr>
+          <p:nvPr>
+            <p:ph idx="1"/>
+          </p:nvPr>
+        </p:nvSpPr>
+        <p:spPr/>
+        <p:txBody>
+          <a:bodyPr>
+            <a:normAutofit/>
+          </a:bodyPr>
+          <a:lstStyle/>
+          <a:p>
+            <a:r>
+              <a:rPr lang="hr-HR" dirty="0"/>
+              <a:t>Ušteda vremena i živaca</a:t>
+            </a:r>
+          </a:p>
+          <a:p>
+            <a:r>
+              <a:rPr lang="hr-HR" dirty="0"/>
+              <a:t>Ušteda goriva i novčanih sredstava</a:t>
+            </a:r>
+          </a:p>
+        </p:txBody>
+      </p:sp>
+    </p:spTree>
+    <p:extLst>
+      <p:ext uri="{BB962C8B-B14F-4D97-AF65-F5344CB8AC3E}">
+        <p14:creationId xmlns:p14="http://schemas.microsoft.com/office/powerpoint/2010/main" val="3463723570"/>
+      </p:ext>
+    </p:extLst>
+  </p:cSld>
+  <p:clrMapOvr>
+    <a:masterClrMapping/>
+  </p:clrMapOvr>
+</p:sld>
+</file>
+
+<file path=ppt/slides/slide15.xml><?xml version="1.0" encoding="utf-8"?>
+<p:sld xmlns:a="http://schemas.openxmlformats.org/drawingml/2006/main" xmlns:r="http://schemas.openxmlformats.org/officeDocument/2006/relationships" xmlns:p="http://schemas.openxmlformats.org/presentationml/2006/main">
+  <p:cSld>
+    <p:spTree>
+      <p:nvGrpSpPr>
+        <p:cNvPr id="1" name=""/>
+        <p:cNvGrpSpPr/>
+        <p:nvPr/>
+      </p:nvGrpSpPr>
+      <p:grpSpPr>
+        <a:xfrm>
+          <a:off x="0" y="0"/>
+          <a:ext cx="0" cy="0"/>
+          <a:chOff x="0" y="0"/>
+          <a:chExt cx="0" cy="0"/>
+        </a:xfrm>
+      </p:grpSpPr>
+      <p:sp>
+        <p:nvSpPr>
+          <p:cNvPr id="2" name="Title 1">
+            <a:extLst>
+              <a:ext uri="{FF2B5EF4-FFF2-40B4-BE49-F238E27FC236}">
                 <a16:creationId xmlns:a16="http://schemas.microsoft.com/office/drawing/2014/main" id="{7C6D0A8A-1611-268E-1EC4-E0B154997576}"/>
               </a:ext>
             </a:extLst>
@@ -17768,7 +17897,7 @@
 </p:sld>
 </file>
 
-<file path=ppt/slides/slide15.xml><?xml version="1.0" encoding="utf-8"?>
+<file path=ppt/slides/slide16.xml><?xml version="1.0" encoding="utf-8"?>
 <p:sld xmlns:a="http://schemas.openxmlformats.org/drawingml/2006/main" xmlns:r="http://schemas.openxmlformats.org/officeDocument/2006/relationships" xmlns:p="http://schemas.openxmlformats.org/presentationml/2006/main">
   <p:cSld>
     <p:spTree>

--- a/PARKTUS.pptx
+++ b/PARKTUS.pptx
@@ -17635,7 +17635,7 @@
             <a:pPr lvl="1"/>
             <a:r>
               <a:rPr lang="hr-HR" dirty="0"/>
-              <a:t>maknuti parkirno mjesto</a:t>
+              <a:t>Maknuti ili stvoriti parkirno mjesto</a:t>
             </a:r>
           </a:p>
           <a:p>
@@ -17668,6 +17668,42 @@
           </a:p>
         </p:txBody>
       </p:sp>
+      <p:pic>
+        <p:nvPicPr>
+          <p:cNvPr id="5" name="Picture 4" descr="A screenshot of a video game">
+            <a:extLst>
+              <a:ext uri="{FF2B5EF4-FFF2-40B4-BE49-F238E27FC236}">
+                <a16:creationId xmlns:a16="http://schemas.microsoft.com/office/drawing/2014/main" id="{3BBF3AD0-6150-049C-598D-51234EA39D42}"/>
+              </a:ext>
+            </a:extLst>
+          </p:cNvPr>
+          <p:cNvPicPr>
+            <a:picLocks noChangeAspect="1"/>
+          </p:cNvPicPr>
+          <p:nvPr/>
+        </p:nvPicPr>
+        <p:blipFill>
+          <a:blip r:embed="rId2">
+            <a:extLst>
+              <a:ext uri="{28A0092B-C50C-407E-A947-70E740481C1C}">
+                <a14:useLocalDpi xmlns:a14="http://schemas.microsoft.com/office/drawing/2010/main" val="0"/>
+              </a:ext>
+            </a:extLst>
+          </a:blip>
+          <a:stretch>
+            <a:fillRect/>
+          </a:stretch>
+        </p:blipFill>
+        <p:spPr>
+          <a:xfrm>
+            <a:off x="8449056" y="204226"/>
+            <a:ext cx="3047741" cy="6449547"/>
+          </a:xfrm>
+          <a:prstGeom prst="rect">
+            <a:avLst/>
+          </a:prstGeom>
+        </p:spPr>
+      </p:pic>
     </p:spTree>
     <p:extLst>
       <p:ext uri="{BB962C8B-B14F-4D97-AF65-F5344CB8AC3E}">
